--- a/Org.pptx
+++ b/Org.pptx
@@ -6,9 +6,9 @@
   </p:sldMasterIdLst>
   <p:sldIdLst>
     <p:sldId id="256" r:id="rId2"/>
-    <p:sldId id="262" r:id="rId3"/>
-    <p:sldId id="266" r:id="rId4"/>
-    <p:sldId id="265" r:id="rId5"/>
+    <p:sldId id="265" r:id="rId3"/>
+    <p:sldId id="262" r:id="rId4"/>
+    <p:sldId id="266" r:id="rId5"/>
     <p:sldId id="264" r:id="rId6"/>
     <p:sldId id="257" r:id="rId7"/>
     <p:sldId id="258" r:id="rId8"/>
@@ -1146,7 +1146,7 @@
           <a:p>
             <a:fld id="{5D8C6776-9243-4DB0-9485-6E30042E338C}" type="datetimeFigureOut">
               <a:rPr lang="de-DE" smtClean="0"/>
-              <a:t>10.10.2020</a:t>
+              <a:t>17.10.2020</a:t>
             </a:fld>
             <a:endParaRPr lang="de-DE"/>
           </a:p>
@@ -1344,7 +1344,7 @@
           <a:p>
             <a:fld id="{5D8C6776-9243-4DB0-9485-6E30042E338C}" type="datetimeFigureOut">
               <a:rPr lang="de-DE" smtClean="0"/>
-              <a:t>10.10.2020</a:t>
+              <a:t>17.10.2020</a:t>
             </a:fld>
             <a:endParaRPr lang="de-DE"/>
           </a:p>
@@ -1552,7 +1552,7 @@
           <a:p>
             <a:fld id="{5D8C6776-9243-4DB0-9485-6E30042E338C}" type="datetimeFigureOut">
               <a:rPr lang="de-DE" smtClean="0"/>
-              <a:t>10.10.2020</a:t>
+              <a:t>17.10.2020</a:t>
             </a:fld>
             <a:endParaRPr lang="de-DE"/>
           </a:p>
@@ -1750,7 +1750,7 @@
           <a:p>
             <a:fld id="{5D8C6776-9243-4DB0-9485-6E30042E338C}" type="datetimeFigureOut">
               <a:rPr lang="de-DE" smtClean="0"/>
-              <a:t>10.10.2020</a:t>
+              <a:t>17.10.2020</a:t>
             </a:fld>
             <a:endParaRPr lang="de-DE"/>
           </a:p>
@@ -2025,7 +2025,7 @@
           <a:p>
             <a:fld id="{5D8C6776-9243-4DB0-9485-6E30042E338C}" type="datetimeFigureOut">
               <a:rPr lang="de-DE" smtClean="0"/>
-              <a:t>10.10.2020</a:t>
+              <a:t>17.10.2020</a:t>
             </a:fld>
             <a:endParaRPr lang="de-DE"/>
           </a:p>
@@ -2290,7 +2290,7 @@
           <a:p>
             <a:fld id="{5D8C6776-9243-4DB0-9485-6E30042E338C}" type="datetimeFigureOut">
               <a:rPr lang="de-DE" smtClean="0"/>
-              <a:t>10.10.2020</a:t>
+              <a:t>17.10.2020</a:t>
             </a:fld>
             <a:endParaRPr lang="de-DE"/>
           </a:p>
@@ -2702,7 +2702,7 @@
           <a:p>
             <a:fld id="{5D8C6776-9243-4DB0-9485-6E30042E338C}" type="datetimeFigureOut">
               <a:rPr lang="de-DE" smtClean="0"/>
-              <a:t>10.10.2020</a:t>
+              <a:t>17.10.2020</a:t>
             </a:fld>
             <a:endParaRPr lang="de-DE"/>
           </a:p>
@@ -2843,7 +2843,7 @@
           <a:p>
             <a:fld id="{5D8C6776-9243-4DB0-9485-6E30042E338C}" type="datetimeFigureOut">
               <a:rPr lang="de-DE" smtClean="0"/>
-              <a:t>10.10.2020</a:t>
+              <a:t>17.10.2020</a:t>
             </a:fld>
             <a:endParaRPr lang="de-DE"/>
           </a:p>
@@ -2956,7 +2956,7 @@
           <a:p>
             <a:fld id="{5D8C6776-9243-4DB0-9485-6E30042E338C}" type="datetimeFigureOut">
               <a:rPr lang="de-DE" smtClean="0"/>
-              <a:t>10.10.2020</a:t>
+              <a:t>17.10.2020</a:t>
             </a:fld>
             <a:endParaRPr lang="de-DE"/>
           </a:p>
@@ -3267,7 +3267,7 @@
           <a:p>
             <a:fld id="{5D8C6776-9243-4DB0-9485-6E30042E338C}" type="datetimeFigureOut">
               <a:rPr lang="de-DE" smtClean="0"/>
-              <a:t>10.10.2020</a:t>
+              <a:t>17.10.2020</a:t>
             </a:fld>
             <a:endParaRPr lang="de-DE"/>
           </a:p>
@@ -3555,7 +3555,7 @@
           <a:p>
             <a:fld id="{5D8C6776-9243-4DB0-9485-6E30042E338C}" type="datetimeFigureOut">
               <a:rPr lang="de-DE" smtClean="0"/>
-              <a:t>10.10.2020</a:t>
+              <a:t>17.10.2020</a:t>
             </a:fld>
             <a:endParaRPr lang="de-DE"/>
           </a:p>
@@ -3796,7 +3796,7 @@
           <a:p>
             <a:fld id="{5D8C6776-9243-4DB0-9485-6E30042E338C}" type="datetimeFigureOut">
               <a:rPr lang="de-DE" smtClean="0"/>
-              <a:t>10.10.2020</a:t>
+              <a:t>17.10.2020</a:t>
             </a:fld>
             <a:endParaRPr lang="de-DE"/>
           </a:p>
@@ -4493,15 +4493,24 @@
         </p:spPr>
         <p:txBody>
           <a:bodyPr>
-            <a:normAutofit fontScale="90000"/>
+            <a:normAutofit/>
           </a:bodyPr>
           <a:lstStyle/>
           <a:p>
             <a:pPr algn="l"/>
             <a:r>
-              <a:rPr lang="de-CH" dirty="0"/>
-              <a:t>Komm. Von K14 zu RS6</a:t>
-            </a:r>
+              <a:rPr lang="de-CH" b="1" dirty="0">
+                <a:solidFill>
+                  <a:srgbClr val="FF0000"/>
+                </a:solidFill>
+              </a:rPr>
+              <a:t>Vorgehen RS6:</a:t>
+            </a:r>
+            <a:endParaRPr lang="de-CH" dirty="0">
+              <a:solidFill>
+                <a:srgbClr val="FF0000"/>
+              </a:solidFill>
+            </a:endParaRPr>
           </a:p>
         </p:txBody>
       </p:sp>
@@ -4545,9 +4554,132 @@
               <a:buAutoNum type="arabicPeriod"/>
             </a:pPr>
             <a:r>
-              <a:rPr lang="de-DE" sz="2000" b="1" dirty="0"/>
-              <a:t>Class mit allen nötigen Key-/ Mousebinds</a:t>
-            </a:r>
+              <a:rPr lang="de-DE" sz="2000" b="1" dirty="0">
+                <a:solidFill>
+                  <a:schemeClr val="tx2"/>
+                </a:solidFill>
+              </a:rPr>
+              <a:t>Kommunikation NN zu RS6 ausarbeiten</a:t>
+            </a:r>
+          </a:p>
+          <a:p>
+            <a:pPr marL="457200" indent="-457200" algn="l">
+              <a:buFont typeface="+mj-lt"/>
+              <a:buAutoNum type="arabicPeriod"/>
+            </a:pPr>
+            <a:r>
+              <a:rPr lang="de-DE" sz="2000" b="1" dirty="0">
+                <a:solidFill>
+                  <a:schemeClr val="accent1"/>
+                </a:solidFill>
+              </a:rPr>
+              <a:t>Komm. RS6 zu NN</a:t>
+            </a:r>
+          </a:p>
+          <a:p>
+            <a:pPr marL="457200" indent="-457200" algn="l">
+              <a:buFont typeface="+mj-lt"/>
+              <a:buAutoNum type="arabicPeriod"/>
+            </a:pPr>
+            <a:r>
+              <a:rPr lang="de-DE" sz="2000" b="1" dirty="0">
+                <a:solidFill>
+                  <a:schemeClr val="accent2"/>
+                </a:solidFill>
+              </a:rPr>
+              <a:t>Architektur </a:t>
+            </a:r>
+            <a:r>
+              <a:rPr lang="de-DE" sz="2000" b="1" dirty="0" err="1">
+                <a:solidFill>
+                  <a:schemeClr val="accent2"/>
+                </a:solidFill>
+              </a:rPr>
+              <a:t>skalierung</a:t>
+            </a:r>
+            <a:r>
+              <a:rPr lang="de-DE" sz="2000" b="1" dirty="0">
+                <a:solidFill>
+                  <a:schemeClr val="accent2"/>
+                </a:solidFill>
+              </a:rPr>
+              <a:t> entscheiden/ausarbeiten</a:t>
+            </a:r>
+          </a:p>
+          <a:p>
+            <a:pPr marL="457200" indent="-457200" algn="l">
+              <a:buFont typeface="+mj-lt"/>
+              <a:buAutoNum type="arabicPeriod"/>
+            </a:pPr>
+            <a:r>
+              <a:rPr lang="de-DE" sz="2000" b="1" dirty="0">
+                <a:solidFill>
+                  <a:schemeClr val="accent2"/>
+                </a:solidFill>
+              </a:rPr>
+              <a:t>Vereinfachte Version Architektur testen</a:t>
+            </a:r>
+          </a:p>
+          <a:p>
+            <a:pPr marL="457200" indent="-457200" algn="l">
+              <a:buFont typeface="+mj-lt"/>
+              <a:buAutoNum type="arabicPeriod"/>
+            </a:pPr>
+            <a:r>
+              <a:rPr lang="de-DE" sz="2000" b="1" dirty="0">
+                <a:solidFill>
+                  <a:schemeClr val="accent2"/>
+                </a:solidFill>
+              </a:rPr>
+              <a:t>Anpassung Architektur usw.</a:t>
+            </a:r>
+          </a:p>
+          <a:p>
+            <a:pPr marL="457200" indent="-457200" algn="l">
+              <a:buFont typeface="+mj-lt"/>
+              <a:buAutoNum type="arabicPeriod"/>
+            </a:pPr>
+            <a:r>
+              <a:rPr lang="de-DE" sz="2000" b="1" dirty="0">
+                <a:solidFill>
+                  <a:schemeClr val="accent2"/>
+                </a:solidFill>
+              </a:rPr>
+              <a:t>Lernen </a:t>
+            </a:r>
+            <a:r>
+              <a:rPr lang="de-DE" sz="2000" b="1" dirty="0" err="1">
+                <a:solidFill>
+                  <a:schemeClr val="accent2"/>
+                </a:solidFill>
+              </a:rPr>
+              <a:t>Lernen</a:t>
+            </a:r>
+            <a:r>
+              <a:rPr lang="de-DE" sz="2000" b="1" dirty="0">
+                <a:solidFill>
+                  <a:schemeClr val="accent2"/>
+                </a:solidFill>
+              </a:rPr>
+              <a:t> </a:t>
+            </a:r>
+            <a:r>
+              <a:rPr lang="de-DE" sz="2000" b="1" dirty="0" err="1">
+                <a:solidFill>
+                  <a:schemeClr val="accent2"/>
+                </a:solidFill>
+              </a:rPr>
+              <a:t>Lernen</a:t>
+            </a:r>
+            <a:endParaRPr lang="de-DE" sz="2000" b="1" dirty="0">
+              <a:solidFill>
+                <a:schemeClr val="accent2"/>
+              </a:solidFill>
+            </a:endParaRPr>
+          </a:p>
+          <a:p>
+            <a:pPr algn="l"/>
+            <a:endParaRPr lang="de-DE" sz="2000" b="1" dirty="0"/>
           </a:p>
         </p:txBody>
       </p:sp>
@@ -4576,7 +4708,7 @@
         </p:spPr>
         <p:txBody>
           <a:bodyPr vert="horz" lIns="91440" tIns="45720" rIns="91440" bIns="45720" rtlCol="0">
-            <a:normAutofit/>
+            <a:normAutofit lnSpcReduction="10000"/>
           </a:bodyPr>
           <a:lstStyle>
             <a:lvl1pPr marL="0" indent="0" algn="ctr" defTabSz="914400" rtl="0" eaLnBrk="1" latinLnBrk="0" hangingPunct="1">
@@ -4748,16 +4880,22 @@
               <a:buAutoNum type="arabicPeriod"/>
             </a:pPr>
             <a:r>
-              <a:rPr lang="de-CH" sz="2000" dirty="0">
+              <a:rPr lang="de-DE" sz="2000" dirty="0">
                 <a:solidFill>
                   <a:schemeClr val="accent2">
                     <a:lumMod val="50000"/>
                   </a:schemeClr>
                 </a:solidFill>
               </a:rPr>
-              <a:t>Test Latenz/ flüssige Steuerung</a:t>
-            </a:r>
-            <a:br>
+              <a:t>Nötigen Outputs, Latenz</a:t>
+            </a:r>
+          </a:p>
+          <a:p>
+            <a:pPr marL="457200" indent="-457200" algn="l">
+              <a:buFont typeface="+mj-lt"/>
+              <a:buAutoNum type="arabicPeriod"/>
+            </a:pPr>
+            <a:r>
               <a:rPr lang="de-CH" sz="2000" dirty="0">
                 <a:solidFill>
                   <a:schemeClr val="accent2">
@@ -4765,17 +4903,31 @@
                   </a:schemeClr>
                 </a:solidFill>
               </a:rPr>
-            </a:br>
-            <a:r>
-              <a:rPr lang="de-CH" sz="2000" dirty="0">
+              <a:t>Aufnahmelatenz, Filter/ Konvolution, Anzahl </a:t>
+            </a:r>
+            <a:r>
+              <a:rPr lang="de-CH" sz="2000" dirty="0" err="1">
                 <a:solidFill>
                   <a:schemeClr val="accent2">
                     <a:lumMod val="50000"/>
                   </a:schemeClr>
                 </a:solidFill>
               </a:rPr>
-              <a:t>Mit </a:t>
-            </a:r>
+              <a:t>inputs</a:t>
+            </a:r>
+            <a:endParaRPr lang="de-CH" sz="2000" dirty="0">
+              <a:solidFill>
+                <a:schemeClr val="accent2">
+                  <a:lumMod val="50000"/>
+                </a:schemeClr>
+              </a:solidFill>
+            </a:endParaRPr>
+          </a:p>
+          <a:p>
+            <a:pPr marL="457200" indent="-457200" algn="l">
+              <a:buFont typeface="+mj-lt"/>
+              <a:buAutoNum type="arabicPeriod"/>
+            </a:pPr>
             <a:r>
               <a:rPr lang="de-CH" sz="2000" dirty="0">
                 <a:solidFill>
@@ -4783,25 +4935,31 @@
                     <a:lumMod val="50000"/>
                   </a:schemeClr>
                 </a:solidFill>
-                <a:highlight>
-                  <a:srgbClr val="FFFF00"/>
-                </a:highlight>
               </a:rPr>
-              <a:t>Python </a:t>
-            </a:r>
-            <a:r>
-              <a:rPr lang="de-CH" sz="2000" dirty="0" err="1">
+              <a:t>Selbständig/Teilselbstständig, Welche NNs</a:t>
+            </a:r>
+          </a:p>
+          <a:p>
+            <a:pPr marL="457200" indent="-457200" algn="l">
+              <a:buFont typeface="+mj-lt"/>
+              <a:buAutoNum type="arabicPeriod"/>
+            </a:pPr>
+            <a:r>
+              <a:rPr lang="de-CH" sz="2000" dirty="0">
                 <a:solidFill>
                   <a:schemeClr val="accent2">
                     <a:lumMod val="50000"/>
                   </a:schemeClr>
                 </a:solidFill>
-                <a:highlight>
-                  <a:srgbClr val="FFFF00"/>
-                </a:highlight>
               </a:rPr>
-              <a:t>ctypes</a:t>
-            </a:r>
+              <a:t>Funktion prüfen, bestmöglich RS6 Daten</a:t>
+            </a:r>
+          </a:p>
+          <a:p>
+            <a:pPr marL="457200" indent="-457200" algn="l">
+              <a:buFont typeface="+mj-lt"/>
+              <a:buAutoNum type="arabicPeriod"/>
+            </a:pPr>
             <a:r>
               <a:rPr lang="de-CH" sz="2000" dirty="0">
                 <a:solidFill>
@@ -4809,12 +4967,15 @@
                     <a:lumMod val="50000"/>
                   </a:schemeClr>
                 </a:solidFill>
-                <a:highlight>
-                  <a:srgbClr val="FFFF00"/>
-                </a:highlight>
               </a:rPr>
-              <a:t> sollte gehen</a:t>
-            </a:r>
+              <a:t>--</a:t>
+            </a:r>
+          </a:p>
+          <a:p>
+            <a:pPr marL="457200" indent="-457200" algn="l">
+              <a:buFont typeface="+mj-lt"/>
+              <a:buAutoNum type="arabicPeriod"/>
+            </a:pPr>
             <a:r>
               <a:rPr lang="de-CH" sz="2000" dirty="0">
                 <a:solidFill>
@@ -4823,120 +4984,123 @@
                   </a:schemeClr>
                 </a:solidFill>
               </a:rPr>
-              <a:t>, sehr grosser</a:t>
-            </a:r>
-            <a:br>
-              <a:rPr lang="de-CH" sz="2000" dirty="0">
-                <a:solidFill>
-                  <a:schemeClr val="accent2">
-                    <a:lumMod val="50000"/>
-                  </a:schemeClr>
-                </a:solidFill>
-              </a:rPr>
-            </a:br>
-            <a:r>
-              <a:rPr lang="de-CH" sz="2000" dirty="0">
-                <a:solidFill>
-                  <a:schemeClr val="accent2">
-                    <a:lumMod val="50000"/>
-                  </a:schemeClr>
-                </a:solidFill>
-              </a:rPr>
-              <a:t>Aufwand alles in </a:t>
-            </a:r>
-            <a:r>
-              <a:rPr lang="de-CH" sz="2000" dirty="0" err="1">
-                <a:solidFill>
-                  <a:schemeClr val="accent2">
-                    <a:lumMod val="50000"/>
-                  </a:schemeClr>
-                </a:solidFill>
-              </a:rPr>
-              <a:t>c#</a:t>
-            </a:r>
-            <a:r>
-              <a:rPr lang="de-CH" sz="2000" dirty="0">
-                <a:solidFill>
-                  <a:schemeClr val="accent2">
-                    <a:lumMod val="50000"/>
-                  </a:schemeClr>
-                </a:solidFill>
-              </a:rPr>
-              <a:t> zu schrieben</a:t>
-            </a:r>
-          </a:p>
-        </p:txBody>
-      </p:sp>
-      <p:sp>
-        <p:nvSpPr>
-          <p:cNvPr id="6" name="Textfeld 5">
-            <a:extLst>
-              <a:ext uri="{FF2B5EF4-FFF2-40B4-BE49-F238E27FC236}">
-                <a16:creationId xmlns:a16="http://schemas.microsoft.com/office/drawing/2014/main" id="{F25AE492-1990-44DB-86C6-757FA5D01FDB}"/>
-              </a:ext>
-            </a:extLst>
-          </p:cNvPr>
-          <p:cNvSpPr txBox="1"/>
+              <a:t>Netzt trainieren</a:t>
+            </a:r>
+          </a:p>
+        </p:txBody>
+      </p:sp>
+      <p:sp>
+        <p:nvSpPr>
+          <p:cNvPr id="3" name="Stern: 5 Zacken 2">
+            <a:extLst>
+              <a:ext uri="{FF2B5EF4-FFF2-40B4-BE49-F238E27FC236}">
+                <a16:creationId xmlns:a16="http://schemas.microsoft.com/office/drawing/2014/main" id="{6BFD3EB6-FC3F-4164-A5AE-6CFA4E93D695}"/>
+              </a:ext>
+            </a:extLst>
+          </p:cNvPr>
+          <p:cNvSpPr/>
           <p:nvPr/>
         </p:nvSpPr>
         <p:spPr>
           <a:xfrm>
-            <a:off x="207818" y="906087"/>
-            <a:ext cx="4322618" cy="1477328"/>
+            <a:off x="11289771" y="3076474"/>
+            <a:ext cx="360947" cy="268305"/>
           </a:xfrm>
-          <a:prstGeom prst="rect">
+          <a:prstGeom prst="star5">
             <a:avLst/>
           </a:prstGeom>
-          <a:noFill/>
+          <a:solidFill>
+            <a:schemeClr val="accent6"/>
+          </a:solidFill>
+          <a:ln>
+            <a:solidFill>
+              <a:srgbClr val="00B050"/>
+            </a:solidFill>
+          </a:ln>
         </p:spPr>
-        <p:txBody>
-          <a:bodyPr wrap="square" rtlCol="0">
-            <a:spAutoFit/>
-          </a:bodyPr>
+        <p:style>
+          <a:lnRef idx="2">
+            <a:schemeClr val="accent1">
+              <a:shade val="50000"/>
+            </a:schemeClr>
+          </a:lnRef>
+          <a:fillRef idx="1">
+            <a:schemeClr val="accent1"/>
+          </a:fillRef>
+          <a:effectRef idx="0">
+            <a:schemeClr val="accent1"/>
+          </a:effectRef>
+          <a:fontRef idx="minor">
+            <a:schemeClr val="lt1"/>
+          </a:fontRef>
+        </p:style>
+        <p:txBody>
+          <a:bodyPr rtlCol="0" anchor="ctr"/>
           <a:lstStyle/>
           <a:p>
-            <a:r>
-              <a:rPr lang="de-CH" dirty="0"/>
-              <a:t>Ziele: </a:t>
-            </a:r>
-          </a:p>
-          <a:p>
-            <a:pPr marL="285750" indent="-285750">
-              <a:buFont typeface="Arial" panose="020B0604020202020204" pitchFamily="34" charset="0"/>
-              <a:buChar char="•"/>
-            </a:pPr>
-            <a:r>
-              <a:rPr lang="de-CH" dirty="0"/>
-              <a:t>min Latenz</a:t>
-            </a:r>
-          </a:p>
-          <a:p>
-            <a:pPr marL="285750" indent="-285750">
-              <a:buFont typeface="Arial" panose="020B0604020202020204" pitchFamily="34" charset="0"/>
-              <a:buChar char="•"/>
-            </a:pPr>
-            <a:r>
-              <a:rPr lang="de-CH" dirty="0"/>
-              <a:t>Flüssige Steuerung</a:t>
-            </a:r>
-          </a:p>
-          <a:p>
-            <a:pPr marL="285750" indent="-285750">
-              <a:buFont typeface="Arial" panose="020B0604020202020204" pitchFamily="34" charset="0"/>
-              <a:buChar char="•"/>
-            </a:pPr>
-            <a:r>
-              <a:rPr lang="de-CH" dirty="0"/>
-              <a:t>Wenige Features, Interpreter zwischen K14 und RS6</a:t>
-            </a:r>
-            <a:endParaRPr lang="de-DE" dirty="0"/>
+            <a:pPr algn="ctr"/>
+            <a:endParaRPr lang="de-CH"/>
+          </a:p>
+        </p:txBody>
+      </p:sp>
+      <p:sp>
+        <p:nvSpPr>
+          <p:cNvPr id="6" name="Stern: 5 Zacken 5">
+            <a:extLst>
+              <a:ext uri="{FF2B5EF4-FFF2-40B4-BE49-F238E27FC236}">
+                <a16:creationId xmlns:a16="http://schemas.microsoft.com/office/drawing/2014/main" id="{9A643519-C288-492E-BB2E-B4A0FC1E5B54}"/>
+              </a:ext>
+            </a:extLst>
+          </p:cNvPr>
+          <p:cNvSpPr/>
+          <p:nvPr/>
+        </p:nvSpPr>
+        <p:spPr>
+          <a:xfrm>
+            <a:off x="11289771" y="3465096"/>
+            <a:ext cx="360947" cy="268305"/>
+          </a:xfrm>
+          <a:prstGeom prst="star5">
+            <a:avLst/>
+          </a:prstGeom>
+          <a:solidFill>
+            <a:schemeClr val="accent6"/>
+          </a:solidFill>
+          <a:ln>
+            <a:solidFill>
+              <a:srgbClr val="FF0000"/>
+            </a:solidFill>
+          </a:ln>
+        </p:spPr>
+        <p:style>
+          <a:lnRef idx="2">
+            <a:schemeClr val="accent1">
+              <a:shade val="50000"/>
+            </a:schemeClr>
+          </a:lnRef>
+          <a:fillRef idx="1">
+            <a:schemeClr val="accent1"/>
+          </a:fillRef>
+          <a:effectRef idx="0">
+            <a:schemeClr val="accent1"/>
+          </a:effectRef>
+          <a:fontRef idx="minor">
+            <a:schemeClr val="lt1"/>
+          </a:fontRef>
+        </p:style>
+        <p:txBody>
+          <a:bodyPr rtlCol="0" anchor="ctr"/>
+          <a:lstStyle/>
+          <a:p>
+            <a:pPr algn="ctr"/>
+            <a:endParaRPr lang="de-CH"/>
           </a:p>
         </p:txBody>
       </p:sp>
     </p:spTree>
     <p:extLst>
       <p:ext uri="{BB962C8B-B14F-4D97-AF65-F5344CB8AC3E}">
-        <p14:creationId xmlns:p14="http://schemas.microsoft.com/office/powerpoint/2010/main" val="1616725646"/>
+        <p14:creationId xmlns:p14="http://schemas.microsoft.com/office/powerpoint/2010/main" val="724637106"/>
       </p:ext>
     </p:extLst>
   </p:cSld>
@@ -5001,10 +5165,10 @@
       </p:sp>
       <p:sp>
         <p:nvSpPr>
-          <p:cNvPr id="7" name="Untertitel 6">
-            <a:extLst>
-              <a:ext uri="{FF2B5EF4-FFF2-40B4-BE49-F238E27FC236}">
-                <a16:creationId xmlns:a16="http://schemas.microsoft.com/office/drawing/2014/main" id="{8EFFB2E8-FE59-45ED-A205-A032269B05CE}"/>
+          <p:cNvPr id="5" name="Untertitel 4">
+            <a:extLst>
+              <a:ext uri="{FF2B5EF4-FFF2-40B4-BE49-F238E27FC236}">
+                <a16:creationId xmlns:a16="http://schemas.microsoft.com/office/drawing/2014/main" id="{89F373AA-7D5F-4FB7-81CD-8B2B93416955}"/>
               </a:ext>
             </a:extLst>
           </p:cNvPr>
@@ -5017,28 +5181,356 @@
         </p:nvSpPr>
         <p:spPr>
           <a:xfrm>
-            <a:off x="152399" y="1144992"/>
-            <a:ext cx="6134100" cy="560888"/>
+            <a:off x="152399" y="2705983"/>
+            <a:ext cx="5554718" cy="3300679"/>
           </a:xfrm>
         </p:spPr>
         <p:txBody>
-          <a:bodyPr/>
+          <a:bodyPr>
+            <a:normAutofit/>
+          </a:bodyPr>
           <a:lstStyle/>
           <a:p>
             <a:pPr algn="l"/>
             <a:r>
-              <a:rPr lang="de-CH" dirty="0"/>
-              <a:t>Class R6API</a:t>
-            </a:r>
-          </a:p>
-        </p:txBody>
-      </p:sp>
-      <p:sp>
-        <p:nvSpPr>
-          <p:cNvPr id="3" name="Textfeld 2">
-            <a:extLst>
-              <a:ext uri="{FF2B5EF4-FFF2-40B4-BE49-F238E27FC236}">
-                <a16:creationId xmlns:a16="http://schemas.microsoft.com/office/drawing/2014/main" id="{F637E103-207A-4132-87B5-BBB778320E7E}"/>
+              <a:rPr lang="de-DE" sz="2000" b="1" dirty="0"/>
+              <a:t>Vergleichs Themen:</a:t>
+            </a:r>
+          </a:p>
+          <a:p>
+            <a:pPr marL="457200" indent="-457200" algn="l">
+              <a:buFont typeface="+mj-lt"/>
+              <a:buAutoNum type="arabicPeriod"/>
+            </a:pPr>
+            <a:r>
+              <a:rPr lang="de-DE" sz="2000" b="1" dirty="0"/>
+              <a:t>Class mit allen nötigen Key-/ Mousebinds</a:t>
+            </a:r>
+          </a:p>
+        </p:txBody>
+      </p:sp>
+      <p:sp>
+        <p:nvSpPr>
+          <p:cNvPr id="4" name="Untertitel 4">
+            <a:extLst>
+              <a:ext uri="{FF2B5EF4-FFF2-40B4-BE49-F238E27FC236}">
+                <a16:creationId xmlns:a16="http://schemas.microsoft.com/office/drawing/2014/main" id="{F703E540-FB01-4ED7-8417-2C5B83733D15}"/>
+              </a:ext>
+            </a:extLst>
+          </p:cNvPr>
+          <p:cNvSpPr txBox="1">
+            <a:spLocks/>
+          </p:cNvSpPr>
+          <p:nvPr/>
+        </p:nvSpPr>
+        <p:spPr>
+          <a:xfrm>
+            <a:off x="6096000" y="3076474"/>
+            <a:ext cx="5554718" cy="2621902"/>
+          </a:xfrm>
+          <a:prstGeom prst="rect">
+            <a:avLst/>
+          </a:prstGeom>
+        </p:spPr>
+        <p:txBody>
+          <a:bodyPr vert="horz" lIns="91440" tIns="45720" rIns="91440" bIns="45720" rtlCol="0">
+            <a:normAutofit/>
+          </a:bodyPr>
+          <a:lstStyle>
+            <a:lvl1pPr marL="0" indent="0" algn="ctr" defTabSz="914400" rtl="0" eaLnBrk="1" latinLnBrk="0" hangingPunct="1">
+              <a:lnSpc>
+                <a:spcPct val="90000"/>
+              </a:lnSpc>
+              <a:spcBef>
+                <a:spcPts val="1000"/>
+              </a:spcBef>
+              <a:buFont typeface="Arial" panose="020B0604020202020204" pitchFamily="34" charset="0"/>
+              <a:buNone/>
+              <a:defRPr sz="2400" kern="1200">
+                <a:solidFill>
+                  <a:schemeClr val="tx1"/>
+                </a:solidFill>
+                <a:latin typeface="+mn-lt"/>
+                <a:ea typeface="+mn-ea"/>
+                <a:cs typeface="+mn-cs"/>
+              </a:defRPr>
+            </a:lvl1pPr>
+            <a:lvl2pPr marL="457200" indent="0" algn="ctr" defTabSz="914400" rtl="0" eaLnBrk="1" latinLnBrk="0" hangingPunct="1">
+              <a:lnSpc>
+                <a:spcPct val="90000"/>
+              </a:lnSpc>
+              <a:spcBef>
+                <a:spcPts val="500"/>
+              </a:spcBef>
+              <a:buFont typeface="Arial" panose="020B0604020202020204" pitchFamily="34" charset="0"/>
+              <a:buNone/>
+              <a:defRPr sz="2000" kern="1200">
+                <a:solidFill>
+                  <a:schemeClr val="tx1"/>
+                </a:solidFill>
+                <a:latin typeface="+mn-lt"/>
+                <a:ea typeface="+mn-ea"/>
+                <a:cs typeface="+mn-cs"/>
+              </a:defRPr>
+            </a:lvl2pPr>
+            <a:lvl3pPr marL="914400" indent="0" algn="ctr" defTabSz="914400" rtl="0" eaLnBrk="1" latinLnBrk="0" hangingPunct="1">
+              <a:lnSpc>
+                <a:spcPct val="90000"/>
+              </a:lnSpc>
+              <a:spcBef>
+                <a:spcPts val="500"/>
+              </a:spcBef>
+              <a:buFont typeface="Arial" panose="020B0604020202020204" pitchFamily="34" charset="0"/>
+              <a:buNone/>
+              <a:defRPr sz="1800" kern="1200">
+                <a:solidFill>
+                  <a:schemeClr val="tx1"/>
+                </a:solidFill>
+                <a:latin typeface="+mn-lt"/>
+                <a:ea typeface="+mn-ea"/>
+                <a:cs typeface="+mn-cs"/>
+              </a:defRPr>
+            </a:lvl3pPr>
+            <a:lvl4pPr marL="1371600" indent="0" algn="ctr" defTabSz="914400" rtl="0" eaLnBrk="1" latinLnBrk="0" hangingPunct="1">
+              <a:lnSpc>
+                <a:spcPct val="90000"/>
+              </a:lnSpc>
+              <a:spcBef>
+                <a:spcPts val="500"/>
+              </a:spcBef>
+              <a:buFont typeface="Arial" panose="020B0604020202020204" pitchFamily="34" charset="0"/>
+              <a:buNone/>
+              <a:defRPr sz="1600" kern="1200">
+                <a:solidFill>
+                  <a:schemeClr val="tx1"/>
+                </a:solidFill>
+                <a:latin typeface="+mn-lt"/>
+                <a:ea typeface="+mn-ea"/>
+                <a:cs typeface="+mn-cs"/>
+              </a:defRPr>
+            </a:lvl4pPr>
+            <a:lvl5pPr marL="1828800" indent="0" algn="ctr" defTabSz="914400" rtl="0" eaLnBrk="1" latinLnBrk="0" hangingPunct="1">
+              <a:lnSpc>
+                <a:spcPct val="90000"/>
+              </a:lnSpc>
+              <a:spcBef>
+                <a:spcPts val="500"/>
+              </a:spcBef>
+              <a:buFont typeface="Arial" panose="020B0604020202020204" pitchFamily="34" charset="0"/>
+              <a:buNone/>
+              <a:defRPr sz="1600" kern="1200">
+                <a:solidFill>
+                  <a:schemeClr val="tx1"/>
+                </a:solidFill>
+                <a:latin typeface="+mn-lt"/>
+                <a:ea typeface="+mn-ea"/>
+                <a:cs typeface="+mn-cs"/>
+              </a:defRPr>
+            </a:lvl5pPr>
+            <a:lvl6pPr marL="2286000" indent="0" algn="ctr" defTabSz="914400" rtl="0" eaLnBrk="1" latinLnBrk="0" hangingPunct="1">
+              <a:lnSpc>
+                <a:spcPct val="90000"/>
+              </a:lnSpc>
+              <a:spcBef>
+                <a:spcPts val="500"/>
+              </a:spcBef>
+              <a:buFont typeface="Arial" panose="020B0604020202020204" pitchFamily="34" charset="0"/>
+              <a:buNone/>
+              <a:defRPr sz="1600" kern="1200">
+                <a:solidFill>
+                  <a:schemeClr val="tx1"/>
+                </a:solidFill>
+                <a:latin typeface="+mn-lt"/>
+                <a:ea typeface="+mn-ea"/>
+                <a:cs typeface="+mn-cs"/>
+              </a:defRPr>
+            </a:lvl6pPr>
+            <a:lvl7pPr marL="2743200" indent="0" algn="ctr" defTabSz="914400" rtl="0" eaLnBrk="1" latinLnBrk="0" hangingPunct="1">
+              <a:lnSpc>
+                <a:spcPct val="90000"/>
+              </a:lnSpc>
+              <a:spcBef>
+                <a:spcPts val="500"/>
+              </a:spcBef>
+              <a:buFont typeface="Arial" panose="020B0604020202020204" pitchFamily="34" charset="0"/>
+              <a:buNone/>
+              <a:defRPr sz="1600" kern="1200">
+                <a:solidFill>
+                  <a:schemeClr val="tx1"/>
+                </a:solidFill>
+                <a:latin typeface="+mn-lt"/>
+                <a:ea typeface="+mn-ea"/>
+                <a:cs typeface="+mn-cs"/>
+              </a:defRPr>
+            </a:lvl7pPr>
+            <a:lvl8pPr marL="3200400" indent="0" algn="ctr" defTabSz="914400" rtl="0" eaLnBrk="1" latinLnBrk="0" hangingPunct="1">
+              <a:lnSpc>
+                <a:spcPct val="90000"/>
+              </a:lnSpc>
+              <a:spcBef>
+                <a:spcPts val="500"/>
+              </a:spcBef>
+              <a:buFont typeface="Arial" panose="020B0604020202020204" pitchFamily="34" charset="0"/>
+              <a:buNone/>
+              <a:defRPr sz="1600" kern="1200">
+                <a:solidFill>
+                  <a:schemeClr val="tx1"/>
+                </a:solidFill>
+                <a:latin typeface="+mn-lt"/>
+                <a:ea typeface="+mn-ea"/>
+                <a:cs typeface="+mn-cs"/>
+              </a:defRPr>
+            </a:lvl8pPr>
+            <a:lvl9pPr marL="3657600" indent="0" algn="ctr" defTabSz="914400" rtl="0" eaLnBrk="1" latinLnBrk="0" hangingPunct="1">
+              <a:lnSpc>
+                <a:spcPct val="90000"/>
+              </a:lnSpc>
+              <a:spcBef>
+                <a:spcPts val="500"/>
+              </a:spcBef>
+              <a:buFont typeface="Arial" panose="020B0604020202020204" pitchFamily="34" charset="0"/>
+              <a:buNone/>
+              <a:defRPr sz="1600" kern="1200">
+                <a:solidFill>
+                  <a:schemeClr val="tx1"/>
+                </a:solidFill>
+                <a:latin typeface="+mn-lt"/>
+                <a:ea typeface="+mn-ea"/>
+                <a:cs typeface="+mn-cs"/>
+              </a:defRPr>
+            </a:lvl9pPr>
+          </a:lstStyle>
+          <a:p>
+            <a:pPr marL="457200" indent="-457200" algn="l">
+              <a:buFont typeface="+mj-lt"/>
+              <a:buAutoNum type="arabicPeriod"/>
+            </a:pPr>
+            <a:r>
+              <a:rPr lang="de-CH" sz="2000" dirty="0">
+                <a:solidFill>
+                  <a:schemeClr val="accent2">
+                    <a:lumMod val="50000"/>
+                  </a:schemeClr>
+                </a:solidFill>
+              </a:rPr>
+              <a:t>Test Latenz/ flüssige Steuerung</a:t>
+            </a:r>
+            <a:br>
+              <a:rPr lang="de-CH" sz="2000" dirty="0">
+                <a:solidFill>
+                  <a:schemeClr val="accent2">
+                    <a:lumMod val="50000"/>
+                  </a:schemeClr>
+                </a:solidFill>
+              </a:rPr>
+            </a:br>
+            <a:r>
+              <a:rPr lang="de-CH" sz="2000" dirty="0">
+                <a:solidFill>
+                  <a:schemeClr val="accent2">
+                    <a:lumMod val="50000"/>
+                  </a:schemeClr>
+                </a:solidFill>
+              </a:rPr>
+              <a:t>Mit </a:t>
+            </a:r>
+            <a:r>
+              <a:rPr lang="de-CH" sz="2000" dirty="0">
+                <a:solidFill>
+                  <a:schemeClr val="accent2">
+                    <a:lumMod val="50000"/>
+                  </a:schemeClr>
+                </a:solidFill>
+                <a:highlight>
+                  <a:srgbClr val="FFFF00"/>
+                </a:highlight>
+              </a:rPr>
+              <a:t>Python </a:t>
+            </a:r>
+            <a:r>
+              <a:rPr lang="de-CH" sz="2000" dirty="0" err="1">
+                <a:solidFill>
+                  <a:schemeClr val="accent2">
+                    <a:lumMod val="50000"/>
+                  </a:schemeClr>
+                </a:solidFill>
+                <a:highlight>
+                  <a:srgbClr val="FFFF00"/>
+                </a:highlight>
+              </a:rPr>
+              <a:t>ctypes</a:t>
+            </a:r>
+            <a:r>
+              <a:rPr lang="de-CH" sz="2000" dirty="0">
+                <a:solidFill>
+                  <a:schemeClr val="accent2">
+                    <a:lumMod val="50000"/>
+                  </a:schemeClr>
+                </a:solidFill>
+                <a:highlight>
+                  <a:srgbClr val="FFFF00"/>
+                </a:highlight>
+              </a:rPr>
+              <a:t> sollte gehen</a:t>
+            </a:r>
+            <a:r>
+              <a:rPr lang="de-CH" sz="2000" dirty="0">
+                <a:solidFill>
+                  <a:schemeClr val="accent2">
+                    <a:lumMod val="50000"/>
+                  </a:schemeClr>
+                </a:solidFill>
+              </a:rPr>
+              <a:t>, sehr grosser</a:t>
+            </a:r>
+            <a:br>
+              <a:rPr lang="de-CH" sz="2000" dirty="0">
+                <a:solidFill>
+                  <a:schemeClr val="accent2">
+                    <a:lumMod val="50000"/>
+                  </a:schemeClr>
+                </a:solidFill>
+              </a:rPr>
+            </a:br>
+            <a:r>
+              <a:rPr lang="de-CH" sz="2000" dirty="0">
+                <a:solidFill>
+                  <a:schemeClr val="accent2">
+                    <a:lumMod val="50000"/>
+                  </a:schemeClr>
+                </a:solidFill>
+              </a:rPr>
+              <a:t>Aufwand alles in </a:t>
+            </a:r>
+            <a:r>
+              <a:rPr lang="de-CH" sz="2000" dirty="0" err="1">
+                <a:solidFill>
+                  <a:schemeClr val="accent2">
+                    <a:lumMod val="50000"/>
+                  </a:schemeClr>
+                </a:solidFill>
+              </a:rPr>
+              <a:t>c#</a:t>
+            </a:r>
+            <a:r>
+              <a:rPr lang="de-CH" sz="2000" dirty="0">
+                <a:solidFill>
+                  <a:schemeClr val="accent2">
+                    <a:lumMod val="50000"/>
+                  </a:schemeClr>
+                </a:solidFill>
+              </a:rPr>
+              <a:t> zu schrieben</a:t>
+            </a:r>
+          </a:p>
+        </p:txBody>
+      </p:sp>
+      <p:sp>
+        <p:nvSpPr>
+          <p:cNvPr id="6" name="Textfeld 5">
+            <a:extLst>
+              <a:ext uri="{FF2B5EF4-FFF2-40B4-BE49-F238E27FC236}">
+                <a16:creationId xmlns:a16="http://schemas.microsoft.com/office/drawing/2014/main" id="{F25AE492-1990-44DB-86C6-757FA5D01FDB}"/>
               </a:ext>
             </a:extLst>
           </p:cNvPr>
@@ -5047,8 +5539,8 @@
         </p:nvSpPr>
         <p:spPr>
           <a:xfrm>
-            <a:off x="245225" y="1587731"/>
-            <a:ext cx="6080760" cy="1200329"/>
+            <a:off x="207818" y="906087"/>
+            <a:ext cx="4322618" cy="1477328"/>
           </a:xfrm>
           <a:prstGeom prst="rect">
             <a:avLst/>
@@ -5062,28 +5554,8 @@
           <a:lstStyle/>
           <a:p>
             <a:r>
-              <a:rPr lang="de-CH" b="1" dirty="0"/>
-              <a:t>Mouse </a:t>
-            </a:r>
-            <a:r>
-              <a:rPr lang="de-CH" b="1" dirty="0" err="1"/>
-              <a:t>control</a:t>
-            </a:r>
-            <a:r>
-              <a:rPr lang="de-CH" b="1" dirty="0"/>
-              <a:t>:</a:t>
-            </a:r>
-          </a:p>
-          <a:p>
-            <a:r>
               <a:rPr lang="de-CH" dirty="0"/>
-              <a:t>Nach jedem Frame Richtung an API</a:t>
-            </a:r>
-          </a:p>
-          <a:p>
-            <a:r>
-              <a:rPr lang="de-CH" dirty="0"/>
-              <a:t>24 Neuronen bilden 24 Richtungen ab.</a:t>
+              <a:t>Ziele: </a:t>
             </a:r>
           </a:p>
           <a:p>
@@ -5091,44 +5563,92 @@
               <a:buFont typeface="Arial" panose="020B0604020202020204" pitchFamily="34" charset="0"/>
               <a:buChar char="•"/>
             </a:pPr>
-            <a:endParaRPr lang="de-CH" dirty="0"/>
-          </a:p>
-        </p:txBody>
-      </p:sp>
-      <p:pic>
-        <p:nvPicPr>
-          <p:cNvPr id="5" name="Grafik 4">
-            <a:extLst>
-              <a:ext uri="{FF2B5EF4-FFF2-40B4-BE49-F238E27FC236}">
-                <a16:creationId xmlns:a16="http://schemas.microsoft.com/office/drawing/2014/main" id="{458BCB06-C852-491E-A9D5-D70DEEEB7971}"/>
-              </a:ext>
-            </a:extLst>
-          </p:cNvPr>
-          <p:cNvPicPr>
-            <a:picLocks noChangeAspect="1"/>
-          </p:cNvPicPr>
+            <a:r>
+              <a:rPr lang="de-CH" dirty="0"/>
+              <a:t>min Latenz</a:t>
+            </a:r>
+          </a:p>
+          <a:p>
+            <a:pPr marL="285750" indent="-285750">
+              <a:buFont typeface="Arial" panose="020B0604020202020204" pitchFamily="34" charset="0"/>
+              <a:buChar char="•"/>
+            </a:pPr>
+            <a:r>
+              <a:rPr lang="de-CH" dirty="0"/>
+              <a:t>Flüssige Steuerung</a:t>
+            </a:r>
+          </a:p>
+          <a:p>
+            <a:pPr marL="285750" indent="-285750">
+              <a:buFont typeface="Arial" panose="020B0604020202020204" pitchFamily="34" charset="0"/>
+              <a:buChar char="•"/>
+            </a:pPr>
+            <a:r>
+              <a:rPr lang="de-CH" dirty="0"/>
+              <a:t>Wenige Features, Interpreter zwischen K14 und RS6</a:t>
+            </a:r>
+            <a:endParaRPr lang="de-DE" dirty="0"/>
+          </a:p>
+        </p:txBody>
+      </p:sp>
+      <p:sp>
+        <p:nvSpPr>
+          <p:cNvPr id="3" name="Stern: 5 Zacken 2">
+            <a:extLst>
+              <a:ext uri="{FF2B5EF4-FFF2-40B4-BE49-F238E27FC236}">
+                <a16:creationId xmlns:a16="http://schemas.microsoft.com/office/drawing/2014/main" id="{05082D16-6EF5-4FF5-AC42-4CC3D83EFC39}"/>
+              </a:ext>
+            </a:extLst>
+          </p:cNvPr>
+          <p:cNvSpPr/>
           <p:nvPr/>
-        </p:nvPicPr>
-        <p:blipFill>
-          <a:blip r:embed="rId2"/>
-          <a:stretch>
-            <a:fillRect/>
-          </a:stretch>
-        </p:blipFill>
+        </p:nvSpPr>
         <p:spPr>
           <a:xfrm>
-            <a:off x="9360557" y="514029"/>
-            <a:ext cx="1800238" cy="4691097"/>
+            <a:off x="6960715" y="279964"/>
+            <a:ext cx="793638" cy="730689"/>
           </a:xfrm>
-          <a:prstGeom prst="rect">
+          <a:prstGeom prst="star5">
             <a:avLst/>
           </a:prstGeom>
+          <a:solidFill>
+            <a:schemeClr val="accent6"/>
+          </a:solidFill>
+          <a:ln>
+            <a:solidFill>
+              <a:srgbClr val="FF0000"/>
+            </a:solidFill>
+          </a:ln>
         </p:spPr>
-      </p:pic>
+        <p:style>
+          <a:lnRef idx="2">
+            <a:schemeClr val="accent1">
+              <a:shade val="50000"/>
+            </a:schemeClr>
+          </a:lnRef>
+          <a:fillRef idx="1">
+            <a:schemeClr val="accent1"/>
+          </a:fillRef>
+          <a:effectRef idx="0">
+            <a:schemeClr val="accent1"/>
+          </a:effectRef>
+          <a:fontRef idx="minor">
+            <a:schemeClr val="lt1"/>
+          </a:fontRef>
+        </p:style>
+        <p:txBody>
+          <a:bodyPr rtlCol="0" anchor="ctr"/>
+          <a:lstStyle/>
+          <a:p>
+            <a:pPr algn="ctr"/>
+            <a:endParaRPr lang="de-CH"/>
+          </a:p>
+        </p:txBody>
+      </p:sp>
     </p:spTree>
     <p:extLst>
       <p:ext uri="{BB962C8B-B14F-4D97-AF65-F5344CB8AC3E}">
-        <p14:creationId xmlns:p14="http://schemas.microsoft.com/office/powerpoint/2010/main" val="2427302127"/>
+        <p14:creationId xmlns:p14="http://schemas.microsoft.com/office/powerpoint/2010/main" val="1616725646"/>
       </p:ext>
     </p:extLst>
   </p:cSld>
@@ -5179,33 +5699,24 @@
         </p:spPr>
         <p:txBody>
           <a:bodyPr>
-            <a:normAutofit/>
+            <a:normAutofit fontScale="90000"/>
           </a:bodyPr>
           <a:lstStyle/>
           <a:p>
             <a:pPr algn="l"/>
             <a:r>
-              <a:rPr lang="de-CH" b="1" dirty="0">
-                <a:solidFill>
-                  <a:srgbClr val="FF0000"/>
-                </a:solidFill>
-              </a:rPr>
-              <a:t>Vorgehen RS6:</a:t>
-            </a:r>
-            <a:endParaRPr lang="de-CH" dirty="0">
-              <a:solidFill>
-                <a:srgbClr val="FF0000"/>
-              </a:solidFill>
-            </a:endParaRPr>
-          </a:p>
-        </p:txBody>
-      </p:sp>
-      <p:sp>
-        <p:nvSpPr>
-          <p:cNvPr id="5" name="Untertitel 4">
-            <a:extLst>
-              <a:ext uri="{FF2B5EF4-FFF2-40B4-BE49-F238E27FC236}">
-                <a16:creationId xmlns:a16="http://schemas.microsoft.com/office/drawing/2014/main" id="{89F373AA-7D5F-4FB7-81CD-8B2B93416955}"/>
+              <a:rPr lang="de-CH" dirty="0"/>
+              <a:t>Komm. Von K14 zu RS6</a:t>
+            </a:r>
+          </a:p>
+        </p:txBody>
+      </p:sp>
+      <p:sp>
+        <p:nvSpPr>
+          <p:cNvPr id="7" name="Untertitel 6">
+            <a:extLst>
+              <a:ext uri="{FF2B5EF4-FFF2-40B4-BE49-F238E27FC236}">
+                <a16:creationId xmlns:a16="http://schemas.microsoft.com/office/drawing/2014/main" id="{8EFFB2E8-FE59-45ED-A205-A032269B05CE}"/>
               </a:ext>
             </a:extLst>
           </p:cNvPr>
@@ -5218,419 +5729,172 @@
         </p:nvSpPr>
         <p:spPr>
           <a:xfrm>
-            <a:off x="152399" y="2705983"/>
-            <a:ext cx="5554718" cy="3300679"/>
+            <a:off x="152399" y="1144992"/>
+            <a:ext cx="6134100" cy="560888"/>
           </a:xfrm>
         </p:spPr>
         <p:txBody>
-          <a:bodyPr>
-            <a:normAutofit/>
+          <a:bodyPr/>
+          <a:lstStyle/>
+          <a:p>
+            <a:pPr algn="l"/>
+            <a:r>
+              <a:rPr lang="de-CH" dirty="0"/>
+              <a:t>Class R6API</a:t>
+            </a:r>
+          </a:p>
+        </p:txBody>
+      </p:sp>
+      <p:sp>
+        <p:nvSpPr>
+          <p:cNvPr id="3" name="Textfeld 2">
+            <a:extLst>
+              <a:ext uri="{FF2B5EF4-FFF2-40B4-BE49-F238E27FC236}">
+                <a16:creationId xmlns:a16="http://schemas.microsoft.com/office/drawing/2014/main" id="{F637E103-207A-4132-87B5-BBB778320E7E}"/>
+              </a:ext>
+            </a:extLst>
+          </p:cNvPr>
+          <p:cNvSpPr txBox="1"/>
+          <p:nvPr/>
+        </p:nvSpPr>
+        <p:spPr>
+          <a:xfrm>
+            <a:off x="245225" y="1587731"/>
+            <a:ext cx="6080760" cy="1200329"/>
+          </a:xfrm>
+          <a:prstGeom prst="rect">
+            <a:avLst/>
+          </a:prstGeom>
+          <a:noFill/>
+        </p:spPr>
+        <p:txBody>
+          <a:bodyPr wrap="square" rtlCol="0">
+            <a:spAutoFit/>
           </a:bodyPr>
           <a:lstStyle/>
           <a:p>
-            <a:pPr algn="l"/>
-            <a:r>
-              <a:rPr lang="de-DE" sz="2000" b="1" dirty="0"/>
-              <a:t>Vergleichs Themen:</a:t>
-            </a:r>
-          </a:p>
-          <a:p>
-            <a:pPr marL="457200" indent="-457200" algn="l">
-              <a:buFont typeface="+mj-lt"/>
-              <a:buAutoNum type="arabicPeriod"/>
+            <a:r>
+              <a:rPr lang="de-CH" b="1" dirty="0"/>
+              <a:t>Mouse </a:t>
+            </a:r>
+            <a:r>
+              <a:rPr lang="de-CH" b="1" dirty="0" err="1"/>
+              <a:t>control</a:t>
+            </a:r>
+            <a:r>
+              <a:rPr lang="de-CH" b="1" dirty="0"/>
+              <a:t>:</a:t>
+            </a:r>
+          </a:p>
+          <a:p>
+            <a:r>
+              <a:rPr lang="de-CH" dirty="0"/>
+              <a:t>Nach jedem Frame Richtung an API</a:t>
+            </a:r>
+          </a:p>
+          <a:p>
+            <a:r>
+              <a:rPr lang="de-CH" dirty="0"/>
+              <a:t>24 Neuronen bilden 24 Richtungen ab.</a:t>
+            </a:r>
+          </a:p>
+          <a:p>
+            <a:pPr marL="285750" indent="-285750">
+              <a:buFont typeface="Arial" panose="020B0604020202020204" pitchFamily="34" charset="0"/>
+              <a:buChar char="•"/>
             </a:pPr>
-            <a:r>
-              <a:rPr lang="de-DE" sz="2000" b="1" dirty="0"/>
-              <a:t>Kommunikation NN zu RS6 ausarbeiten</a:t>
-            </a:r>
-          </a:p>
-          <a:p>
-            <a:pPr marL="457200" indent="-457200" algn="l">
-              <a:buFont typeface="+mj-lt"/>
-              <a:buAutoNum type="arabicPeriod"/>
-            </a:pPr>
-            <a:r>
-              <a:rPr lang="de-DE" sz="2000" b="1" dirty="0"/>
-              <a:t>Komm. RS6 zu NN</a:t>
-            </a:r>
-          </a:p>
-          <a:p>
-            <a:pPr marL="457200" indent="-457200" algn="l">
-              <a:buFont typeface="+mj-lt"/>
-              <a:buAutoNum type="arabicPeriod"/>
-            </a:pPr>
-            <a:r>
-              <a:rPr lang="de-DE" sz="2000" b="1" dirty="0"/>
-              <a:t>Architektur </a:t>
-            </a:r>
-            <a:r>
-              <a:rPr lang="de-DE" sz="2000" b="1" dirty="0" err="1"/>
-              <a:t>skalierung</a:t>
-            </a:r>
-            <a:r>
-              <a:rPr lang="de-DE" sz="2000" b="1" dirty="0"/>
-              <a:t> entscheiden/ausarbeiten</a:t>
-            </a:r>
-          </a:p>
-          <a:p>
-            <a:pPr marL="457200" indent="-457200" algn="l">
-              <a:buFont typeface="+mj-lt"/>
-              <a:buAutoNum type="arabicPeriod"/>
-            </a:pPr>
-            <a:r>
-              <a:rPr lang="de-DE" sz="2000" b="1" dirty="0"/>
-              <a:t>Vereinfachte Version Architektur testen</a:t>
-            </a:r>
-          </a:p>
-          <a:p>
-            <a:pPr marL="457200" indent="-457200" algn="l">
-              <a:buFont typeface="+mj-lt"/>
-              <a:buAutoNum type="arabicPeriod"/>
-            </a:pPr>
-            <a:r>
-              <a:rPr lang="de-DE" sz="2000" b="1" dirty="0"/>
-              <a:t>Anpassung Architektur usw.</a:t>
-            </a:r>
-          </a:p>
-          <a:p>
-            <a:pPr marL="457200" indent="-457200" algn="l">
-              <a:buFont typeface="+mj-lt"/>
-              <a:buAutoNum type="arabicPeriod"/>
-            </a:pPr>
-            <a:r>
-              <a:rPr lang="de-DE" sz="2000" b="1" dirty="0"/>
-              <a:t>Lernen </a:t>
-            </a:r>
-            <a:r>
-              <a:rPr lang="de-DE" sz="2000" b="1" dirty="0" err="1"/>
-              <a:t>Lernen</a:t>
-            </a:r>
-            <a:r>
-              <a:rPr lang="de-DE" sz="2000" b="1" dirty="0"/>
-              <a:t> </a:t>
-            </a:r>
-            <a:r>
-              <a:rPr lang="de-DE" sz="2000" b="1" dirty="0" err="1"/>
-              <a:t>Lernen</a:t>
-            </a:r>
-            <a:endParaRPr lang="de-DE" sz="2000" b="1" dirty="0"/>
-          </a:p>
-          <a:p>
-            <a:pPr algn="l"/>
-            <a:endParaRPr lang="de-DE" sz="2000" b="1" dirty="0"/>
-          </a:p>
-        </p:txBody>
-      </p:sp>
-      <p:sp>
-        <p:nvSpPr>
-          <p:cNvPr id="4" name="Untertitel 4">
-            <a:extLst>
-              <a:ext uri="{FF2B5EF4-FFF2-40B4-BE49-F238E27FC236}">
-                <a16:creationId xmlns:a16="http://schemas.microsoft.com/office/drawing/2014/main" id="{F703E540-FB01-4ED7-8417-2C5B83733D15}"/>
-              </a:ext>
-            </a:extLst>
-          </p:cNvPr>
-          <p:cNvSpPr txBox="1">
-            <a:spLocks/>
-          </p:cNvSpPr>
+            <a:endParaRPr lang="de-CH" dirty="0"/>
+          </a:p>
+        </p:txBody>
+      </p:sp>
+      <p:pic>
+        <p:nvPicPr>
+          <p:cNvPr id="5" name="Grafik 4">
+            <a:extLst>
+              <a:ext uri="{FF2B5EF4-FFF2-40B4-BE49-F238E27FC236}">
+                <a16:creationId xmlns:a16="http://schemas.microsoft.com/office/drawing/2014/main" id="{458BCB06-C852-491E-A9D5-D70DEEEB7971}"/>
+              </a:ext>
+            </a:extLst>
+          </p:cNvPr>
+          <p:cNvPicPr>
+            <a:picLocks noChangeAspect="1"/>
+          </p:cNvPicPr>
           <p:nvPr/>
-        </p:nvSpPr>
+        </p:nvPicPr>
+        <p:blipFill>
+          <a:blip r:embed="rId2"/>
+          <a:stretch>
+            <a:fillRect/>
+          </a:stretch>
+        </p:blipFill>
         <p:spPr>
           <a:xfrm>
-            <a:off x="6096000" y="3076474"/>
-            <a:ext cx="5554718" cy="2621902"/>
+            <a:off x="9360557" y="514029"/>
+            <a:ext cx="1800238" cy="4691097"/>
           </a:xfrm>
           <a:prstGeom prst="rect">
             <a:avLst/>
           </a:prstGeom>
         </p:spPr>
-        <p:txBody>
-          <a:bodyPr vert="horz" lIns="91440" tIns="45720" rIns="91440" bIns="45720" rtlCol="0">
-            <a:normAutofit lnSpcReduction="10000"/>
-          </a:bodyPr>
-          <a:lstStyle>
-            <a:lvl1pPr marL="0" indent="0" algn="ctr" defTabSz="914400" rtl="0" eaLnBrk="1" latinLnBrk="0" hangingPunct="1">
-              <a:lnSpc>
-                <a:spcPct val="90000"/>
-              </a:lnSpc>
-              <a:spcBef>
-                <a:spcPts val="1000"/>
-              </a:spcBef>
-              <a:buFont typeface="Arial" panose="020B0604020202020204" pitchFamily="34" charset="0"/>
-              <a:buNone/>
-              <a:defRPr sz="2400" kern="1200">
-                <a:solidFill>
-                  <a:schemeClr val="tx1"/>
-                </a:solidFill>
-                <a:latin typeface="+mn-lt"/>
-                <a:ea typeface="+mn-ea"/>
-                <a:cs typeface="+mn-cs"/>
-              </a:defRPr>
-            </a:lvl1pPr>
-            <a:lvl2pPr marL="457200" indent="0" algn="ctr" defTabSz="914400" rtl="0" eaLnBrk="1" latinLnBrk="0" hangingPunct="1">
-              <a:lnSpc>
-                <a:spcPct val="90000"/>
-              </a:lnSpc>
-              <a:spcBef>
-                <a:spcPts val="500"/>
-              </a:spcBef>
-              <a:buFont typeface="Arial" panose="020B0604020202020204" pitchFamily="34" charset="0"/>
-              <a:buNone/>
-              <a:defRPr sz="2000" kern="1200">
-                <a:solidFill>
-                  <a:schemeClr val="tx1"/>
-                </a:solidFill>
-                <a:latin typeface="+mn-lt"/>
-                <a:ea typeface="+mn-ea"/>
-                <a:cs typeface="+mn-cs"/>
-              </a:defRPr>
-            </a:lvl2pPr>
-            <a:lvl3pPr marL="914400" indent="0" algn="ctr" defTabSz="914400" rtl="0" eaLnBrk="1" latinLnBrk="0" hangingPunct="1">
-              <a:lnSpc>
-                <a:spcPct val="90000"/>
-              </a:lnSpc>
-              <a:spcBef>
-                <a:spcPts val="500"/>
-              </a:spcBef>
-              <a:buFont typeface="Arial" panose="020B0604020202020204" pitchFamily="34" charset="0"/>
-              <a:buNone/>
-              <a:defRPr sz="1800" kern="1200">
-                <a:solidFill>
-                  <a:schemeClr val="tx1"/>
-                </a:solidFill>
-                <a:latin typeface="+mn-lt"/>
-                <a:ea typeface="+mn-ea"/>
-                <a:cs typeface="+mn-cs"/>
-              </a:defRPr>
-            </a:lvl3pPr>
-            <a:lvl4pPr marL="1371600" indent="0" algn="ctr" defTabSz="914400" rtl="0" eaLnBrk="1" latinLnBrk="0" hangingPunct="1">
-              <a:lnSpc>
-                <a:spcPct val="90000"/>
-              </a:lnSpc>
-              <a:spcBef>
-                <a:spcPts val="500"/>
-              </a:spcBef>
-              <a:buFont typeface="Arial" panose="020B0604020202020204" pitchFamily="34" charset="0"/>
-              <a:buNone/>
-              <a:defRPr sz="1600" kern="1200">
-                <a:solidFill>
-                  <a:schemeClr val="tx1"/>
-                </a:solidFill>
-                <a:latin typeface="+mn-lt"/>
-                <a:ea typeface="+mn-ea"/>
-                <a:cs typeface="+mn-cs"/>
-              </a:defRPr>
-            </a:lvl4pPr>
-            <a:lvl5pPr marL="1828800" indent="0" algn="ctr" defTabSz="914400" rtl="0" eaLnBrk="1" latinLnBrk="0" hangingPunct="1">
-              <a:lnSpc>
-                <a:spcPct val="90000"/>
-              </a:lnSpc>
-              <a:spcBef>
-                <a:spcPts val="500"/>
-              </a:spcBef>
-              <a:buFont typeface="Arial" panose="020B0604020202020204" pitchFamily="34" charset="0"/>
-              <a:buNone/>
-              <a:defRPr sz="1600" kern="1200">
-                <a:solidFill>
-                  <a:schemeClr val="tx1"/>
-                </a:solidFill>
-                <a:latin typeface="+mn-lt"/>
-                <a:ea typeface="+mn-ea"/>
-                <a:cs typeface="+mn-cs"/>
-              </a:defRPr>
-            </a:lvl5pPr>
-            <a:lvl6pPr marL="2286000" indent="0" algn="ctr" defTabSz="914400" rtl="0" eaLnBrk="1" latinLnBrk="0" hangingPunct="1">
-              <a:lnSpc>
-                <a:spcPct val="90000"/>
-              </a:lnSpc>
-              <a:spcBef>
-                <a:spcPts val="500"/>
-              </a:spcBef>
-              <a:buFont typeface="Arial" panose="020B0604020202020204" pitchFamily="34" charset="0"/>
-              <a:buNone/>
-              <a:defRPr sz="1600" kern="1200">
-                <a:solidFill>
-                  <a:schemeClr val="tx1"/>
-                </a:solidFill>
-                <a:latin typeface="+mn-lt"/>
-                <a:ea typeface="+mn-ea"/>
-                <a:cs typeface="+mn-cs"/>
-              </a:defRPr>
-            </a:lvl6pPr>
-            <a:lvl7pPr marL="2743200" indent="0" algn="ctr" defTabSz="914400" rtl="0" eaLnBrk="1" latinLnBrk="0" hangingPunct="1">
-              <a:lnSpc>
-                <a:spcPct val="90000"/>
-              </a:lnSpc>
-              <a:spcBef>
-                <a:spcPts val="500"/>
-              </a:spcBef>
-              <a:buFont typeface="Arial" panose="020B0604020202020204" pitchFamily="34" charset="0"/>
-              <a:buNone/>
-              <a:defRPr sz="1600" kern="1200">
-                <a:solidFill>
-                  <a:schemeClr val="tx1"/>
-                </a:solidFill>
-                <a:latin typeface="+mn-lt"/>
-                <a:ea typeface="+mn-ea"/>
-                <a:cs typeface="+mn-cs"/>
-              </a:defRPr>
-            </a:lvl7pPr>
-            <a:lvl8pPr marL="3200400" indent="0" algn="ctr" defTabSz="914400" rtl="0" eaLnBrk="1" latinLnBrk="0" hangingPunct="1">
-              <a:lnSpc>
-                <a:spcPct val="90000"/>
-              </a:lnSpc>
-              <a:spcBef>
-                <a:spcPts val="500"/>
-              </a:spcBef>
-              <a:buFont typeface="Arial" panose="020B0604020202020204" pitchFamily="34" charset="0"/>
-              <a:buNone/>
-              <a:defRPr sz="1600" kern="1200">
-                <a:solidFill>
-                  <a:schemeClr val="tx1"/>
-                </a:solidFill>
-                <a:latin typeface="+mn-lt"/>
-                <a:ea typeface="+mn-ea"/>
-                <a:cs typeface="+mn-cs"/>
-              </a:defRPr>
-            </a:lvl8pPr>
-            <a:lvl9pPr marL="3657600" indent="0" algn="ctr" defTabSz="914400" rtl="0" eaLnBrk="1" latinLnBrk="0" hangingPunct="1">
-              <a:lnSpc>
-                <a:spcPct val="90000"/>
-              </a:lnSpc>
-              <a:spcBef>
-                <a:spcPts val="500"/>
-              </a:spcBef>
-              <a:buFont typeface="Arial" panose="020B0604020202020204" pitchFamily="34" charset="0"/>
-              <a:buNone/>
-              <a:defRPr sz="1600" kern="1200">
-                <a:solidFill>
-                  <a:schemeClr val="tx1"/>
-                </a:solidFill>
-                <a:latin typeface="+mn-lt"/>
-                <a:ea typeface="+mn-ea"/>
-                <a:cs typeface="+mn-cs"/>
-              </a:defRPr>
-            </a:lvl9pPr>
-          </a:lstStyle>
-          <a:p>
-            <a:pPr marL="457200" indent="-457200" algn="l">
-              <a:buFont typeface="+mj-lt"/>
-              <a:buAutoNum type="arabicPeriod"/>
-            </a:pPr>
-            <a:r>
-              <a:rPr lang="de-DE" sz="2000" dirty="0">
-                <a:solidFill>
-                  <a:schemeClr val="accent2">
-                    <a:lumMod val="50000"/>
-                  </a:schemeClr>
-                </a:solidFill>
-              </a:rPr>
-              <a:t>Nötigen Outputs, Latenz</a:t>
-            </a:r>
-          </a:p>
-          <a:p>
-            <a:pPr marL="457200" indent="-457200" algn="l">
-              <a:buFont typeface="+mj-lt"/>
-              <a:buAutoNum type="arabicPeriod"/>
-            </a:pPr>
-            <a:r>
-              <a:rPr lang="de-CH" sz="2000" dirty="0">
-                <a:solidFill>
-                  <a:schemeClr val="accent2">
-                    <a:lumMod val="50000"/>
-                  </a:schemeClr>
-                </a:solidFill>
-              </a:rPr>
-              <a:t>Aufnahmelatenz, Filter/ Konvolution, Anzahl </a:t>
-            </a:r>
-            <a:r>
-              <a:rPr lang="de-CH" sz="2000" dirty="0" err="1">
-                <a:solidFill>
-                  <a:schemeClr val="accent2">
-                    <a:lumMod val="50000"/>
-                  </a:schemeClr>
-                </a:solidFill>
-              </a:rPr>
-              <a:t>inputs</a:t>
-            </a:r>
-            <a:endParaRPr lang="de-CH" sz="2000" dirty="0">
-              <a:solidFill>
-                <a:schemeClr val="accent2">
-                  <a:lumMod val="50000"/>
-                </a:schemeClr>
-              </a:solidFill>
-            </a:endParaRPr>
-          </a:p>
-          <a:p>
-            <a:pPr marL="457200" indent="-457200" algn="l">
-              <a:buFont typeface="+mj-lt"/>
-              <a:buAutoNum type="arabicPeriod"/>
-            </a:pPr>
-            <a:r>
-              <a:rPr lang="de-CH" sz="2000" dirty="0">
-                <a:solidFill>
-                  <a:schemeClr val="accent2">
-                    <a:lumMod val="50000"/>
-                  </a:schemeClr>
-                </a:solidFill>
-              </a:rPr>
-              <a:t>Selbständig/Teilselbstständig, Welche NNs</a:t>
-            </a:r>
-          </a:p>
-          <a:p>
-            <a:pPr marL="457200" indent="-457200" algn="l">
-              <a:buFont typeface="+mj-lt"/>
-              <a:buAutoNum type="arabicPeriod"/>
-            </a:pPr>
-            <a:r>
-              <a:rPr lang="de-CH" sz="2000" dirty="0">
-                <a:solidFill>
-                  <a:schemeClr val="accent2">
-                    <a:lumMod val="50000"/>
-                  </a:schemeClr>
-                </a:solidFill>
-              </a:rPr>
-              <a:t>Funktion prüfen, bestmöglich RS6 Daten</a:t>
-            </a:r>
-          </a:p>
-          <a:p>
-            <a:pPr marL="457200" indent="-457200" algn="l">
-              <a:buFont typeface="+mj-lt"/>
-              <a:buAutoNum type="arabicPeriod"/>
-            </a:pPr>
-            <a:r>
-              <a:rPr lang="de-CH" sz="2000" dirty="0">
-                <a:solidFill>
-                  <a:schemeClr val="accent2">
-                    <a:lumMod val="50000"/>
-                  </a:schemeClr>
-                </a:solidFill>
-              </a:rPr>
-              <a:t>--</a:t>
-            </a:r>
-          </a:p>
-          <a:p>
-            <a:pPr marL="457200" indent="-457200" algn="l">
-              <a:buFont typeface="+mj-lt"/>
-              <a:buAutoNum type="arabicPeriod"/>
-            </a:pPr>
-            <a:r>
-              <a:rPr lang="de-CH" sz="2000" dirty="0">
-                <a:solidFill>
-                  <a:schemeClr val="accent2">
-                    <a:lumMod val="50000"/>
-                  </a:schemeClr>
-                </a:solidFill>
-              </a:rPr>
-              <a:t>Netzt trainieren</a:t>
-            </a:r>
+      </p:pic>
+      <p:sp>
+        <p:nvSpPr>
+          <p:cNvPr id="4" name="Stern: 5 Zacken 3">
+            <a:extLst>
+              <a:ext uri="{FF2B5EF4-FFF2-40B4-BE49-F238E27FC236}">
+                <a16:creationId xmlns:a16="http://schemas.microsoft.com/office/drawing/2014/main" id="{4EDC1FD6-C612-436B-9259-4AD964BA8C5F}"/>
+              </a:ext>
+            </a:extLst>
+          </p:cNvPr>
+          <p:cNvSpPr/>
+          <p:nvPr/>
+        </p:nvSpPr>
+        <p:spPr>
+          <a:xfrm>
+            <a:off x="6778965" y="175422"/>
+            <a:ext cx="1143830" cy="818629"/>
+          </a:xfrm>
+          <a:prstGeom prst="star5">
+            <a:avLst/>
+          </a:prstGeom>
+          <a:solidFill>
+            <a:schemeClr val="accent6"/>
+          </a:solidFill>
+          <a:ln>
+            <a:solidFill>
+              <a:srgbClr val="00B050"/>
+            </a:solidFill>
+          </a:ln>
+        </p:spPr>
+        <p:style>
+          <a:lnRef idx="2">
+            <a:schemeClr val="accent1">
+              <a:shade val="50000"/>
+            </a:schemeClr>
+          </a:lnRef>
+          <a:fillRef idx="1">
+            <a:schemeClr val="accent1"/>
+          </a:fillRef>
+          <a:effectRef idx="0">
+            <a:schemeClr val="accent1"/>
+          </a:effectRef>
+          <a:fontRef idx="minor">
+            <a:schemeClr val="lt1"/>
+          </a:fontRef>
+        </p:style>
+        <p:txBody>
+          <a:bodyPr rtlCol="0" anchor="ctr"/>
+          <a:lstStyle/>
+          <a:p>
+            <a:pPr algn="ctr"/>
+            <a:endParaRPr lang="de-CH"/>
           </a:p>
         </p:txBody>
       </p:sp>
     </p:spTree>
     <p:extLst>
       <p:ext uri="{BB962C8B-B14F-4D97-AF65-F5344CB8AC3E}">
-        <p14:creationId xmlns:p14="http://schemas.microsoft.com/office/powerpoint/2010/main" val="724637106"/>
+        <p14:creationId xmlns:p14="http://schemas.microsoft.com/office/powerpoint/2010/main" val="2427302127"/>
       </p:ext>
     </p:extLst>
   </p:cSld>

--- a/Org.pptx
+++ b/Org.pptx
@@ -7,14 +7,16 @@
   <p:sldIdLst>
     <p:sldId id="256" r:id="rId2"/>
     <p:sldId id="265" r:id="rId3"/>
-    <p:sldId id="262" r:id="rId4"/>
-    <p:sldId id="266" r:id="rId5"/>
-    <p:sldId id="264" r:id="rId6"/>
-    <p:sldId id="257" r:id="rId7"/>
-    <p:sldId id="258" r:id="rId8"/>
-    <p:sldId id="259" r:id="rId9"/>
-    <p:sldId id="260" r:id="rId10"/>
-    <p:sldId id="261" r:id="rId11"/>
+    <p:sldId id="267" r:id="rId4"/>
+    <p:sldId id="268" r:id="rId5"/>
+    <p:sldId id="262" r:id="rId6"/>
+    <p:sldId id="266" r:id="rId7"/>
+    <p:sldId id="264" r:id="rId8"/>
+    <p:sldId id="257" r:id="rId9"/>
+    <p:sldId id="258" r:id="rId10"/>
+    <p:sldId id="259" r:id="rId11"/>
+    <p:sldId id="260" r:id="rId12"/>
+    <p:sldId id="261" r:id="rId13"/>
   </p:sldIdLst>
   <p:sldSz cx="12192000" cy="6858000"/>
   <p:notesSz cx="6858000" cy="9144000"/>
@@ -1146,7 +1148,7 @@
           <a:p>
             <a:fld id="{5D8C6776-9243-4DB0-9485-6E30042E338C}" type="datetimeFigureOut">
               <a:rPr lang="de-DE" smtClean="0"/>
-              <a:t>17.10.2020</a:t>
+              <a:t>18.10.2020</a:t>
             </a:fld>
             <a:endParaRPr lang="de-DE"/>
           </a:p>
@@ -1344,7 +1346,7 @@
           <a:p>
             <a:fld id="{5D8C6776-9243-4DB0-9485-6E30042E338C}" type="datetimeFigureOut">
               <a:rPr lang="de-DE" smtClean="0"/>
-              <a:t>17.10.2020</a:t>
+              <a:t>18.10.2020</a:t>
             </a:fld>
             <a:endParaRPr lang="de-DE"/>
           </a:p>
@@ -1552,7 +1554,7 @@
           <a:p>
             <a:fld id="{5D8C6776-9243-4DB0-9485-6E30042E338C}" type="datetimeFigureOut">
               <a:rPr lang="de-DE" smtClean="0"/>
-              <a:t>17.10.2020</a:t>
+              <a:t>18.10.2020</a:t>
             </a:fld>
             <a:endParaRPr lang="de-DE"/>
           </a:p>
@@ -1750,7 +1752,7 @@
           <a:p>
             <a:fld id="{5D8C6776-9243-4DB0-9485-6E30042E338C}" type="datetimeFigureOut">
               <a:rPr lang="de-DE" smtClean="0"/>
-              <a:t>17.10.2020</a:t>
+              <a:t>18.10.2020</a:t>
             </a:fld>
             <a:endParaRPr lang="de-DE"/>
           </a:p>
@@ -2025,7 +2027,7 @@
           <a:p>
             <a:fld id="{5D8C6776-9243-4DB0-9485-6E30042E338C}" type="datetimeFigureOut">
               <a:rPr lang="de-DE" smtClean="0"/>
-              <a:t>17.10.2020</a:t>
+              <a:t>18.10.2020</a:t>
             </a:fld>
             <a:endParaRPr lang="de-DE"/>
           </a:p>
@@ -2290,7 +2292,7 @@
           <a:p>
             <a:fld id="{5D8C6776-9243-4DB0-9485-6E30042E338C}" type="datetimeFigureOut">
               <a:rPr lang="de-DE" smtClean="0"/>
-              <a:t>17.10.2020</a:t>
+              <a:t>18.10.2020</a:t>
             </a:fld>
             <a:endParaRPr lang="de-DE"/>
           </a:p>
@@ -2702,7 +2704,7 @@
           <a:p>
             <a:fld id="{5D8C6776-9243-4DB0-9485-6E30042E338C}" type="datetimeFigureOut">
               <a:rPr lang="de-DE" smtClean="0"/>
-              <a:t>17.10.2020</a:t>
+              <a:t>18.10.2020</a:t>
             </a:fld>
             <a:endParaRPr lang="de-DE"/>
           </a:p>
@@ -2843,7 +2845,7 @@
           <a:p>
             <a:fld id="{5D8C6776-9243-4DB0-9485-6E30042E338C}" type="datetimeFigureOut">
               <a:rPr lang="de-DE" smtClean="0"/>
-              <a:t>17.10.2020</a:t>
+              <a:t>18.10.2020</a:t>
             </a:fld>
             <a:endParaRPr lang="de-DE"/>
           </a:p>
@@ -2956,7 +2958,7 @@
           <a:p>
             <a:fld id="{5D8C6776-9243-4DB0-9485-6E30042E338C}" type="datetimeFigureOut">
               <a:rPr lang="de-DE" smtClean="0"/>
-              <a:t>17.10.2020</a:t>
+              <a:t>18.10.2020</a:t>
             </a:fld>
             <a:endParaRPr lang="de-DE"/>
           </a:p>
@@ -3267,7 +3269,7 @@
           <a:p>
             <a:fld id="{5D8C6776-9243-4DB0-9485-6E30042E338C}" type="datetimeFigureOut">
               <a:rPr lang="de-DE" smtClean="0"/>
-              <a:t>17.10.2020</a:t>
+              <a:t>18.10.2020</a:t>
             </a:fld>
             <a:endParaRPr lang="de-DE"/>
           </a:p>
@@ -3555,7 +3557,7 @@
           <a:p>
             <a:fld id="{5D8C6776-9243-4DB0-9485-6E30042E338C}" type="datetimeFigureOut">
               <a:rPr lang="de-DE" smtClean="0"/>
-              <a:t>17.10.2020</a:t>
+              <a:t>18.10.2020</a:t>
             </a:fld>
             <a:endParaRPr lang="de-DE"/>
           </a:p>
@@ -3796,7 +3798,7 @@
           <a:p>
             <a:fld id="{5D8C6776-9243-4DB0-9485-6E30042E338C}" type="datetimeFigureOut">
               <a:rPr lang="de-DE" smtClean="0"/>
-              <a:t>17.10.2020</a:t>
+              <a:t>18.10.2020</a:t>
             </a:fld>
             <a:endParaRPr lang="de-DE"/>
           </a:p>
@@ -4383,6 +4385,626 @@
                   <a:srgbClr val="00B050"/>
                 </a:solidFill>
               </a:rPr>
+              <a:t>Learning Data:</a:t>
+            </a:r>
+            <a:endParaRPr lang="de-DE" dirty="0">
+              <a:solidFill>
+                <a:srgbClr val="00B050"/>
+              </a:solidFill>
+            </a:endParaRPr>
+          </a:p>
+        </p:txBody>
+      </p:sp>
+      <p:sp>
+        <p:nvSpPr>
+          <p:cNvPr id="3" name="Untertitel 2">
+            <a:extLst>
+              <a:ext uri="{FF2B5EF4-FFF2-40B4-BE49-F238E27FC236}">
+                <a16:creationId xmlns:a16="http://schemas.microsoft.com/office/drawing/2014/main" id="{65EC4E1A-91ED-4590-BE93-4D1683B0C547}"/>
+              </a:ext>
+            </a:extLst>
+          </p:cNvPr>
+          <p:cNvSpPr>
+            <a:spLocks noGrp="1"/>
+          </p:cNvSpPr>
+          <p:nvPr>
+            <p:ph type="subTitle" idx="1"/>
+          </p:nvPr>
+        </p:nvSpPr>
+        <p:spPr>
+          <a:xfrm>
+            <a:off x="169023" y="2319815"/>
+            <a:ext cx="10732832" cy="1655762"/>
+          </a:xfrm>
+        </p:spPr>
+        <p:txBody>
+          <a:bodyPr>
+            <a:normAutofit/>
+          </a:bodyPr>
+          <a:lstStyle/>
+          <a:p>
+            <a:pPr algn="l"/>
+            <a:r>
+              <a:rPr lang="de-CH" sz="1800" dirty="0" err="1"/>
+              <a:t>Afk</a:t>
+            </a:r>
+            <a:r>
+              <a:rPr lang="de-CH" sz="1800" dirty="0"/>
+              <a:t> </a:t>
+            </a:r>
+            <a:r>
+              <a:rPr lang="de-CH" sz="1800" dirty="0" err="1"/>
+              <a:t>footage</a:t>
+            </a:r>
+            <a:r>
+              <a:rPr lang="de-CH" sz="1800" dirty="0"/>
+              <a:t>, </a:t>
+            </a:r>
+            <a:r>
+              <a:rPr lang="de-CH" sz="1800" dirty="0" err="1"/>
+              <a:t>algo</a:t>
+            </a:r>
+            <a:r>
+              <a:rPr lang="de-CH" sz="1800" dirty="0"/>
+              <a:t> </a:t>
+            </a:r>
+            <a:r>
+              <a:rPr lang="de-CH" sz="1800" b="1" dirty="0" err="1"/>
+              <a:t>recognises</a:t>
+            </a:r>
+            <a:r>
+              <a:rPr lang="de-CH" sz="1800" b="1" dirty="0"/>
+              <a:t> </a:t>
+            </a:r>
+            <a:r>
+              <a:rPr lang="de-CH" sz="1800" b="1" dirty="0" err="1"/>
+              <a:t>pixel</a:t>
+            </a:r>
+            <a:r>
+              <a:rPr lang="de-CH" sz="1800" b="1" dirty="0"/>
+              <a:t> </a:t>
+            </a:r>
+            <a:r>
+              <a:rPr lang="de-CH" sz="1800" b="1" dirty="0" err="1"/>
+              <a:t>change</a:t>
+            </a:r>
+            <a:r>
+              <a:rPr lang="de-CH" sz="1800" dirty="0"/>
+              <a:t>		smoke, </a:t>
+            </a:r>
+            <a:r>
+              <a:rPr lang="de-CH" sz="1800" dirty="0" err="1"/>
+              <a:t>shaking</a:t>
+            </a:r>
+            <a:r>
+              <a:rPr lang="de-CH" sz="1800" dirty="0"/>
+              <a:t>, lack </a:t>
+            </a:r>
+            <a:r>
+              <a:rPr lang="de-CH" sz="1800" dirty="0" err="1"/>
+              <a:t>of</a:t>
+            </a:r>
+            <a:r>
+              <a:rPr lang="de-CH" sz="1800" dirty="0"/>
+              <a:t> </a:t>
+            </a:r>
+            <a:r>
+              <a:rPr lang="de-CH" sz="1800" dirty="0" err="1"/>
+              <a:t>footage</a:t>
+            </a:r>
+            <a:r>
+              <a:rPr lang="de-CH" sz="1800" dirty="0"/>
+              <a:t>, </a:t>
+            </a:r>
+            <a:r>
+              <a:rPr lang="de-CH" sz="1800" dirty="0" err="1"/>
+              <a:t>bad</a:t>
+            </a:r>
+            <a:r>
+              <a:rPr lang="de-CH" sz="1800" dirty="0"/>
+              <a:t> </a:t>
+            </a:r>
+            <a:r>
+              <a:rPr lang="de-CH" sz="1800" dirty="0" err="1"/>
+              <a:t>resolution</a:t>
+            </a:r>
+            <a:endParaRPr lang="de-CH" sz="1800" dirty="0"/>
+          </a:p>
+          <a:p>
+            <a:pPr algn="l"/>
+            <a:r>
+              <a:rPr lang="de-CH" sz="1800" dirty="0"/>
+              <a:t>Hacking </a:t>
+            </a:r>
+            <a:r>
+              <a:rPr lang="de-CH" sz="1800" dirty="0" err="1"/>
+              <a:t>footage</a:t>
+            </a:r>
+            <a:r>
+              <a:rPr lang="de-CH" sz="1800" dirty="0"/>
+              <a:t>, </a:t>
+            </a:r>
+            <a:r>
+              <a:rPr lang="de-CH" sz="1800" dirty="0" err="1"/>
+              <a:t>algo</a:t>
+            </a:r>
+            <a:r>
+              <a:rPr lang="de-CH" sz="1800" dirty="0"/>
+              <a:t> </a:t>
+            </a:r>
+            <a:r>
+              <a:rPr lang="de-CH" sz="1800" b="1" dirty="0" err="1"/>
+              <a:t>recognise</a:t>
+            </a:r>
+            <a:r>
+              <a:rPr lang="de-CH" sz="1800" b="1" dirty="0"/>
+              <a:t> </a:t>
+            </a:r>
+            <a:r>
+              <a:rPr lang="de-CH" sz="1800" b="1" dirty="0" err="1"/>
+              <a:t>colored</a:t>
+            </a:r>
+            <a:r>
+              <a:rPr lang="de-CH" sz="1800" b="1" dirty="0"/>
+              <a:t> </a:t>
+            </a:r>
+            <a:r>
+              <a:rPr lang="de-CH" sz="1800" b="1" dirty="0" err="1"/>
+              <a:t>Hitboxes</a:t>
+            </a:r>
+            <a:r>
+              <a:rPr lang="de-CH" sz="1800" b="1" dirty="0"/>
+              <a:t>	</a:t>
+            </a:r>
+            <a:r>
+              <a:rPr lang="de-CH" sz="1800" dirty="0"/>
+              <a:t>lack </a:t>
+            </a:r>
+            <a:r>
+              <a:rPr lang="de-CH" sz="1800" dirty="0" err="1"/>
+              <a:t>of</a:t>
+            </a:r>
+            <a:r>
+              <a:rPr lang="de-CH" sz="1800" dirty="0"/>
+              <a:t> </a:t>
+            </a:r>
+            <a:r>
+              <a:rPr lang="de-CH" sz="1800" dirty="0" err="1"/>
+              <a:t>footage</a:t>
+            </a:r>
+            <a:r>
+              <a:rPr lang="de-CH" sz="1800" dirty="0"/>
+              <a:t>, </a:t>
+            </a:r>
+            <a:r>
+              <a:rPr lang="de-CH" sz="1800" dirty="0" err="1"/>
+              <a:t>bad</a:t>
+            </a:r>
+            <a:r>
+              <a:rPr lang="de-CH" sz="1800" dirty="0"/>
+              <a:t> </a:t>
+            </a:r>
+            <a:r>
+              <a:rPr lang="de-CH" sz="1800" dirty="0" err="1"/>
+              <a:t>resolution</a:t>
+            </a:r>
+            <a:endParaRPr lang="de-CH" sz="1800" dirty="0"/>
+          </a:p>
+          <a:p>
+            <a:pPr algn="l"/>
+            <a:r>
+              <a:rPr lang="de-CH" sz="1800" b="1" dirty="0" err="1"/>
+              <a:t>AfterEffects</a:t>
+            </a:r>
+            <a:r>
+              <a:rPr lang="de-CH" sz="1800" b="1" dirty="0"/>
+              <a:t>/</a:t>
+            </a:r>
+            <a:r>
+              <a:rPr lang="de-CH" sz="1800" b="1" dirty="0" err="1"/>
+              <a:t>Fotoshop</a:t>
+            </a:r>
+            <a:r>
+              <a:rPr lang="de-CH" sz="1800" b="1" dirty="0"/>
+              <a:t> </a:t>
+            </a:r>
+            <a:r>
+              <a:rPr lang="de-CH" sz="1800" dirty="0"/>
+              <a:t>feature </a:t>
+            </a:r>
+            <a:r>
+              <a:rPr lang="de-CH" sz="1800" dirty="0" err="1"/>
+              <a:t>autorecognision</a:t>
+            </a:r>
+            <a:r>
+              <a:rPr lang="de-CH" sz="1800" dirty="0"/>
+              <a:t>		</a:t>
+            </a:r>
+            <a:r>
+              <a:rPr lang="de-CH" sz="1800" dirty="0" err="1"/>
+              <a:t>dont</a:t>
+            </a:r>
+            <a:r>
+              <a:rPr lang="de-CH" sz="1800" dirty="0"/>
+              <a:t> </a:t>
+            </a:r>
+            <a:r>
+              <a:rPr lang="de-CH" sz="1800" dirty="0" err="1"/>
+              <a:t>exist</a:t>
+            </a:r>
+            <a:r>
+              <a:rPr lang="de-CH" sz="1800" dirty="0"/>
+              <a:t> at all, </a:t>
+            </a:r>
+            <a:r>
+              <a:rPr lang="de-CH" sz="1800" dirty="0" err="1"/>
+              <a:t>costs</a:t>
+            </a:r>
+            <a:r>
+              <a:rPr lang="de-CH" sz="1800" dirty="0"/>
+              <a:t>, </a:t>
+            </a:r>
+            <a:r>
+              <a:rPr lang="de-CH" sz="1800" dirty="0" err="1"/>
+              <a:t>bunch</a:t>
+            </a:r>
+            <a:r>
+              <a:rPr lang="de-CH" sz="1800" dirty="0"/>
+              <a:t> </a:t>
+            </a:r>
+            <a:r>
+              <a:rPr lang="de-CH" sz="1800" dirty="0" err="1"/>
+              <a:t>of</a:t>
+            </a:r>
+            <a:r>
+              <a:rPr lang="de-CH" sz="1800" dirty="0"/>
+              <a:t> </a:t>
+            </a:r>
+            <a:r>
+              <a:rPr lang="de-CH" sz="1800" dirty="0" err="1"/>
+              <a:t>work</a:t>
+            </a:r>
+            <a:endParaRPr lang="de-CH" sz="1800" dirty="0"/>
+          </a:p>
+        </p:txBody>
+      </p:sp>
+      <p:sp>
+        <p:nvSpPr>
+          <p:cNvPr id="2" name="Textfeld 1">
+            <a:extLst>
+              <a:ext uri="{FF2B5EF4-FFF2-40B4-BE49-F238E27FC236}">
+                <a16:creationId xmlns:a16="http://schemas.microsoft.com/office/drawing/2014/main" id="{998BCA18-59D5-4FC5-B7D1-707A6C6AF215}"/>
+              </a:ext>
+            </a:extLst>
+          </p:cNvPr>
+          <p:cNvSpPr txBox="1"/>
+          <p:nvPr/>
+        </p:nvSpPr>
+        <p:spPr>
+          <a:xfrm>
+            <a:off x="299545" y="1056290"/>
+            <a:ext cx="5423338" cy="646331"/>
+          </a:xfrm>
+          <a:prstGeom prst="rect">
+            <a:avLst/>
+          </a:prstGeom>
+          <a:noFill/>
+        </p:spPr>
+        <p:txBody>
+          <a:bodyPr wrap="square" rtlCol="0">
+            <a:spAutoFit/>
+          </a:bodyPr>
+          <a:lstStyle/>
+          <a:p>
+            <a:r>
+              <a:rPr lang="de-CH" dirty="0"/>
+              <a:t>Wie genügend Lernbilder mit Lösung bereitstellen</a:t>
+            </a:r>
+          </a:p>
+          <a:p>
+            <a:r>
+              <a:rPr lang="de-CH" dirty="0"/>
+              <a:t>Ohne/Mit Gegner, insg. </a:t>
+            </a:r>
+            <a:r>
+              <a:rPr lang="de-CH" dirty="0">
+                <a:solidFill>
+                  <a:srgbClr val="FF0000"/>
+                </a:solidFill>
+              </a:rPr>
+              <a:t>Min 10’000</a:t>
+            </a:r>
+            <a:r>
+              <a:rPr lang="de-CH" dirty="0"/>
+              <a:t>, </a:t>
+            </a:r>
+            <a:r>
+              <a:rPr lang="de-CH" dirty="0" err="1">
+                <a:solidFill>
+                  <a:srgbClr val="00B050"/>
+                </a:solidFill>
+              </a:rPr>
+              <a:t>good</a:t>
+            </a:r>
+            <a:r>
+              <a:rPr lang="de-CH" dirty="0">
+                <a:solidFill>
+                  <a:srgbClr val="00B050"/>
+                </a:solidFill>
+              </a:rPr>
+              <a:t> 100’000</a:t>
+            </a:r>
+            <a:endParaRPr lang="de-DE" dirty="0">
+              <a:solidFill>
+                <a:srgbClr val="00B050"/>
+              </a:solidFill>
+            </a:endParaRPr>
+          </a:p>
+        </p:txBody>
+      </p:sp>
+    </p:spTree>
+    <p:extLst>
+      <p:ext uri="{BB962C8B-B14F-4D97-AF65-F5344CB8AC3E}">
+        <p14:creationId xmlns:p14="http://schemas.microsoft.com/office/powerpoint/2010/main" val="3364058020"/>
+      </p:ext>
+    </p:extLst>
+  </p:cSld>
+  <p:clrMapOvr>
+    <a:masterClrMapping/>
+  </p:clrMapOvr>
+</p:sld>
+</file>
+
+<file path=ppt/slides/slide11.xml><?xml version="1.0" encoding="utf-8"?>
+<p:sld xmlns:a="http://schemas.openxmlformats.org/drawingml/2006/main" xmlns:r="http://schemas.openxmlformats.org/officeDocument/2006/relationships" xmlns:p="http://schemas.openxmlformats.org/presentationml/2006/main" show="0">
+  <p:cSld>
+    <p:spTree>
+      <p:nvGrpSpPr>
+        <p:cNvPr id="1" name=""/>
+        <p:cNvGrpSpPr/>
+        <p:nvPr/>
+      </p:nvGrpSpPr>
+      <p:grpSpPr>
+        <a:xfrm>
+          <a:off x="0" y="0"/>
+          <a:ext cx="0" cy="0"/>
+          <a:chOff x="0" y="0"/>
+          <a:chExt cx="0" cy="0"/>
+        </a:xfrm>
+      </p:grpSpPr>
+      <p:sp>
+        <p:nvSpPr>
+          <p:cNvPr id="5" name="Titel 4">
+            <a:extLst>
+              <a:ext uri="{FF2B5EF4-FFF2-40B4-BE49-F238E27FC236}">
+                <a16:creationId xmlns:a16="http://schemas.microsoft.com/office/drawing/2014/main" id="{C9D5BD20-73AB-4409-8916-BD07A618FF7A}"/>
+              </a:ext>
+            </a:extLst>
+          </p:cNvPr>
+          <p:cNvSpPr>
+            <a:spLocks noGrp="1"/>
+          </p:cNvSpPr>
+          <p:nvPr>
+            <p:ph type="ctrTitle"/>
+          </p:nvPr>
+        </p:nvSpPr>
+        <p:spPr>
+          <a:xfrm>
+            <a:off x="169024" y="162097"/>
+            <a:ext cx="9143999" cy="970425"/>
+          </a:xfrm>
+        </p:spPr>
+        <p:txBody>
+          <a:bodyPr>
+            <a:normAutofit/>
+          </a:bodyPr>
+          <a:lstStyle/>
+          <a:p>
+            <a:pPr algn="l"/>
+            <a:r>
+              <a:rPr lang="de-CH" dirty="0">
+                <a:solidFill>
+                  <a:srgbClr val="00B050"/>
+                </a:solidFill>
+              </a:rPr>
+              <a:t>RS6 </a:t>
+            </a:r>
+            <a:r>
+              <a:rPr lang="de-CH" dirty="0" err="1">
+                <a:solidFill>
+                  <a:srgbClr val="00B050"/>
+                </a:solidFill>
+              </a:rPr>
+              <a:t>input</a:t>
+            </a:r>
+            <a:r>
+              <a:rPr lang="de-CH" dirty="0">
+                <a:solidFill>
+                  <a:srgbClr val="00B050"/>
+                </a:solidFill>
+              </a:rPr>
+              <a:t>:</a:t>
+            </a:r>
+            <a:endParaRPr lang="de-DE" dirty="0">
+              <a:solidFill>
+                <a:srgbClr val="00B050"/>
+              </a:solidFill>
+            </a:endParaRPr>
+          </a:p>
+        </p:txBody>
+      </p:sp>
+      <p:sp>
+        <p:nvSpPr>
+          <p:cNvPr id="3" name="Untertitel 2">
+            <a:extLst>
+              <a:ext uri="{FF2B5EF4-FFF2-40B4-BE49-F238E27FC236}">
+                <a16:creationId xmlns:a16="http://schemas.microsoft.com/office/drawing/2014/main" id="{65EC4E1A-91ED-4590-BE93-4D1683B0C547}"/>
+              </a:ext>
+            </a:extLst>
+          </p:cNvPr>
+          <p:cNvSpPr>
+            <a:spLocks noGrp="1"/>
+          </p:cNvSpPr>
+          <p:nvPr>
+            <p:ph type="subTitle" idx="1"/>
+          </p:nvPr>
+        </p:nvSpPr>
+        <p:spPr>
+          <a:xfrm>
+            <a:off x="169023" y="2319815"/>
+            <a:ext cx="10732832" cy="1109185"/>
+          </a:xfrm>
+        </p:spPr>
+        <p:txBody>
+          <a:bodyPr>
+            <a:normAutofit/>
+          </a:bodyPr>
+          <a:lstStyle/>
+          <a:p>
+            <a:pPr algn="l"/>
+            <a:r>
+              <a:rPr lang="de-CH" sz="1800" dirty="0"/>
+              <a:t>USB </a:t>
+            </a:r>
+            <a:r>
+              <a:rPr lang="de-CH" sz="1800" dirty="0" err="1"/>
+              <a:t>port</a:t>
+            </a:r>
+            <a:r>
+              <a:rPr lang="de-CH" sz="1800" dirty="0"/>
+              <a:t> </a:t>
+            </a:r>
+            <a:r>
+              <a:rPr lang="de-CH" sz="1800" dirty="0" err="1"/>
+              <a:t>input</a:t>
+            </a:r>
+            <a:r>
+              <a:rPr lang="de-CH" sz="1800" dirty="0"/>
+              <a:t>,</a:t>
+            </a:r>
+          </a:p>
+          <a:p>
+            <a:pPr algn="l"/>
+            <a:r>
+              <a:rPr lang="de-CH" sz="1800" dirty="0"/>
+              <a:t>Mouse/ Keyboard nachahmen</a:t>
+            </a:r>
+          </a:p>
+        </p:txBody>
+      </p:sp>
+      <p:sp>
+        <p:nvSpPr>
+          <p:cNvPr id="2" name="Textfeld 1">
+            <a:extLst>
+              <a:ext uri="{FF2B5EF4-FFF2-40B4-BE49-F238E27FC236}">
+                <a16:creationId xmlns:a16="http://schemas.microsoft.com/office/drawing/2014/main" id="{998BCA18-59D5-4FC5-B7D1-707A6C6AF215}"/>
+              </a:ext>
+            </a:extLst>
+          </p:cNvPr>
+          <p:cNvSpPr txBox="1"/>
+          <p:nvPr/>
+        </p:nvSpPr>
+        <p:spPr>
+          <a:xfrm>
+            <a:off x="299545" y="1056290"/>
+            <a:ext cx="5423338" cy="369332"/>
+          </a:xfrm>
+          <a:prstGeom prst="rect">
+            <a:avLst/>
+          </a:prstGeom>
+          <a:noFill/>
+        </p:spPr>
+        <p:txBody>
+          <a:bodyPr wrap="square" rtlCol="0">
+            <a:spAutoFit/>
+          </a:bodyPr>
+          <a:lstStyle/>
+          <a:p>
+            <a:r>
+              <a:rPr lang="de-CH" dirty="0"/>
+              <a:t>Wie steuert K14 den Avatar, anti-</a:t>
+            </a:r>
+            <a:r>
+              <a:rPr lang="de-CH" dirty="0" err="1"/>
+              <a:t>cheat</a:t>
+            </a:r>
+            <a:r>
+              <a:rPr lang="de-CH" dirty="0"/>
+              <a:t> umgehen</a:t>
+            </a:r>
+            <a:endParaRPr lang="de-DE" dirty="0">
+              <a:solidFill>
+                <a:srgbClr val="00B050"/>
+              </a:solidFill>
+            </a:endParaRPr>
+          </a:p>
+        </p:txBody>
+      </p:sp>
+    </p:spTree>
+    <p:extLst>
+      <p:ext uri="{BB962C8B-B14F-4D97-AF65-F5344CB8AC3E}">
+        <p14:creationId xmlns:p14="http://schemas.microsoft.com/office/powerpoint/2010/main" val="2106970164"/>
+      </p:ext>
+    </p:extLst>
+  </p:cSld>
+  <p:clrMapOvr>
+    <a:masterClrMapping/>
+  </p:clrMapOvr>
+</p:sld>
+</file>
+
+<file path=ppt/slides/slide12.xml><?xml version="1.0" encoding="utf-8"?>
+<p:sld xmlns:a="http://schemas.openxmlformats.org/drawingml/2006/main" xmlns:r="http://schemas.openxmlformats.org/officeDocument/2006/relationships" xmlns:p="http://schemas.openxmlformats.org/presentationml/2006/main" show="0">
+  <p:cSld>
+    <p:spTree>
+      <p:nvGrpSpPr>
+        <p:cNvPr id="1" name=""/>
+        <p:cNvGrpSpPr/>
+        <p:nvPr/>
+      </p:nvGrpSpPr>
+      <p:grpSpPr>
+        <a:xfrm>
+          <a:off x="0" y="0"/>
+          <a:ext cx="0" cy="0"/>
+          <a:chOff x="0" y="0"/>
+          <a:chExt cx="0" cy="0"/>
+        </a:xfrm>
+      </p:grpSpPr>
+      <p:sp>
+        <p:nvSpPr>
+          <p:cNvPr id="5" name="Titel 4">
+            <a:extLst>
+              <a:ext uri="{FF2B5EF4-FFF2-40B4-BE49-F238E27FC236}">
+                <a16:creationId xmlns:a16="http://schemas.microsoft.com/office/drawing/2014/main" id="{C9D5BD20-73AB-4409-8916-BD07A618FF7A}"/>
+              </a:ext>
+            </a:extLst>
+          </p:cNvPr>
+          <p:cNvSpPr>
+            <a:spLocks noGrp="1"/>
+          </p:cNvSpPr>
+          <p:nvPr>
+            <p:ph type="ctrTitle"/>
+          </p:nvPr>
+        </p:nvSpPr>
+        <p:spPr>
+          <a:xfrm>
+            <a:off x="169024" y="162097"/>
+            <a:ext cx="9143999" cy="970425"/>
+          </a:xfrm>
+        </p:spPr>
+        <p:txBody>
+          <a:bodyPr>
+            <a:normAutofit/>
+          </a:bodyPr>
+          <a:lstStyle/>
+          <a:p>
+            <a:pPr algn="l"/>
+            <a:r>
+              <a:rPr lang="de-CH" dirty="0">
+                <a:solidFill>
+                  <a:srgbClr val="00B050"/>
+                </a:solidFill>
+              </a:rPr>
               <a:t>Net </a:t>
             </a:r>
             <a:r>
@@ -5057,7 +5679,7 @@
         </p:nvSpPr>
         <p:spPr>
           <a:xfrm>
-            <a:off x="11289771" y="3465096"/>
+            <a:off x="11289771" y="3531886"/>
             <a:ext cx="360947" cy="268305"/>
           </a:xfrm>
           <a:prstGeom prst="star5">
@@ -5097,6 +5719,60 @@
           </a:p>
         </p:txBody>
       </p:sp>
+      <p:sp>
+        <p:nvSpPr>
+          <p:cNvPr id="8" name="Stern: 5 Zacken 7">
+            <a:extLst>
+              <a:ext uri="{FF2B5EF4-FFF2-40B4-BE49-F238E27FC236}">
+                <a16:creationId xmlns:a16="http://schemas.microsoft.com/office/drawing/2014/main" id="{9C0B5DA2-73BA-44EC-AC24-B7484C440D43}"/>
+              </a:ext>
+            </a:extLst>
+          </p:cNvPr>
+          <p:cNvSpPr/>
+          <p:nvPr/>
+        </p:nvSpPr>
+        <p:spPr>
+          <a:xfrm>
+            <a:off x="11289771" y="3987299"/>
+            <a:ext cx="374137" cy="339967"/>
+          </a:xfrm>
+          <a:prstGeom prst="star5">
+            <a:avLst/>
+          </a:prstGeom>
+          <a:solidFill>
+            <a:schemeClr val="accent6"/>
+          </a:solidFill>
+          <a:ln>
+            <a:solidFill>
+              <a:srgbClr val="00B050"/>
+            </a:solidFill>
+          </a:ln>
+        </p:spPr>
+        <p:style>
+          <a:lnRef idx="2">
+            <a:schemeClr val="accent1">
+              <a:shade val="50000"/>
+            </a:schemeClr>
+          </a:lnRef>
+          <a:fillRef idx="1">
+            <a:schemeClr val="accent1"/>
+          </a:fillRef>
+          <a:effectRef idx="0">
+            <a:schemeClr val="accent1"/>
+          </a:effectRef>
+          <a:fontRef idx="minor">
+            <a:schemeClr val="lt1"/>
+          </a:fontRef>
+        </p:style>
+        <p:txBody>
+          <a:bodyPr rtlCol="0" anchor="ctr"/>
+          <a:lstStyle/>
+          <a:p>
+            <a:pPr algn="ctr"/>
+            <a:endParaRPr lang="de-CH"/>
+          </a:p>
+        </p:txBody>
+      </p:sp>
     </p:spTree>
     <p:extLst>
       <p:ext uri="{BB962C8B-B14F-4D97-AF65-F5344CB8AC3E}">
@@ -5111,6 +5787,419 @@
 </file>
 
 <file path=ppt/slides/slide3.xml><?xml version="1.0" encoding="utf-8"?>
+<p:sld xmlns:a="http://schemas.openxmlformats.org/drawingml/2006/main" xmlns:r="http://schemas.openxmlformats.org/officeDocument/2006/relationships" xmlns:p="http://schemas.openxmlformats.org/presentationml/2006/main">
+  <p:cSld>
+    <p:spTree>
+      <p:nvGrpSpPr>
+        <p:cNvPr id="1" name=""/>
+        <p:cNvGrpSpPr/>
+        <p:nvPr/>
+      </p:nvGrpSpPr>
+      <p:grpSpPr>
+        <a:xfrm>
+          <a:off x="0" y="0"/>
+          <a:ext cx="0" cy="0"/>
+          <a:chOff x="0" y="0"/>
+          <a:chExt cx="0" cy="0"/>
+        </a:xfrm>
+      </p:grpSpPr>
+      <p:sp>
+        <p:nvSpPr>
+          <p:cNvPr id="2" name="Titel 1">
+            <a:extLst>
+              <a:ext uri="{FF2B5EF4-FFF2-40B4-BE49-F238E27FC236}">
+                <a16:creationId xmlns:a16="http://schemas.microsoft.com/office/drawing/2014/main" id="{F09FEB70-3996-4CBF-B2A2-7E28FC3B67A3}"/>
+              </a:ext>
+            </a:extLst>
+          </p:cNvPr>
+          <p:cNvSpPr>
+            <a:spLocks noGrp="1"/>
+          </p:cNvSpPr>
+          <p:nvPr>
+            <p:ph type="ctrTitle"/>
+          </p:nvPr>
+        </p:nvSpPr>
+        <p:spPr>
+          <a:xfrm>
+            <a:off x="152399" y="133004"/>
+            <a:ext cx="9893532" cy="1011988"/>
+          </a:xfrm>
+        </p:spPr>
+        <p:txBody>
+          <a:bodyPr>
+            <a:normAutofit/>
+          </a:bodyPr>
+          <a:lstStyle/>
+          <a:p>
+            <a:pPr algn="l"/>
+            <a:r>
+              <a:rPr lang="de-CH" dirty="0"/>
+              <a:t>Architektur testen</a:t>
+            </a:r>
+          </a:p>
+        </p:txBody>
+      </p:sp>
+      <p:sp>
+        <p:nvSpPr>
+          <p:cNvPr id="5" name="Untertitel 4">
+            <a:extLst>
+              <a:ext uri="{FF2B5EF4-FFF2-40B4-BE49-F238E27FC236}">
+                <a16:creationId xmlns:a16="http://schemas.microsoft.com/office/drawing/2014/main" id="{89F373AA-7D5F-4FB7-81CD-8B2B93416955}"/>
+              </a:ext>
+            </a:extLst>
+          </p:cNvPr>
+          <p:cNvSpPr>
+            <a:spLocks noGrp="1"/>
+          </p:cNvSpPr>
+          <p:nvPr>
+            <p:ph type="subTitle" idx="1"/>
+          </p:nvPr>
+        </p:nvSpPr>
+        <p:spPr>
+          <a:xfrm>
+            <a:off x="376842" y="1405043"/>
+            <a:ext cx="11668299" cy="3457902"/>
+          </a:xfrm>
+        </p:spPr>
+        <p:txBody>
+          <a:bodyPr>
+            <a:normAutofit/>
+          </a:bodyPr>
+          <a:lstStyle/>
+          <a:p>
+            <a:pPr algn="l"/>
+            <a:r>
+              <a:rPr lang="de-CH" sz="2000" dirty="0"/>
+              <a:t>Testen mit RS6 daten, die werden sowieso gebraucht.</a:t>
+            </a:r>
+          </a:p>
+          <a:p>
+            <a:pPr algn="l"/>
+            <a:r>
+              <a:rPr lang="de-CH" sz="2000" dirty="0" err="1">
+                <a:highlight>
+                  <a:srgbClr val="FFFF00"/>
+                </a:highlight>
+              </a:rPr>
+              <a:t>ScreenshotSupporter</a:t>
+            </a:r>
+            <a:r>
+              <a:rPr lang="de-CH" sz="2000" dirty="0">
+                <a:highlight>
+                  <a:srgbClr val="FFFF00"/>
+                </a:highlight>
+              </a:rPr>
+              <a:t> programmieren, mit </a:t>
+            </a:r>
+            <a:r>
+              <a:rPr lang="de-CH" sz="2000" dirty="0" err="1">
+                <a:highlight>
+                  <a:srgbClr val="FFFF00"/>
+                </a:highlight>
+              </a:rPr>
+              <a:t>visely</a:t>
+            </a:r>
+            <a:r>
+              <a:rPr lang="de-CH" sz="2000" dirty="0">
+                <a:highlight>
+                  <a:srgbClr val="FFFF00"/>
+                </a:highlight>
+              </a:rPr>
+              <a:t> Daten aufbereiten, 100 Stück</a:t>
+            </a:r>
+          </a:p>
+        </p:txBody>
+      </p:sp>
+      <p:pic>
+        <p:nvPicPr>
+          <p:cNvPr id="10" name="Grafik 9">
+            <a:extLst>
+              <a:ext uri="{FF2B5EF4-FFF2-40B4-BE49-F238E27FC236}">
+                <a16:creationId xmlns:a16="http://schemas.microsoft.com/office/drawing/2014/main" id="{397FBF9F-243B-4E32-A6FB-6F5F61A168C4}"/>
+              </a:ext>
+            </a:extLst>
+          </p:cNvPr>
+          <p:cNvPicPr>
+            <a:picLocks noChangeAspect="1"/>
+          </p:cNvPicPr>
+          <p:nvPr/>
+        </p:nvPicPr>
+        <p:blipFill>
+          <a:blip r:embed="rId2">
+            <a:clrChange>
+              <a:clrFrom>
+                <a:srgbClr val="FFFFFF"/>
+              </a:clrFrom>
+              <a:clrTo>
+                <a:srgbClr val="FFFFFF">
+                  <a:alpha val="0"/>
+                </a:srgbClr>
+              </a:clrTo>
+            </a:clrChange>
+          </a:blip>
+          <a:stretch>
+            <a:fillRect/>
+          </a:stretch>
+        </p:blipFill>
+        <p:spPr>
+          <a:xfrm>
+            <a:off x="1808092" y="2130043"/>
+            <a:ext cx="5847682" cy="4015424"/>
+          </a:xfrm>
+          <a:prstGeom prst="rect">
+            <a:avLst/>
+          </a:prstGeom>
+        </p:spPr>
+      </p:pic>
+    </p:spTree>
+    <p:extLst>
+      <p:ext uri="{BB962C8B-B14F-4D97-AF65-F5344CB8AC3E}">
+        <p14:creationId xmlns:p14="http://schemas.microsoft.com/office/powerpoint/2010/main" val="1000499356"/>
+      </p:ext>
+    </p:extLst>
+  </p:cSld>
+  <p:clrMapOvr>
+    <a:masterClrMapping/>
+  </p:clrMapOvr>
+</p:sld>
+</file>
+
+<file path=ppt/slides/slide4.xml><?xml version="1.0" encoding="utf-8"?>
+<p:sld xmlns:a="http://schemas.openxmlformats.org/drawingml/2006/main" xmlns:r="http://schemas.openxmlformats.org/officeDocument/2006/relationships" xmlns:p="http://schemas.openxmlformats.org/presentationml/2006/main">
+  <p:cSld>
+    <p:spTree>
+      <p:nvGrpSpPr>
+        <p:cNvPr id="1" name=""/>
+        <p:cNvGrpSpPr/>
+        <p:nvPr/>
+      </p:nvGrpSpPr>
+      <p:grpSpPr>
+        <a:xfrm>
+          <a:off x="0" y="0"/>
+          <a:ext cx="0" cy="0"/>
+          <a:chOff x="0" y="0"/>
+          <a:chExt cx="0" cy="0"/>
+        </a:xfrm>
+      </p:grpSpPr>
+      <p:sp>
+        <p:nvSpPr>
+          <p:cNvPr id="2" name="Titel 1">
+            <a:extLst>
+              <a:ext uri="{FF2B5EF4-FFF2-40B4-BE49-F238E27FC236}">
+                <a16:creationId xmlns:a16="http://schemas.microsoft.com/office/drawing/2014/main" id="{F09FEB70-3996-4CBF-B2A2-7E28FC3B67A3}"/>
+              </a:ext>
+            </a:extLst>
+          </p:cNvPr>
+          <p:cNvSpPr>
+            <a:spLocks noGrp="1"/>
+          </p:cNvSpPr>
+          <p:nvPr>
+            <p:ph type="ctrTitle"/>
+          </p:nvPr>
+        </p:nvSpPr>
+        <p:spPr>
+          <a:xfrm>
+            <a:off x="152399" y="133004"/>
+            <a:ext cx="9893532" cy="1011988"/>
+          </a:xfrm>
+        </p:spPr>
+        <p:txBody>
+          <a:bodyPr>
+            <a:normAutofit/>
+          </a:bodyPr>
+          <a:lstStyle/>
+          <a:p>
+            <a:pPr algn="l"/>
+            <a:r>
+              <a:rPr lang="de-DE" sz="6000" b="1" dirty="0">
+                <a:solidFill>
+                  <a:schemeClr val="accent2"/>
+                </a:solidFill>
+              </a:rPr>
+              <a:t>Architektur</a:t>
+            </a:r>
+            <a:endParaRPr lang="de-CH" dirty="0"/>
+          </a:p>
+        </p:txBody>
+      </p:sp>
+      <p:sp>
+        <p:nvSpPr>
+          <p:cNvPr id="5" name="Untertitel 4">
+            <a:extLst>
+              <a:ext uri="{FF2B5EF4-FFF2-40B4-BE49-F238E27FC236}">
+                <a16:creationId xmlns:a16="http://schemas.microsoft.com/office/drawing/2014/main" id="{89F373AA-7D5F-4FB7-81CD-8B2B93416955}"/>
+              </a:ext>
+            </a:extLst>
+          </p:cNvPr>
+          <p:cNvSpPr>
+            <a:spLocks noGrp="1"/>
+          </p:cNvSpPr>
+          <p:nvPr>
+            <p:ph type="subTitle" idx="1"/>
+          </p:nvPr>
+        </p:nvSpPr>
+        <p:spPr>
+          <a:xfrm>
+            <a:off x="376842" y="1405042"/>
+            <a:ext cx="11668299" cy="4891849"/>
+          </a:xfrm>
+        </p:spPr>
+        <p:txBody>
+          <a:bodyPr>
+            <a:normAutofit/>
+          </a:bodyPr>
+          <a:lstStyle/>
+          <a:p>
+            <a:pPr algn="l"/>
+            <a:r>
+              <a:rPr lang="de-CH" sz="2000" b="1" dirty="0" err="1">
+                <a:highlight>
+                  <a:srgbClr val="FFFF00"/>
+                </a:highlight>
+              </a:rPr>
+              <a:t>Mask</a:t>
+            </a:r>
+            <a:r>
+              <a:rPr lang="de-CH" sz="2000" b="1" dirty="0">
+                <a:highlight>
+                  <a:srgbClr val="FFFF00"/>
+                </a:highlight>
+              </a:rPr>
+              <a:t> r-</a:t>
+            </a:r>
+            <a:r>
+              <a:rPr lang="de-CH" sz="2000" b="1" dirty="0" err="1">
+                <a:highlight>
+                  <a:srgbClr val="FFFF00"/>
+                </a:highlight>
+              </a:rPr>
+              <a:t>cnn</a:t>
+            </a:r>
+            <a:endParaRPr lang="de-CH" sz="2000" b="1" dirty="0">
+              <a:highlight>
+                <a:srgbClr val="FFFF00"/>
+              </a:highlight>
+            </a:endParaRPr>
+          </a:p>
+          <a:p>
+            <a:pPr algn="l"/>
+            <a:endParaRPr lang="de-CH" sz="2000" b="1" dirty="0">
+              <a:highlight>
+                <a:srgbClr val="FFFF00"/>
+              </a:highlight>
+            </a:endParaRPr>
+          </a:p>
+          <a:p>
+            <a:pPr algn="l"/>
+            <a:r>
+              <a:rPr lang="de-CH" sz="2000" dirty="0"/>
+              <a:t>+Bereits existierende und gut funktionierende Architektur, welche genau den Anforderungen entspricht.</a:t>
+            </a:r>
+          </a:p>
+          <a:p>
+            <a:pPr algn="l"/>
+            <a:r>
+              <a:rPr lang="de-CH" sz="2000" dirty="0"/>
+              <a:t>+Vortrainierte Gewichte als Grundlage für eigenes Training.</a:t>
+            </a:r>
+          </a:p>
+          <a:p>
+            <a:pPr algn="l"/>
+            <a:endParaRPr lang="de-CH" sz="2000" dirty="0"/>
+          </a:p>
+          <a:p>
+            <a:pPr algn="l"/>
+            <a:r>
+              <a:rPr lang="de-DE" sz="2000" dirty="0"/>
+              <a:t>-Geschwindigkeit genügend?</a:t>
+            </a:r>
+          </a:p>
+          <a:p>
+            <a:pPr algn="l"/>
+            <a:r>
+              <a:rPr lang="de-DE" sz="2000" dirty="0"/>
+              <a:t>-</a:t>
+            </a:r>
+            <a:r>
+              <a:rPr lang="de-DE" sz="2000" dirty="0" err="1"/>
+              <a:t>Wieviele</a:t>
+            </a:r>
+            <a:r>
+              <a:rPr lang="de-DE" sz="2000" dirty="0"/>
+              <a:t> Trainingsdaten nötig?</a:t>
+            </a:r>
+            <a:endParaRPr lang="de-CH" sz="2000" dirty="0"/>
+          </a:p>
+        </p:txBody>
+      </p:sp>
+      <p:sp>
+        <p:nvSpPr>
+          <p:cNvPr id="8" name="Stern: 5 Zacken 7">
+            <a:extLst>
+              <a:ext uri="{FF2B5EF4-FFF2-40B4-BE49-F238E27FC236}">
+                <a16:creationId xmlns:a16="http://schemas.microsoft.com/office/drawing/2014/main" id="{ABC4E410-01D8-4C6F-8D12-72A982635EC9}"/>
+              </a:ext>
+            </a:extLst>
+          </p:cNvPr>
+          <p:cNvSpPr/>
+          <p:nvPr/>
+        </p:nvSpPr>
+        <p:spPr>
+          <a:xfrm>
+            <a:off x="3955335" y="229683"/>
+            <a:ext cx="1143830" cy="818629"/>
+          </a:xfrm>
+          <a:prstGeom prst="star5">
+            <a:avLst/>
+          </a:prstGeom>
+          <a:solidFill>
+            <a:schemeClr val="accent6"/>
+          </a:solidFill>
+          <a:ln>
+            <a:solidFill>
+              <a:srgbClr val="00B050"/>
+            </a:solidFill>
+          </a:ln>
+        </p:spPr>
+        <p:style>
+          <a:lnRef idx="2">
+            <a:schemeClr val="accent1">
+              <a:shade val="50000"/>
+            </a:schemeClr>
+          </a:lnRef>
+          <a:fillRef idx="1">
+            <a:schemeClr val="accent1"/>
+          </a:fillRef>
+          <a:effectRef idx="0">
+            <a:schemeClr val="accent1"/>
+          </a:effectRef>
+          <a:fontRef idx="minor">
+            <a:schemeClr val="lt1"/>
+          </a:fontRef>
+        </p:style>
+        <p:txBody>
+          <a:bodyPr rtlCol="0" anchor="ctr"/>
+          <a:lstStyle/>
+          <a:p>
+            <a:pPr algn="ctr"/>
+            <a:endParaRPr lang="de-CH"/>
+          </a:p>
+        </p:txBody>
+      </p:sp>
+    </p:spTree>
+    <p:extLst>
+      <p:ext uri="{BB962C8B-B14F-4D97-AF65-F5344CB8AC3E}">
+        <p14:creationId xmlns:p14="http://schemas.microsoft.com/office/powerpoint/2010/main" val="1801125864"/>
+      </p:ext>
+    </p:extLst>
+  </p:cSld>
+  <p:clrMapOvr>
+    <a:masterClrMapping/>
+  </p:clrMapOvr>
+</p:sld>
+</file>
+
+<file path=ppt/slides/slide5.xml><?xml version="1.0" encoding="utf-8"?>
 <p:sld xmlns:a="http://schemas.openxmlformats.org/drawingml/2006/main" xmlns:r="http://schemas.openxmlformats.org/officeDocument/2006/relationships" xmlns:p="http://schemas.openxmlformats.org/presentationml/2006/main">
   <p:cSld>
     <p:spTree>
@@ -5658,7 +6747,7 @@
 </p:sld>
 </file>
 
-<file path=ppt/slides/slide4.xml><?xml version="1.0" encoding="utf-8"?>
+<file path=ppt/slides/slide6.xml><?xml version="1.0" encoding="utf-8"?>
 <p:sld xmlns:a="http://schemas.openxmlformats.org/drawingml/2006/main" xmlns:r="http://schemas.openxmlformats.org/officeDocument/2006/relationships" xmlns:p="http://schemas.openxmlformats.org/presentationml/2006/main">
   <p:cSld>
     <p:spTree>
@@ -5851,7 +6940,7 @@
         </p:nvSpPr>
         <p:spPr>
           <a:xfrm>
-            <a:off x="6778965" y="175422"/>
+            <a:off x="6778965" y="146328"/>
             <a:ext cx="1143830" cy="818629"/>
           </a:xfrm>
           <a:prstGeom prst="star5">
@@ -5904,1142 +6993,6 @@
 </p:sld>
 </file>
 
-<file path=ppt/slides/slide5.xml><?xml version="1.0" encoding="utf-8"?>
-<p:sld xmlns:a="http://schemas.openxmlformats.org/drawingml/2006/main" xmlns:r="http://schemas.openxmlformats.org/officeDocument/2006/relationships" xmlns:p="http://schemas.openxmlformats.org/presentationml/2006/main" show="0">
-  <p:cSld>
-    <p:spTree>
-      <p:nvGrpSpPr>
-        <p:cNvPr id="1" name=""/>
-        <p:cNvGrpSpPr/>
-        <p:nvPr/>
-      </p:nvGrpSpPr>
-      <p:grpSpPr>
-        <a:xfrm>
-          <a:off x="0" y="0"/>
-          <a:ext cx="0" cy="0"/>
-          <a:chOff x="0" y="0"/>
-          <a:chExt cx="0" cy="0"/>
-        </a:xfrm>
-      </p:grpSpPr>
-      <p:sp>
-        <p:nvSpPr>
-          <p:cNvPr id="2" name="Titel 1">
-            <a:extLst>
-              <a:ext uri="{FF2B5EF4-FFF2-40B4-BE49-F238E27FC236}">
-                <a16:creationId xmlns:a16="http://schemas.microsoft.com/office/drawing/2014/main" id="{F09FEB70-3996-4CBF-B2A2-7E28FC3B67A3}"/>
-              </a:ext>
-            </a:extLst>
-          </p:cNvPr>
-          <p:cNvSpPr>
-            <a:spLocks noGrp="1"/>
-          </p:cNvSpPr>
-          <p:nvPr>
-            <p:ph type="ctrTitle"/>
-          </p:nvPr>
-        </p:nvSpPr>
-        <p:spPr>
-          <a:xfrm>
-            <a:off x="152399" y="133004"/>
-            <a:ext cx="6752897" cy="1011988"/>
-          </a:xfrm>
-        </p:spPr>
-        <p:txBody>
-          <a:bodyPr>
-            <a:normAutofit/>
-          </a:bodyPr>
-          <a:lstStyle/>
-          <a:p>
-            <a:pPr algn="l"/>
-            <a:r>
-              <a:rPr lang="de-CH" dirty="0" err="1">
-                <a:solidFill>
-                  <a:srgbClr val="FF0000"/>
-                </a:solidFill>
-              </a:rPr>
-              <a:t>Eval</a:t>
-            </a:r>
-            <a:r>
-              <a:rPr lang="de-CH" dirty="0">
-                <a:solidFill>
-                  <a:srgbClr val="FF0000"/>
-                </a:solidFill>
-              </a:rPr>
-              <a:t> abgeschlossen</a:t>
-            </a:r>
-            <a:endParaRPr lang="de-DE" dirty="0">
-              <a:solidFill>
-                <a:srgbClr val="FF0000"/>
-              </a:solidFill>
-            </a:endParaRPr>
-          </a:p>
-        </p:txBody>
-      </p:sp>
-      <p:sp>
-        <p:nvSpPr>
-          <p:cNvPr id="5" name="Untertitel 4">
-            <a:extLst>
-              <a:ext uri="{FF2B5EF4-FFF2-40B4-BE49-F238E27FC236}">
-                <a16:creationId xmlns:a16="http://schemas.microsoft.com/office/drawing/2014/main" id="{89F373AA-7D5F-4FB7-81CD-8B2B93416955}"/>
-              </a:ext>
-            </a:extLst>
-          </p:cNvPr>
-          <p:cNvSpPr>
-            <a:spLocks noGrp="1"/>
-          </p:cNvSpPr>
-          <p:nvPr>
-            <p:ph type="subTitle" idx="1"/>
-          </p:nvPr>
-        </p:nvSpPr>
-        <p:spPr>
-          <a:xfrm>
-            <a:off x="152399" y="2705983"/>
-            <a:ext cx="5554718" cy="3300679"/>
-          </a:xfrm>
-        </p:spPr>
-        <p:txBody>
-          <a:bodyPr>
-            <a:normAutofit/>
-          </a:bodyPr>
-          <a:lstStyle/>
-          <a:p>
-            <a:pPr algn="l"/>
-            <a:r>
-              <a:rPr lang="de-DE" sz="2000" b="1" dirty="0"/>
-              <a:t>Vergleichs Themen:</a:t>
-            </a:r>
-          </a:p>
-          <a:p>
-            <a:pPr marL="342900" indent="-342900" algn="l">
-              <a:buFont typeface="Arial" panose="020B0604020202020204" pitchFamily="34" charset="0"/>
-              <a:buChar char="•"/>
-            </a:pPr>
-            <a:r>
-              <a:rPr lang="de-DE" sz="2000" dirty="0">
-                <a:solidFill>
-                  <a:schemeClr val="accent4">
-                    <a:lumMod val="75000"/>
-                  </a:schemeClr>
-                </a:solidFill>
-              </a:rPr>
-              <a:t>Wie Kommunikation NN zu Game</a:t>
-            </a:r>
-          </a:p>
-          <a:p>
-            <a:pPr marL="342900" indent="-342900" algn="l">
-              <a:buFont typeface="Arial" panose="020B0604020202020204" pitchFamily="34" charset="0"/>
-              <a:buChar char="•"/>
-            </a:pPr>
-            <a:r>
-              <a:rPr lang="de-CH" sz="2000" dirty="0">
-                <a:solidFill>
-                  <a:schemeClr val="accent4">
-                    <a:lumMod val="75000"/>
-                  </a:schemeClr>
-                </a:solidFill>
-              </a:rPr>
-              <a:t>Wie komplex wären die möglichen Architekturen</a:t>
-            </a:r>
-          </a:p>
-          <a:p>
-            <a:pPr marL="342900" indent="-342900" algn="l">
-              <a:buFont typeface="Arial" panose="020B0604020202020204" pitchFamily="34" charset="0"/>
-              <a:buChar char="•"/>
-            </a:pPr>
-            <a:r>
-              <a:rPr lang="de-CH" sz="2000" dirty="0">
-                <a:solidFill>
-                  <a:schemeClr val="accent4">
-                    <a:lumMod val="75000"/>
-                  </a:schemeClr>
-                </a:solidFill>
-              </a:rPr>
-              <a:t>Welche Trainingsdaten</a:t>
-            </a:r>
-          </a:p>
-          <a:p>
-            <a:pPr marL="342900" indent="-342900" algn="l">
-              <a:buFont typeface="Arial" panose="020B0604020202020204" pitchFamily="34" charset="0"/>
-              <a:buChar char="•"/>
-            </a:pPr>
-            <a:r>
-              <a:rPr lang="de-CH" sz="2000" dirty="0">
-                <a:solidFill>
-                  <a:schemeClr val="accent4">
-                    <a:lumMod val="75000"/>
-                  </a:schemeClr>
-                </a:solidFill>
-              </a:rPr>
-              <a:t>Wie Rechenaufwendig wäre das Training</a:t>
-            </a:r>
-          </a:p>
-          <a:p>
-            <a:pPr marL="342900" indent="-342900" algn="l">
-              <a:buFont typeface="Arial" panose="020B0604020202020204" pitchFamily="34" charset="0"/>
-              <a:buChar char="•"/>
-            </a:pPr>
-            <a:r>
-              <a:rPr lang="de-CH" sz="2000" dirty="0">
-                <a:solidFill>
-                  <a:schemeClr val="accent4">
-                    <a:lumMod val="75000"/>
-                  </a:schemeClr>
-                </a:solidFill>
-              </a:rPr>
-              <a:t>Wie Gut im Vergleich zum Mensch </a:t>
-            </a:r>
-            <a:br>
-              <a:rPr lang="de-CH" sz="2000" dirty="0">
-                <a:solidFill>
-                  <a:schemeClr val="accent4">
-                    <a:lumMod val="75000"/>
-                  </a:schemeClr>
-                </a:solidFill>
-              </a:rPr>
-            </a:br>
-            <a:r>
-              <a:rPr lang="de-CH" sz="2000" dirty="0">
-                <a:solidFill>
-                  <a:schemeClr val="accent4">
-                    <a:lumMod val="75000"/>
-                  </a:schemeClr>
-                </a:solidFill>
-              </a:rPr>
-              <a:t>(Reaktionszeit, Qualität der Entscheidungen)</a:t>
-            </a:r>
-          </a:p>
-        </p:txBody>
-      </p:sp>
-      <p:sp>
-        <p:nvSpPr>
-          <p:cNvPr id="3" name="Rechteck 2">
-            <a:extLst>
-              <a:ext uri="{FF2B5EF4-FFF2-40B4-BE49-F238E27FC236}">
-                <a16:creationId xmlns:a16="http://schemas.microsoft.com/office/drawing/2014/main" id="{60FD83AB-F9D1-4788-A257-A2D7117A090B}"/>
-              </a:ext>
-            </a:extLst>
-          </p:cNvPr>
-          <p:cNvSpPr/>
-          <p:nvPr/>
-        </p:nvSpPr>
-        <p:spPr>
-          <a:xfrm>
-            <a:off x="152399" y="1408095"/>
-            <a:ext cx="6096000" cy="646331"/>
-          </a:xfrm>
-          <a:prstGeom prst="rect">
-            <a:avLst/>
-          </a:prstGeom>
-        </p:spPr>
-        <p:txBody>
-          <a:bodyPr>
-            <a:spAutoFit/>
-          </a:bodyPr>
-          <a:lstStyle/>
-          <a:p>
-            <a:r>
-              <a:rPr lang="de-CH" b="1" dirty="0"/>
-              <a:t>Welches game:</a:t>
-            </a:r>
-          </a:p>
-          <a:p>
-            <a:r>
-              <a:rPr lang="de-CH" dirty="0"/>
-              <a:t>Aufwand </a:t>
-            </a:r>
-            <a:r>
-              <a:rPr lang="de-CH" dirty="0">
-                <a:solidFill>
-                  <a:schemeClr val="accent6"/>
-                </a:solidFill>
-              </a:rPr>
-              <a:t>RS6</a:t>
-            </a:r>
-            <a:r>
-              <a:rPr lang="de-CH" dirty="0"/>
-              <a:t>, </a:t>
-            </a:r>
-            <a:r>
-              <a:rPr lang="de-CH" dirty="0">
-                <a:solidFill>
-                  <a:schemeClr val="accent2"/>
-                </a:solidFill>
-              </a:rPr>
-              <a:t>Minecraft</a:t>
-            </a:r>
-            <a:r>
-              <a:rPr lang="de-CH" dirty="0"/>
-              <a:t>, </a:t>
-            </a:r>
-            <a:r>
-              <a:rPr lang="de-CH" dirty="0">
-                <a:solidFill>
-                  <a:schemeClr val="accent5"/>
-                </a:solidFill>
-              </a:rPr>
-              <a:t>CR</a:t>
-            </a:r>
-          </a:p>
-        </p:txBody>
-      </p:sp>
-      <p:sp>
-        <p:nvSpPr>
-          <p:cNvPr id="6" name="Titel 1">
-            <a:extLst>
-              <a:ext uri="{FF2B5EF4-FFF2-40B4-BE49-F238E27FC236}">
-                <a16:creationId xmlns:a16="http://schemas.microsoft.com/office/drawing/2014/main" id="{BE20B65D-5F7A-478B-997E-43E3CA4AFEBA}"/>
-              </a:ext>
-            </a:extLst>
-          </p:cNvPr>
-          <p:cNvSpPr txBox="1">
-            <a:spLocks/>
-          </p:cNvSpPr>
-          <p:nvPr/>
-        </p:nvSpPr>
-        <p:spPr>
-          <a:xfrm>
-            <a:off x="4730864" y="1182972"/>
-            <a:ext cx="6752897" cy="1011988"/>
-          </a:xfrm>
-          <a:prstGeom prst="rect">
-            <a:avLst/>
-          </a:prstGeom>
-        </p:spPr>
-        <p:txBody>
-          <a:bodyPr vert="horz" lIns="91440" tIns="45720" rIns="91440" bIns="45720" rtlCol="0" anchor="b">
-            <a:normAutofit lnSpcReduction="10000"/>
-          </a:bodyPr>
-          <a:lstStyle>
-            <a:lvl1pPr algn="ctr" defTabSz="914400" rtl="0" eaLnBrk="1" latinLnBrk="0" hangingPunct="1">
-              <a:lnSpc>
-                <a:spcPct val="90000"/>
-              </a:lnSpc>
-              <a:spcBef>
-                <a:spcPct val="0"/>
-              </a:spcBef>
-              <a:buNone/>
-              <a:defRPr sz="6000" kern="1200">
-                <a:solidFill>
-                  <a:schemeClr val="tx1"/>
-                </a:solidFill>
-                <a:latin typeface="+mj-lt"/>
-                <a:ea typeface="+mj-ea"/>
-                <a:cs typeface="+mj-cs"/>
-              </a:defRPr>
-            </a:lvl1pPr>
-          </a:lstStyle>
-          <a:p>
-            <a:pPr algn="l"/>
-            <a:r>
-              <a:rPr lang="de-CH" sz="1800" dirty="0">
-                <a:solidFill>
-                  <a:srgbClr val="FF0000"/>
-                </a:solidFill>
-              </a:rPr>
-              <a:t>Minecraft wäre nicht wirklich einfacher als RS6 und CR als Handy Spiel bringt viele uninteressante Probleme mit sich.</a:t>
-            </a:r>
-          </a:p>
-          <a:p>
-            <a:pPr algn="l"/>
-            <a:endParaRPr lang="de-CH" sz="1800" dirty="0">
-              <a:solidFill>
-                <a:srgbClr val="FF0000"/>
-              </a:solidFill>
-            </a:endParaRPr>
-          </a:p>
-          <a:p>
-            <a:pPr algn="l"/>
-            <a:r>
-              <a:rPr lang="de-CH" sz="1800" dirty="0">
-                <a:solidFill>
-                  <a:srgbClr val="FF0000"/>
-                </a:solidFill>
-              </a:rPr>
-              <a:t>Alle Punkte sind lösbar klassisch oder durch Skalierung des Zieles.</a:t>
-            </a:r>
-            <a:endParaRPr lang="de-DE" sz="1800" dirty="0">
-              <a:solidFill>
-                <a:srgbClr val="FF0000"/>
-              </a:solidFill>
-            </a:endParaRPr>
-          </a:p>
-        </p:txBody>
-      </p:sp>
-      <p:sp>
-        <p:nvSpPr>
-          <p:cNvPr id="8" name="Untertitel 4">
-            <a:extLst>
-              <a:ext uri="{FF2B5EF4-FFF2-40B4-BE49-F238E27FC236}">
-                <a16:creationId xmlns:a16="http://schemas.microsoft.com/office/drawing/2014/main" id="{7F278E61-B4F9-4D3B-B698-04E02F7B24A1}"/>
-              </a:ext>
-            </a:extLst>
-          </p:cNvPr>
-          <p:cNvSpPr txBox="1">
-            <a:spLocks/>
-          </p:cNvSpPr>
-          <p:nvPr/>
-        </p:nvSpPr>
-        <p:spPr>
-          <a:xfrm>
-            <a:off x="6096000" y="3139535"/>
-            <a:ext cx="5554718" cy="2134031"/>
-          </a:xfrm>
-          <a:prstGeom prst="rect">
-            <a:avLst/>
-          </a:prstGeom>
-        </p:spPr>
-        <p:txBody>
-          <a:bodyPr vert="horz" lIns="91440" tIns="45720" rIns="91440" bIns="45720" rtlCol="0">
-            <a:normAutofit lnSpcReduction="10000"/>
-          </a:bodyPr>
-          <a:lstStyle>
-            <a:lvl1pPr marL="0" indent="0" algn="ctr" defTabSz="914400" rtl="0" eaLnBrk="1" latinLnBrk="0" hangingPunct="1">
-              <a:lnSpc>
-                <a:spcPct val="90000"/>
-              </a:lnSpc>
-              <a:spcBef>
-                <a:spcPts val="1000"/>
-              </a:spcBef>
-              <a:buFont typeface="Arial" panose="020B0604020202020204" pitchFamily="34" charset="0"/>
-              <a:buNone/>
-              <a:defRPr sz="2400" kern="1200">
-                <a:solidFill>
-                  <a:schemeClr val="tx1"/>
-                </a:solidFill>
-                <a:latin typeface="+mn-lt"/>
-                <a:ea typeface="+mn-ea"/>
-                <a:cs typeface="+mn-cs"/>
-              </a:defRPr>
-            </a:lvl1pPr>
-            <a:lvl2pPr marL="457200" indent="0" algn="ctr" defTabSz="914400" rtl="0" eaLnBrk="1" latinLnBrk="0" hangingPunct="1">
-              <a:lnSpc>
-                <a:spcPct val="90000"/>
-              </a:lnSpc>
-              <a:spcBef>
-                <a:spcPts val="500"/>
-              </a:spcBef>
-              <a:buFont typeface="Arial" panose="020B0604020202020204" pitchFamily="34" charset="0"/>
-              <a:buNone/>
-              <a:defRPr sz="2000" kern="1200">
-                <a:solidFill>
-                  <a:schemeClr val="tx1"/>
-                </a:solidFill>
-                <a:latin typeface="+mn-lt"/>
-                <a:ea typeface="+mn-ea"/>
-                <a:cs typeface="+mn-cs"/>
-              </a:defRPr>
-            </a:lvl2pPr>
-            <a:lvl3pPr marL="914400" indent="0" algn="ctr" defTabSz="914400" rtl="0" eaLnBrk="1" latinLnBrk="0" hangingPunct="1">
-              <a:lnSpc>
-                <a:spcPct val="90000"/>
-              </a:lnSpc>
-              <a:spcBef>
-                <a:spcPts val="500"/>
-              </a:spcBef>
-              <a:buFont typeface="Arial" panose="020B0604020202020204" pitchFamily="34" charset="0"/>
-              <a:buNone/>
-              <a:defRPr sz="1800" kern="1200">
-                <a:solidFill>
-                  <a:schemeClr val="tx1"/>
-                </a:solidFill>
-                <a:latin typeface="+mn-lt"/>
-                <a:ea typeface="+mn-ea"/>
-                <a:cs typeface="+mn-cs"/>
-              </a:defRPr>
-            </a:lvl3pPr>
-            <a:lvl4pPr marL="1371600" indent="0" algn="ctr" defTabSz="914400" rtl="0" eaLnBrk="1" latinLnBrk="0" hangingPunct="1">
-              <a:lnSpc>
-                <a:spcPct val="90000"/>
-              </a:lnSpc>
-              <a:spcBef>
-                <a:spcPts val="500"/>
-              </a:spcBef>
-              <a:buFont typeface="Arial" panose="020B0604020202020204" pitchFamily="34" charset="0"/>
-              <a:buNone/>
-              <a:defRPr sz="1600" kern="1200">
-                <a:solidFill>
-                  <a:schemeClr val="tx1"/>
-                </a:solidFill>
-                <a:latin typeface="+mn-lt"/>
-                <a:ea typeface="+mn-ea"/>
-                <a:cs typeface="+mn-cs"/>
-              </a:defRPr>
-            </a:lvl4pPr>
-            <a:lvl5pPr marL="1828800" indent="0" algn="ctr" defTabSz="914400" rtl="0" eaLnBrk="1" latinLnBrk="0" hangingPunct="1">
-              <a:lnSpc>
-                <a:spcPct val="90000"/>
-              </a:lnSpc>
-              <a:spcBef>
-                <a:spcPts val="500"/>
-              </a:spcBef>
-              <a:buFont typeface="Arial" panose="020B0604020202020204" pitchFamily="34" charset="0"/>
-              <a:buNone/>
-              <a:defRPr sz="1600" kern="1200">
-                <a:solidFill>
-                  <a:schemeClr val="tx1"/>
-                </a:solidFill>
-                <a:latin typeface="+mn-lt"/>
-                <a:ea typeface="+mn-ea"/>
-                <a:cs typeface="+mn-cs"/>
-              </a:defRPr>
-            </a:lvl5pPr>
-            <a:lvl6pPr marL="2286000" indent="0" algn="ctr" defTabSz="914400" rtl="0" eaLnBrk="1" latinLnBrk="0" hangingPunct="1">
-              <a:lnSpc>
-                <a:spcPct val="90000"/>
-              </a:lnSpc>
-              <a:spcBef>
-                <a:spcPts val="500"/>
-              </a:spcBef>
-              <a:buFont typeface="Arial" panose="020B0604020202020204" pitchFamily="34" charset="0"/>
-              <a:buNone/>
-              <a:defRPr sz="1600" kern="1200">
-                <a:solidFill>
-                  <a:schemeClr val="tx1"/>
-                </a:solidFill>
-                <a:latin typeface="+mn-lt"/>
-                <a:ea typeface="+mn-ea"/>
-                <a:cs typeface="+mn-cs"/>
-              </a:defRPr>
-            </a:lvl6pPr>
-            <a:lvl7pPr marL="2743200" indent="0" algn="ctr" defTabSz="914400" rtl="0" eaLnBrk="1" latinLnBrk="0" hangingPunct="1">
-              <a:lnSpc>
-                <a:spcPct val="90000"/>
-              </a:lnSpc>
-              <a:spcBef>
-                <a:spcPts val="500"/>
-              </a:spcBef>
-              <a:buFont typeface="Arial" panose="020B0604020202020204" pitchFamily="34" charset="0"/>
-              <a:buNone/>
-              <a:defRPr sz="1600" kern="1200">
-                <a:solidFill>
-                  <a:schemeClr val="tx1"/>
-                </a:solidFill>
-                <a:latin typeface="+mn-lt"/>
-                <a:ea typeface="+mn-ea"/>
-                <a:cs typeface="+mn-cs"/>
-              </a:defRPr>
-            </a:lvl7pPr>
-            <a:lvl8pPr marL="3200400" indent="0" algn="ctr" defTabSz="914400" rtl="0" eaLnBrk="1" latinLnBrk="0" hangingPunct="1">
-              <a:lnSpc>
-                <a:spcPct val="90000"/>
-              </a:lnSpc>
-              <a:spcBef>
-                <a:spcPts val="500"/>
-              </a:spcBef>
-              <a:buFont typeface="Arial" panose="020B0604020202020204" pitchFamily="34" charset="0"/>
-              <a:buNone/>
-              <a:defRPr sz="1600" kern="1200">
-                <a:solidFill>
-                  <a:schemeClr val="tx1"/>
-                </a:solidFill>
-                <a:latin typeface="+mn-lt"/>
-                <a:ea typeface="+mn-ea"/>
-                <a:cs typeface="+mn-cs"/>
-              </a:defRPr>
-            </a:lvl8pPr>
-            <a:lvl9pPr marL="3657600" indent="0" algn="ctr" defTabSz="914400" rtl="0" eaLnBrk="1" latinLnBrk="0" hangingPunct="1">
-              <a:lnSpc>
-                <a:spcPct val="90000"/>
-              </a:lnSpc>
-              <a:spcBef>
-                <a:spcPts val="500"/>
-              </a:spcBef>
-              <a:buFont typeface="Arial" panose="020B0604020202020204" pitchFamily="34" charset="0"/>
-              <a:buNone/>
-              <a:defRPr sz="1600" kern="1200">
-                <a:solidFill>
-                  <a:schemeClr val="tx1"/>
-                </a:solidFill>
-                <a:latin typeface="+mn-lt"/>
-                <a:ea typeface="+mn-ea"/>
-                <a:cs typeface="+mn-cs"/>
-              </a:defRPr>
-            </a:lvl9pPr>
-          </a:lstStyle>
-          <a:p>
-            <a:pPr marL="342900" indent="-342900" algn="l">
-              <a:buFont typeface="Arial" panose="020B0604020202020204" pitchFamily="34" charset="0"/>
-              <a:buChar char="•"/>
-            </a:pPr>
-            <a:r>
-              <a:rPr lang="de-DE" sz="2000" dirty="0">
-                <a:solidFill>
-                  <a:srgbClr val="00B050"/>
-                </a:solidFill>
-              </a:rPr>
-              <a:t>Scan Codes, check time(</a:t>
-            </a:r>
-            <a:r>
-              <a:rPr lang="de-DE" sz="2000" dirty="0">
-                <a:solidFill>
-                  <a:srgbClr val="00B050"/>
-                </a:solidFill>
-                <a:hlinkClick r:id="rId2">
-                  <a:extLst>
-                    <a:ext uri="{A12FA001-AC4F-418D-AE19-62706E023703}">
-                      <ahyp:hlinkClr xmlns:ahyp="http://schemas.microsoft.com/office/drawing/2018/hyperlinkcolor" val="tx"/>
-                    </a:ext>
-                  </a:extLst>
-                </a:hlinkClick>
-              </a:rPr>
-              <a:t>link</a:t>
-            </a:r>
-            <a:r>
-              <a:rPr lang="de-DE" sz="2000" dirty="0">
-                <a:solidFill>
-                  <a:srgbClr val="00B050"/>
-                </a:solidFill>
-              </a:rPr>
-              <a:t>)</a:t>
-            </a:r>
-          </a:p>
-          <a:p>
-            <a:pPr marL="342900" indent="-342900" algn="l">
-              <a:buFont typeface="Arial" panose="020B0604020202020204" pitchFamily="34" charset="0"/>
-              <a:buChar char="•"/>
-            </a:pPr>
-            <a:r>
-              <a:rPr lang="de-CH" sz="2000" dirty="0">
-                <a:solidFill>
-                  <a:srgbClr val="00B050"/>
-                </a:solidFill>
-              </a:rPr>
-              <a:t>Diverse mögl. Mittel-sehr schwer</a:t>
-            </a:r>
-          </a:p>
-          <a:p>
-            <a:pPr marL="342900" indent="-342900" algn="l">
-              <a:buFont typeface="Arial" panose="020B0604020202020204" pitchFamily="34" charset="0"/>
-              <a:buChar char="•"/>
-            </a:pPr>
-            <a:r>
-              <a:rPr lang="de-CH" sz="2000" dirty="0">
-                <a:solidFill>
-                  <a:srgbClr val="00B050"/>
-                </a:solidFill>
-              </a:rPr>
-              <a:t>Streams/ YT </a:t>
-            </a:r>
-            <a:r>
-              <a:rPr lang="de-CH" sz="2000" dirty="0" err="1">
-                <a:solidFill>
-                  <a:srgbClr val="00B050"/>
-                </a:solidFill>
-              </a:rPr>
-              <a:t>vids</a:t>
-            </a:r>
-            <a:endParaRPr lang="de-CH" sz="2000" dirty="0">
-              <a:solidFill>
-                <a:srgbClr val="00B050"/>
-              </a:solidFill>
-            </a:endParaRPr>
-          </a:p>
-          <a:p>
-            <a:pPr marL="342900" indent="-342900" algn="l">
-              <a:buFont typeface="Arial" panose="020B0604020202020204" pitchFamily="34" charset="0"/>
-              <a:buChar char="•"/>
-            </a:pPr>
-            <a:r>
-              <a:rPr lang="de-CH" sz="2000" dirty="0">
-                <a:solidFill>
-                  <a:srgbClr val="00B050"/>
-                </a:solidFill>
-              </a:rPr>
-              <a:t>Gut machbar – sehr aufwendig(zeitintensiv)</a:t>
-            </a:r>
-          </a:p>
-          <a:p>
-            <a:pPr marL="342900" indent="-342900" algn="l">
-              <a:buFont typeface="Arial" panose="020B0604020202020204" pitchFamily="34" charset="0"/>
-              <a:buChar char="•"/>
-            </a:pPr>
-            <a:r>
-              <a:rPr lang="de-CH" sz="2000" dirty="0">
-                <a:solidFill>
-                  <a:srgbClr val="00B050"/>
-                </a:solidFill>
-              </a:rPr>
-              <a:t>Reaktionszeit schlecht, </a:t>
-            </a:r>
-            <a:r>
-              <a:rPr lang="de-CH" sz="2000" dirty="0" err="1">
-                <a:solidFill>
-                  <a:srgbClr val="00B050"/>
-                </a:solidFill>
-              </a:rPr>
-              <a:t>aim</a:t>
-            </a:r>
-            <a:r>
-              <a:rPr lang="de-CH" sz="2000" dirty="0">
-                <a:solidFill>
-                  <a:srgbClr val="00B050"/>
-                </a:solidFill>
-              </a:rPr>
-              <a:t> perfekt, Entscheidungen schlecht</a:t>
-            </a:r>
-          </a:p>
-        </p:txBody>
-      </p:sp>
-    </p:spTree>
-    <p:extLst>
-      <p:ext uri="{BB962C8B-B14F-4D97-AF65-F5344CB8AC3E}">
-        <p14:creationId xmlns:p14="http://schemas.microsoft.com/office/powerpoint/2010/main" val="147640030"/>
-      </p:ext>
-    </p:extLst>
-  </p:cSld>
-  <p:clrMapOvr>
-    <a:masterClrMapping/>
-  </p:clrMapOvr>
-</p:sld>
-</file>
-
-<file path=ppt/slides/slide6.xml><?xml version="1.0" encoding="utf-8"?>
-<p:sld xmlns:a="http://schemas.openxmlformats.org/drawingml/2006/main" xmlns:r="http://schemas.openxmlformats.org/officeDocument/2006/relationships" xmlns:p="http://schemas.openxmlformats.org/presentationml/2006/main" show="0">
-  <p:cSld>
-    <p:spTree>
-      <p:nvGrpSpPr>
-        <p:cNvPr id="1" name=""/>
-        <p:cNvGrpSpPr/>
-        <p:nvPr/>
-      </p:nvGrpSpPr>
-      <p:grpSpPr>
-        <a:xfrm>
-          <a:off x="0" y="0"/>
-          <a:ext cx="0" cy="0"/>
-          <a:chOff x="0" y="0"/>
-          <a:chExt cx="0" cy="0"/>
-        </a:xfrm>
-      </p:grpSpPr>
-      <p:sp>
-        <p:nvSpPr>
-          <p:cNvPr id="5" name="Titel 4">
-            <a:extLst>
-              <a:ext uri="{FF2B5EF4-FFF2-40B4-BE49-F238E27FC236}">
-                <a16:creationId xmlns:a16="http://schemas.microsoft.com/office/drawing/2014/main" id="{C9D5BD20-73AB-4409-8916-BD07A618FF7A}"/>
-              </a:ext>
-            </a:extLst>
-          </p:cNvPr>
-          <p:cNvSpPr>
-            <a:spLocks noGrp="1"/>
-          </p:cNvSpPr>
-          <p:nvPr>
-            <p:ph type="ctrTitle"/>
-          </p:nvPr>
-        </p:nvSpPr>
-        <p:spPr>
-          <a:xfrm>
-            <a:off x="169025" y="162097"/>
-            <a:ext cx="3667298" cy="970425"/>
-          </a:xfrm>
-        </p:spPr>
-        <p:txBody>
-          <a:bodyPr/>
-          <a:lstStyle/>
-          <a:p>
-            <a:pPr algn="l"/>
-            <a:r>
-              <a:rPr lang="de-CH" dirty="0">
-                <a:solidFill>
-                  <a:srgbClr val="00B050"/>
-                </a:solidFill>
-              </a:rPr>
-              <a:t>RS6:</a:t>
-            </a:r>
-            <a:endParaRPr lang="de-DE" dirty="0">
-              <a:solidFill>
-                <a:srgbClr val="00B050"/>
-              </a:solidFill>
-            </a:endParaRPr>
-          </a:p>
-        </p:txBody>
-      </p:sp>
-      <p:sp>
-        <p:nvSpPr>
-          <p:cNvPr id="7" name="Untertitel 6">
-            <a:extLst>
-              <a:ext uri="{FF2B5EF4-FFF2-40B4-BE49-F238E27FC236}">
-                <a16:creationId xmlns:a16="http://schemas.microsoft.com/office/drawing/2014/main" id="{93E18C81-C897-4FC8-8BAF-F7DB3F88F2A2}"/>
-              </a:ext>
-            </a:extLst>
-          </p:cNvPr>
-          <p:cNvSpPr>
-            <a:spLocks noGrp="1"/>
-          </p:cNvSpPr>
-          <p:nvPr>
-            <p:ph type="subTitle" idx="1"/>
-          </p:nvPr>
-        </p:nvSpPr>
-        <p:spPr>
-          <a:xfrm>
-            <a:off x="169025" y="1478135"/>
-            <a:ext cx="5005648" cy="3654973"/>
-          </a:xfrm>
-        </p:spPr>
-        <p:txBody>
-          <a:bodyPr>
-            <a:normAutofit/>
-          </a:bodyPr>
-          <a:lstStyle/>
-          <a:p>
-            <a:pPr algn="l"/>
-            <a:r>
-              <a:rPr lang="de-DE" sz="1800" b="1" dirty="0"/>
-              <a:t>Vergleichs Themen:</a:t>
-            </a:r>
-          </a:p>
-          <a:p>
-            <a:pPr marL="342900" indent="-342900" algn="l">
-              <a:buFont typeface="Arial" panose="020B0604020202020204" pitchFamily="34" charset="0"/>
-              <a:buChar char="•"/>
-            </a:pPr>
-            <a:r>
-              <a:rPr lang="de-DE" sz="1800" dirty="0"/>
-              <a:t>Wie Kommunikation NN zu Game</a:t>
-            </a:r>
-          </a:p>
-          <a:p>
-            <a:pPr marL="342900" indent="-342900" algn="l">
-              <a:buFont typeface="Arial" panose="020B0604020202020204" pitchFamily="34" charset="0"/>
-              <a:buChar char="•"/>
-            </a:pPr>
-            <a:r>
-              <a:rPr lang="de-CH" sz="1800" dirty="0"/>
-              <a:t>Wie komplex wären die möglichen Architekturen</a:t>
-            </a:r>
-          </a:p>
-          <a:p>
-            <a:pPr marL="342900" indent="-342900" algn="l">
-              <a:buFont typeface="Arial" panose="020B0604020202020204" pitchFamily="34" charset="0"/>
-              <a:buChar char="•"/>
-            </a:pPr>
-            <a:r>
-              <a:rPr lang="de-CH" sz="1800" dirty="0"/>
-              <a:t>Welche Trainingsdaten</a:t>
-            </a:r>
-          </a:p>
-          <a:p>
-            <a:pPr marL="342900" indent="-342900" algn="l">
-              <a:buFont typeface="Arial" panose="020B0604020202020204" pitchFamily="34" charset="0"/>
-              <a:buChar char="•"/>
-            </a:pPr>
-            <a:r>
-              <a:rPr lang="de-CH" sz="1800" dirty="0"/>
-              <a:t>Wie Rechenaufwendig wäre das Training</a:t>
-            </a:r>
-          </a:p>
-          <a:p>
-            <a:pPr marL="342900" indent="-342900" algn="l">
-              <a:buFont typeface="Arial" panose="020B0604020202020204" pitchFamily="34" charset="0"/>
-              <a:buChar char="•"/>
-            </a:pPr>
-            <a:r>
-              <a:rPr lang="de-CH" sz="1800" dirty="0"/>
-              <a:t>Wie Gut im Vergleich zum Mensch (Reaktionszeit, Qualität der Entscheidungen)</a:t>
-            </a:r>
-          </a:p>
-        </p:txBody>
-      </p:sp>
-      <p:sp>
-        <p:nvSpPr>
-          <p:cNvPr id="8" name="Untertitel 6">
-            <a:extLst>
-              <a:ext uri="{FF2B5EF4-FFF2-40B4-BE49-F238E27FC236}">
-                <a16:creationId xmlns:a16="http://schemas.microsoft.com/office/drawing/2014/main" id="{2EE48023-3D91-4AAF-8100-01E686120F4D}"/>
-              </a:ext>
-            </a:extLst>
-          </p:cNvPr>
-          <p:cNvSpPr txBox="1">
-            <a:spLocks/>
-          </p:cNvSpPr>
-          <p:nvPr/>
-        </p:nvSpPr>
-        <p:spPr>
-          <a:xfrm>
-            <a:off x="5374702" y="1601513"/>
-            <a:ext cx="6532419" cy="3654973"/>
-          </a:xfrm>
-          <a:prstGeom prst="rect">
-            <a:avLst/>
-          </a:prstGeom>
-        </p:spPr>
-        <p:txBody>
-          <a:bodyPr vert="horz" lIns="91440" tIns="45720" rIns="91440" bIns="45720" rtlCol="0">
-            <a:normAutofit/>
-          </a:bodyPr>
-          <a:lstStyle>
-            <a:lvl1pPr marL="0" indent="0" algn="ctr" defTabSz="914400" rtl="0" eaLnBrk="1" latinLnBrk="0" hangingPunct="1">
-              <a:lnSpc>
-                <a:spcPct val="90000"/>
-              </a:lnSpc>
-              <a:spcBef>
-                <a:spcPts val="1000"/>
-              </a:spcBef>
-              <a:buFont typeface="Arial" panose="020B0604020202020204" pitchFamily="34" charset="0"/>
-              <a:buNone/>
-              <a:defRPr sz="2400" kern="1200">
-                <a:solidFill>
-                  <a:schemeClr val="tx1"/>
-                </a:solidFill>
-                <a:latin typeface="+mn-lt"/>
-                <a:ea typeface="+mn-ea"/>
-                <a:cs typeface="+mn-cs"/>
-              </a:defRPr>
-            </a:lvl1pPr>
-            <a:lvl2pPr marL="457200" indent="0" algn="ctr" defTabSz="914400" rtl="0" eaLnBrk="1" latinLnBrk="0" hangingPunct="1">
-              <a:lnSpc>
-                <a:spcPct val="90000"/>
-              </a:lnSpc>
-              <a:spcBef>
-                <a:spcPts val="500"/>
-              </a:spcBef>
-              <a:buFont typeface="Arial" panose="020B0604020202020204" pitchFamily="34" charset="0"/>
-              <a:buNone/>
-              <a:defRPr sz="2000" kern="1200">
-                <a:solidFill>
-                  <a:schemeClr val="tx1"/>
-                </a:solidFill>
-                <a:latin typeface="+mn-lt"/>
-                <a:ea typeface="+mn-ea"/>
-                <a:cs typeface="+mn-cs"/>
-              </a:defRPr>
-            </a:lvl2pPr>
-            <a:lvl3pPr marL="914400" indent="0" algn="ctr" defTabSz="914400" rtl="0" eaLnBrk="1" latinLnBrk="0" hangingPunct="1">
-              <a:lnSpc>
-                <a:spcPct val="90000"/>
-              </a:lnSpc>
-              <a:spcBef>
-                <a:spcPts val="500"/>
-              </a:spcBef>
-              <a:buFont typeface="Arial" panose="020B0604020202020204" pitchFamily="34" charset="0"/>
-              <a:buNone/>
-              <a:defRPr sz="1800" kern="1200">
-                <a:solidFill>
-                  <a:schemeClr val="tx1"/>
-                </a:solidFill>
-                <a:latin typeface="+mn-lt"/>
-                <a:ea typeface="+mn-ea"/>
-                <a:cs typeface="+mn-cs"/>
-              </a:defRPr>
-            </a:lvl3pPr>
-            <a:lvl4pPr marL="1371600" indent="0" algn="ctr" defTabSz="914400" rtl="0" eaLnBrk="1" latinLnBrk="0" hangingPunct="1">
-              <a:lnSpc>
-                <a:spcPct val="90000"/>
-              </a:lnSpc>
-              <a:spcBef>
-                <a:spcPts val="500"/>
-              </a:spcBef>
-              <a:buFont typeface="Arial" panose="020B0604020202020204" pitchFamily="34" charset="0"/>
-              <a:buNone/>
-              <a:defRPr sz="1600" kern="1200">
-                <a:solidFill>
-                  <a:schemeClr val="tx1"/>
-                </a:solidFill>
-                <a:latin typeface="+mn-lt"/>
-                <a:ea typeface="+mn-ea"/>
-                <a:cs typeface="+mn-cs"/>
-              </a:defRPr>
-            </a:lvl4pPr>
-            <a:lvl5pPr marL="1828800" indent="0" algn="ctr" defTabSz="914400" rtl="0" eaLnBrk="1" latinLnBrk="0" hangingPunct="1">
-              <a:lnSpc>
-                <a:spcPct val="90000"/>
-              </a:lnSpc>
-              <a:spcBef>
-                <a:spcPts val="500"/>
-              </a:spcBef>
-              <a:buFont typeface="Arial" panose="020B0604020202020204" pitchFamily="34" charset="0"/>
-              <a:buNone/>
-              <a:defRPr sz="1600" kern="1200">
-                <a:solidFill>
-                  <a:schemeClr val="tx1"/>
-                </a:solidFill>
-                <a:latin typeface="+mn-lt"/>
-                <a:ea typeface="+mn-ea"/>
-                <a:cs typeface="+mn-cs"/>
-              </a:defRPr>
-            </a:lvl5pPr>
-            <a:lvl6pPr marL="2286000" indent="0" algn="ctr" defTabSz="914400" rtl="0" eaLnBrk="1" latinLnBrk="0" hangingPunct="1">
-              <a:lnSpc>
-                <a:spcPct val="90000"/>
-              </a:lnSpc>
-              <a:spcBef>
-                <a:spcPts val="500"/>
-              </a:spcBef>
-              <a:buFont typeface="Arial" panose="020B0604020202020204" pitchFamily="34" charset="0"/>
-              <a:buNone/>
-              <a:defRPr sz="1600" kern="1200">
-                <a:solidFill>
-                  <a:schemeClr val="tx1"/>
-                </a:solidFill>
-                <a:latin typeface="+mn-lt"/>
-                <a:ea typeface="+mn-ea"/>
-                <a:cs typeface="+mn-cs"/>
-              </a:defRPr>
-            </a:lvl6pPr>
-            <a:lvl7pPr marL="2743200" indent="0" algn="ctr" defTabSz="914400" rtl="0" eaLnBrk="1" latinLnBrk="0" hangingPunct="1">
-              <a:lnSpc>
-                <a:spcPct val="90000"/>
-              </a:lnSpc>
-              <a:spcBef>
-                <a:spcPts val="500"/>
-              </a:spcBef>
-              <a:buFont typeface="Arial" panose="020B0604020202020204" pitchFamily="34" charset="0"/>
-              <a:buNone/>
-              <a:defRPr sz="1600" kern="1200">
-                <a:solidFill>
-                  <a:schemeClr val="tx1"/>
-                </a:solidFill>
-                <a:latin typeface="+mn-lt"/>
-                <a:ea typeface="+mn-ea"/>
-                <a:cs typeface="+mn-cs"/>
-              </a:defRPr>
-            </a:lvl7pPr>
-            <a:lvl8pPr marL="3200400" indent="0" algn="ctr" defTabSz="914400" rtl="0" eaLnBrk="1" latinLnBrk="0" hangingPunct="1">
-              <a:lnSpc>
-                <a:spcPct val="90000"/>
-              </a:lnSpc>
-              <a:spcBef>
-                <a:spcPts val="500"/>
-              </a:spcBef>
-              <a:buFont typeface="Arial" panose="020B0604020202020204" pitchFamily="34" charset="0"/>
-              <a:buNone/>
-              <a:defRPr sz="1600" kern="1200">
-                <a:solidFill>
-                  <a:schemeClr val="tx1"/>
-                </a:solidFill>
-                <a:latin typeface="+mn-lt"/>
-                <a:ea typeface="+mn-ea"/>
-                <a:cs typeface="+mn-cs"/>
-              </a:defRPr>
-            </a:lvl8pPr>
-            <a:lvl9pPr marL="3657600" indent="0" algn="ctr" defTabSz="914400" rtl="0" eaLnBrk="1" latinLnBrk="0" hangingPunct="1">
-              <a:lnSpc>
-                <a:spcPct val="90000"/>
-              </a:lnSpc>
-              <a:spcBef>
-                <a:spcPts val="500"/>
-              </a:spcBef>
-              <a:buFont typeface="Arial" panose="020B0604020202020204" pitchFamily="34" charset="0"/>
-              <a:buNone/>
-              <a:defRPr sz="1600" kern="1200">
-                <a:solidFill>
-                  <a:schemeClr val="tx1"/>
-                </a:solidFill>
-                <a:latin typeface="+mn-lt"/>
-                <a:ea typeface="+mn-ea"/>
-                <a:cs typeface="+mn-cs"/>
-              </a:defRPr>
-            </a:lvl9pPr>
-          </a:lstStyle>
-          <a:p>
-            <a:pPr marL="342900" indent="-342900" algn="l">
-              <a:buFont typeface="Calibri" panose="020F0502020204030204" pitchFamily="34" charset="0"/>
-              <a:buChar char="⁼"/>
-            </a:pPr>
-            <a:r>
-              <a:rPr lang="de-CH" sz="1800" dirty="0"/>
-              <a:t>Gegner erkennen, aming…. Mehr wird schwierig, MINECRAFT</a:t>
-            </a:r>
-          </a:p>
-          <a:p>
-            <a:pPr marL="342900" indent="-342900" algn="l">
-              <a:buFont typeface="Calibri" panose="020F0502020204030204" pitchFamily="34" charset="0"/>
-              <a:buChar char="⁼"/>
-            </a:pPr>
-            <a:r>
-              <a:rPr lang="de-DE" sz="1800" dirty="0"/>
-              <a:t>USB Mouse/ Keyboard immitation</a:t>
-            </a:r>
-          </a:p>
-          <a:p>
-            <a:pPr marL="342900" indent="-342900" algn="l">
-              <a:buFont typeface="Calibri" panose="020F0502020204030204" pitchFamily="34" charset="0"/>
-              <a:buChar char="⁼"/>
-            </a:pPr>
-            <a:r>
-              <a:rPr lang="de-DE" sz="1800" dirty="0"/>
-              <a:t>Screenshot, Externe Kamera</a:t>
-            </a:r>
-          </a:p>
-          <a:p>
-            <a:pPr marL="342900" indent="-342900" algn="l">
-              <a:buFont typeface="Calibri" panose="020F0502020204030204" pitchFamily="34" charset="0"/>
-              <a:buChar char="⁼"/>
-            </a:pPr>
-            <a:r>
-              <a:rPr lang="de-DE" sz="1800" dirty="0"/>
-              <a:t>Pya(</a:t>
-            </a:r>
-            <a:r>
-              <a:rPr lang="de-DE" sz="1800" dirty="0">
-                <a:solidFill>
-                  <a:srgbClr val="FF0000"/>
-                </a:solidFill>
-              </a:rPr>
-              <a:t>0.5</a:t>
-            </a:r>
-            <a:r>
-              <a:rPr lang="de-DE" sz="1800" dirty="0"/>
-              <a:t>), Win32gui(</a:t>
-            </a:r>
-            <a:r>
-              <a:rPr lang="de-DE" sz="1800" dirty="0">
-                <a:solidFill>
-                  <a:srgbClr val="FF0000"/>
-                </a:solidFill>
-              </a:rPr>
-              <a:t>~0.05</a:t>
-            </a:r>
-            <a:r>
-              <a:rPr lang="de-DE" sz="1800" dirty="0"/>
-              <a:t>), DirectX(), PyGTK(</a:t>
-            </a:r>
-            <a:r>
-              <a:rPr lang="de-DE" sz="1800" dirty="0">
-                <a:solidFill>
-                  <a:srgbClr val="FF0000"/>
-                </a:solidFill>
-              </a:rPr>
-              <a:t>0.1</a:t>
-            </a:r>
-            <a:r>
-              <a:rPr lang="de-DE" sz="1800" dirty="0"/>
-              <a:t>)</a:t>
-            </a:r>
-          </a:p>
-          <a:p>
-            <a:pPr marL="342900" indent="-342900" algn="l">
-              <a:buFont typeface="Calibri" panose="020F0502020204030204" pitchFamily="34" charset="0"/>
-              <a:buChar char="⁼"/>
-            </a:pPr>
-            <a:r>
-              <a:rPr lang="de-CH" sz="1800" dirty="0"/>
-              <a:t>Nur Screen, weniger Auflösung</a:t>
-            </a:r>
-          </a:p>
-          <a:p>
-            <a:pPr marL="342900" indent="-342900" algn="l">
-              <a:buFont typeface="Calibri" panose="020F0502020204030204" pitchFamily="34" charset="0"/>
-              <a:buChar char="⁼"/>
-            </a:pPr>
-            <a:r>
-              <a:rPr lang="de-CH" sz="1800" dirty="0"/>
-              <a:t>Lokation Gegner auf Screen, Mouse/ Keyboard</a:t>
-            </a:r>
-          </a:p>
-        </p:txBody>
-      </p:sp>
-    </p:spTree>
-    <p:extLst>
-      <p:ext uri="{BB962C8B-B14F-4D97-AF65-F5344CB8AC3E}">
-        <p14:creationId xmlns:p14="http://schemas.microsoft.com/office/powerpoint/2010/main" val="2718239593"/>
-      </p:ext>
-    </p:extLst>
-  </p:cSld>
-  <p:clrMapOvr>
-    <a:masterClrMapping/>
-  </p:clrMapOvr>
-</p:sld>
-</file>
-
 <file path=ppt/slides/slide7.xml><?xml version="1.0" encoding="utf-8"?>
 <p:sld xmlns:a="http://schemas.openxmlformats.org/drawingml/2006/main" xmlns:r="http://schemas.openxmlformats.org/officeDocument/2006/relationships" xmlns:p="http://schemas.openxmlformats.org/presentationml/2006/main" show="0">
   <p:cSld>
@@ -7059,10 +7012,10 @@
       </p:grpSpPr>
       <p:sp>
         <p:nvSpPr>
-          <p:cNvPr id="5" name="Titel 4">
-            <a:extLst>
-              <a:ext uri="{FF2B5EF4-FFF2-40B4-BE49-F238E27FC236}">
-                <a16:creationId xmlns:a16="http://schemas.microsoft.com/office/drawing/2014/main" id="{C9D5BD20-73AB-4409-8916-BD07A618FF7A}"/>
+          <p:cNvPr id="2" name="Titel 1">
+            <a:extLst>
+              <a:ext uri="{FF2B5EF4-FFF2-40B4-BE49-F238E27FC236}">
+                <a16:creationId xmlns:a16="http://schemas.microsoft.com/office/drawing/2014/main" id="{F09FEB70-3996-4CBF-B2A2-7E28FC3B67A3}"/>
               </a:ext>
             </a:extLst>
           </p:cNvPr>
@@ -7075,118 +7028,642 @@
         </p:nvSpPr>
         <p:spPr>
           <a:xfrm>
-            <a:off x="169025" y="162097"/>
-            <a:ext cx="3667298" cy="970425"/>
+            <a:off x="152399" y="133004"/>
+            <a:ext cx="6752897" cy="1011988"/>
           </a:xfrm>
         </p:spPr>
         <p:txBody>
-          <a:bodyPr/>
+          <a:bodyPr>
+            <a:normAutofit/>
+          </a:bodyPr>
           <a:lstStyle/>
           <a:p>
             <a:pPr algn="l"/>
             <a:r>
+              <a:rPr lang="de-CH" dirty="0" err="1">
+                <a:solidFill>
+                  <a:srgbClr val="FF0000"/>
+                </a:solidFill>
+              </a:rPr>
+              <a:t>Eval</a:t>
+            </a:r>
+            <a:r>
               <a:rPr lang="de-CH" dirty="0">
                 <a:solidFill>
+                  <a:srgbClr val="FF0000"/>
+                </a:solidFill>
+              </a:rPr>
+              <a:t> abgeschlossen</a:t>
+            </a:r>
+            <a:endParaRPr lang="de-DE" dirty="0">
+              <a:solidFill>
+                <a:srgbClr val="FF0000"/>
+              </a:solidFill>
+            </a:endParaRPr>
+          </a:p>
+        </p:txBody>
+      </p:sp>
+      <p:sp>
+        <p:nvSpPr>
+          <p:cNvPr id="5" name="Untertitel 4">
+            <a:extLst>
+              <a:ext uri="{FF2B5EF4-FFF2-40B4-BE49-F238E27FC236}">
+                <a16:creationId xmlns:a16="http://schemas.microsoft.com/office/drawing/2014/main" id="{89F373AA-7D5F-4FB7-81CD-8B2B93416955}"/>
+              </a:ext>
+            </a:extLst>
+          </p:cNvPr>
+          <p:cNvSpPr>
+            <a:spLocks noGrp="1"/>
+          </p:cNvSpPr>
+          <p:nvPr>
+            <p:ph type="subTitle" idx="1"/>
+          </p:nvPr>
+        </p:nvSpPr>
+        <p:spPr>
+          <a:xfrm>
+            <a:off x="152399" y="2705983"/>
+            <a:ext cx="5554718" cy="3300679"/>
+          </a:xfrm>
+        </p:spPr>
+        <p:txBody>
+          <a:bodyPr>
+            <a:normAutofit/>
+          </a:bodyPr>
+          <a:lstStyle/>
+          <a:p>
+            <a:pPr algn="l"/>
+            <a:r>
+              <a:rPr lang="de-DE" sz="2000" b="1" dirty="0"/>
+              <a:t>Vergleichs Themen:</a:t>
+            </a:r>
+          </a:p>
+          <a:p>
+            <a:pPr marL="342900" indent="-342900" algn="l">
+              <a:buFont typeface="Arial" panose="020B0604020202020204" pitchFamily="34" charset="0"/>
+              <a:buChar char="•"/>
+            </a:pPr>
+            <a:r>
+              <a:rPr lang="de-DE" sz="2000" dirty="0">
+                <a:solidFill>
+                  <a:schemeClr val="accent4">
+                    <a:lumMod val="75000"/>
+                  </a:schemeClr>
+                </a:solidFill>
+              </a:rPr>
+              <a:t>Wie Kommunikation NN zu Game</a:t>
+            </a:r>
+          </a:p>
+          <a:p>
+            <a:pPr marL="342900" indent="-342900" algn="l">
+              <a:buFont typeface="Arial" panose="020B0604020202020204" pitchFamily="34" charset="0"/>
+              <a:buChar char="•"/>
+            </a:pPr>
+            <a:r>
+              <a:rPr lang="de-CH" sz="2000" dirty="0">
+                <a:solidFill>
+                  <a:schemeClr val="accent4">
+                    <a:lumMod val="75000"/>
+                  </a:schemeClr>
+                </a:solidFill>
+              </a:rPr>
+              <a:t>Wie komplex wären die möglichen Architekturen</a:t>
+            </a:r>
+          </a:p>
+          <a:p>
+            <a:pPr marL="342900" indent="-342900" algn="l">
+              <a:buFont typeface="Arial" panose="020B0604020202020204" pitchFamily="34" charset="0"/>
+              <a:buChar char="•"/>
+            </a:pPr>
+            <a:r>
+              <a:rPr lang="de-CH" sz="2000" dirty="0">
+                <a:solidFill>
+                  <a:schemeClr val="accent4">
+                    <a:lumMod val="75000"/>
+                  </a:schemeClr>
+                </a:solidFill>
+              </a:rPr>
+              <a:t>Welche Trainingsdaten</a:t>
+            </a:r>
+          </a:p>
+          <a:p>
+            <a:pPr marL="342900" indent="-342900" algn="l">
+              <a:buFont typeface="Arial" panose="020B0604020202020204" pitchFamily="34" charset="0"/>
+              <a:buChar char="•"/>
+            </a:pPr>
+            <a:r>
+              <a:rPr lang="de-CH" sz="2000" dirty="0">
+                <a:solidFill>
+                  <a:schemeClr val="accent4">
+                    <a:lumMod val="75000"/>
+                  </a:schemeClr>
+                </a:solidFill>
+              </a:rPr>
+              <a:t>Wie Rechenaufwendig wäre das Training</a:t>
+            </a:r>
+          </a:p>
+          <a:p>
+            <a:pPr marL="342900" indent="-342900" algn="l">
+              <a:buFont typeface="Arial" panose="020B0604020202020204" pitchFamily="34" charset="0"/>
+              <a:buChar char="•"/>
+            </a:pPr>
+            <a:r>
+              <a:rPr lang="de-CH" sz="2000" dirty="0">
+                <a:solidFill>
+                  <a:schemeClr val="accent4">
+                    <a:lumMod val="75000"/>
+                  </a:schemeClr>
+                </a:solidFill>
+              </a:rPr>
+              <a:t>Wie Gut im Vergleich zum Mensch </a:t>
+            </a:r>
+            <a:br>
+              <a:rPr lang="de-CH" sz="2000" dirty="0">
+                <a:solidFill>
+                  <a:schemeClr val="accent4">
+                    <a:lumMod val="75000"/>
+                  </a:schemeClr>
+                </a:solidFill>
+              </a:rPr>
+            </a:br>
+            <a:r>
+              <a:rPr lang="de-CH" sz="2000" dirty="0">
+                <a:solidFill>
+                  <a:schemeClr val="accent4">
+                    <a:lumMod val="75000"/>
+                  </a:schemeClr>
+                </a:solidFill>
+              </a:rPr>
+              <a:t>(Reaktionszeit, Qualität der Entscheidungen)</a:t>
+            </a:r>
+          </a:p>
+        </p:txBody>
+      </p:sp>
+      <p:sp>
+        <p:nvSpPr>
+          <p:cNvPr id="3" name="Rechteck 2">
+            <a:extLst>
+              <a:ext uri="{FF2B5EF4-FFF2-40B4-BE49-F238E27FC236}">
+                <a16:creationId xmlns:a16="http://schemas.microsoft.com/office/drawing/2014/main" id="{60FD83AB-F9D1-4788-A257-A2D7117A090B}"/>
+              </a:ext>
+            </a:extLst>
+          </p:cNvPr>
+          <p:cNvSpPr/>
+          <p:nvPr/>
+        </p:nvSpPr>
+        <p:spPr>
+          <a:xfrm>
+            <a:off x="152399" y="1408095"/>
+            <a:ext cx="6096000" cy="646331"/>
+          </a:xfrm>
+          <a:prstGeom prst="rect">
+            <a:avLst/>
+          </a:prstGeom>
+        </p:spPr>
+        <p:txBody>
+          <a:bodyPr>
+            <a:spAutoFit/>
+          </a:bodyPr>
+          <a:lstStyle/>
+          <a:p>
+            <a:r>
+              <a:rPr lang="de-CH" b="1" dirty="0"/>
+              <a:t>Welches game:</a:t>
+            </a:r>
+          </a:p>
+          <a:p>
+            <a:r>
+              <a:rPr lang="de-CH" dirty="0"/>
+              <a:t>Aufwand </a:t>
+            </a:r>
+            <a:r>
+              <a:rPr lang="de-CH" dirty="0">
+                <a:solidFill>
+                  <a:schemeClr val="accent6"/>
+                </a:solidFill>
+              </a:rPr>
+              <a:t>RS6</a:t>
+            </a:r>
+            <a:r>
+              <a:rPr lang="de-CH" dirty="0"/>
+              <a:t>, </a:t>
+            </a:r>
+            <a:r>
+              <a:rPr lang="de-CH" dirty="0">
+                <a:solidFill>
+                  <a:schemeClr val="accent2"/>
+                </a:solidFill>
+              </a:rPr>
+              <a:t>Minecraft</a:t>
+            </a:r>
+            <a:r>
+              <a:rPr lang="de-CH" dirty="0"/>
+              <a:t>, </a:t>
+            </a:r>
+            <a:r>
+              <a:rPr lang="de-CH" dirty="0">
+                <a:solidFill>
+                  <a:schemeClr val="accent5"/>
+                </a:solidFill>
+              </a:rPr>
+              <a:t>CR</a:t>
+            </a:r>
+          </a:p>
+        </p:txBody>
+      </p:sp>
+      <p:sp>
+        <p:nvSpPr>
+          <p:cNvPr id="6" name="Titel 1">
+            <a:extLst>
+              <a:ext uri="{FF2B5EF4-FFF2-40B4-BE49-F238E27FC236}">
+                <a16:creationId xmlns:a16="http://schemas.microsoft.com/office/drawing/2014/main" id="{BE20B65D-5F7A-478B-997E-43E3CA4AFEBA}"/>
+              </a:ext>
+            </a:extLst>
+          </p:cNvPr>
+          <p:cNvSpPr txBox="1">
+            <a:spLocks/>
+          </p:cNvSpPr>
+          <p:nvPr/>
+        </p:nvSpPr>
+        <p:spPr>
+          <a:xfrm>
+            <a:off x="4730864" y="1182972"/>
+            <a:ext cx="6752897" cy="1011988"/>
+          </a:xfrm>
+          <a:prstGeom prst="rect">
+            <a:avLst/>
+          </a:prstGeom>
+        </p:spPr>
+        <p:txBody>
+          <a:bodyPr vert="horz" lIns="91440" tIns="45720" rIns="91440" bIns="45720" rtlCol="0" anchor="b">
+            <a:normAutofit lnSpcReduction="10000"/>
+          </a:bodyPr>
+          <a:lstStyle>
+            <a:lvl1pPr algn="ctr" defTabSz="914400" rtl="0" eaLnBrk="1" latinLnBrk="0" hangingPunct="1">
+              <a:lnSpc>
+                <a:spcPct val="90000"/>
+              </a:lnSpc>
+              <a:spcBef>
+                <a:spcPct val="0"/>
+              </a:spcBef>
+              <a:buNone/>
+              <a:defRPr sz="6000" kern="1200">
+                <a:solidFill>
+                  <a:schemeClr val="tx1"/>
+                </a:solidFill>
+                <a:latin typeface="+mj-lt"/>
+                <a:ea typeface="+mj-ea"/>
+                <a:cs typeface="+mj-cs"/>
+              </a:defRPr>
+            </a:lvl1pPr>
+          </a:lstStyle>
+          <a:p>
+            <a:pPr algn="l"/>
+            <a:r>
+              <a:rPr lang="de-CH" sz="1800" dirty="0">
+                <a:solidFill>
+                  <a:srgbClr val="FF0000"/>
+                </a:solidFill>
+              </a:rPr>
+              <a:t>Minecraft wäre nicht wirklich einfacher als RS6 und CR als Handy Spiel bringt viele uninteressante Probleme mit sich.</a:t>
+            </a:r>
+          </a:p>
+          <a:p>
+            <a:pPr algn="l"/>
+            <a:endParaRPr lang="de-CH" sz="1800" dirty="0">
+              <a:solidFill>
+                <a:srgbClr val="FF0000"/>
+              </a:solidFill>
+            </a:endParaRPr>
+          </a:p>
+          <a:p>
+            <a:pPr algn="l"/>
+            <a:r>
+              <a:rPr lang="de-CH" sz="1800" dirty="0">
+                <a:solidFill>
+                  <a:srgbClr val="FF0000"/>
+                </a:solidFill>
+              </a:rPr>
+              <a:t>Alle Punkte sind lösbar klassisch oder durch Skalierung des Zieles.</a:t>
+            </a:r>
+            <a:endParaRPr lang="de-DE" sz="1800" dirty="0">
+              <a:solidFill>
+                <a:srgbClr val="FF0000"/>
+              </a:solidFill>
+            </a:endParaRPr>
+          </a:p>
+        </p:txBody>
+      </p:sp>
+      <p:sp>
+        <p:nvSpPr>
+          <p:cNvPr id="8" name="Untertitel 4">
+            <a:extLst>
+              <a:ext uri="{FF2B5EF4-FFF2-40B4-BE49-F238E27FC236}">
+                <a16:creationId xmlns:a16="http://schemas.microsoft.com/office/drawing/2014/main" id="{7F278E61-B4F9-4D3B-B698-04E02F7B24A1}"/>
+              </a:ext>
+            </a:extLst>
+          </p:cNvPr>
+          <p:cNvSpPr txBox="1">
+            <a:spLocks/>
+          </p:cNvSpPr>
+          <p:nvPr/>
+        </p:nvSpPr>
+        <p:spPr>
+          <a:xfrm>
+            <a:off x="6096000" y="3139535"/>
+            <a:ext cx="5554718" cy="2134031"/>
+          </a:xfrm>
+          <a:prstGeom prst="rect">
+            <a:avLst/>
+          </a:prstGeom>
+        </p:spPr>
+        <p:txBody>
+          <a:bodyPr vert="horz" lIns="91440" tIns="45720" rIns="91440" bIns="45720" rtlCol="0">
+            <a:normAutofit lnSpcReduction="10000"/>
+          </a:bodyPr>
+          <a:lstStyle>
+            <a:lvl1pPr marL="0" indent="0" algn="ctr" defTabSz="914400" rtl="0" eaLnBrk="1" latinLnBrk="0" hangingPunct="1">
+              <a:lnSpc>
+                <a:spcPct val="90000"/>
+              </a:lnSpc>
+              <a:spcBef>
+                <a:spcPts val="1000"/>
+              </a:spcBef>
+              <a:buFont typeface="Arial" panose="020B0604020202020204" pitchFamily="34" charset="0"/>
+              <a:buNone/>
+              <a:defRPr sz="2400" kern="1200">
+                <a:solidFill>
+                  <a:schemeClr val="tx1"/>
+                </a:solidFill>
+                <a:latin typeface="+mn-lt"/>
+                <a:ea typeface="+mn-ea"/>
+                <a:cs typeface="+mn-cs"/>
+              </a:defRPr>
+            </a:lvl1pPr>
+            <a:lvl2pPr marL="457200" indent="0" algn="ctr" defTabSz="914400" rtl="0" eaLnBrk="1" latinLnBrk="0" hangingPunct="1">
+              <a:lnSpc>
+                <a:spcPct val="90000"/>
+              </a:lnSpc>
+              <a:spcBef>
+                <a:spcPts val="500"/>
+              </a:spcBef>
+              <a:buFont typeface="Arial" panose="020B0604020202020204" pitchFamily="34" charset="0"/>
+              <a:buNone/>
+              <a:defRPr sz="2000" kern="1200">
+                <a:solidFill>
+                  <a:schemeClr val="tx1"/>
+                </a:solidFill>
+                <a:latin typeface="+mn-lt"/>
+                <a:ea typeface="+mn-ea"/>
+                <a:cs typeface="+mn-cs"/>
+              </a:defRPr>
+            </a:lvl2pPr>
+            <a:lvl3pPr marL="914400" indent="0" algn="ctr" defTabSz="914400" rtl="0" eaLnBrk="1" latinLnBrk="0" hangingPunct="1">
+              <a:lnSpc>
+                <a:spcPct val="90000"/>
+              </a:lnSpc>
+              <a:spcBef>
+                <a:spcPts val="500"/>
+              </a:spcBef>
+              <a:buFont typeface="Arial" panose="020B0604020202020204" pitchFamily="34" charset="0"/>
+              <a:buNone/>
+              <a:defRPr sz="1800" kern="1200">
+                <a:solidFill>
+                  <a:schemeClr val="tx1"/>
+                </a:solidFill>
+                <a:latin typeface="+mn-lt"/>
+                <a:ea typeface="+mn-ea"/>
+                <a:cs typeface="+mn-cs"/>
+              </a:defRPr>
+            </a:lvl3pPr>
+            <a:lvl4pPr marL="1371600" indent="0" algn="ctr" defTabSz="914400" rtl="0" eaLnBrk="1" latinLnBrk="0" hangingPunct="1">
+              <a:lnSpc>
+                <a:spcPct val="90000"/>
+              </a:lnSpc>
+              <a:spcBef>
+                <a:spcPts val="500"/>
+              </a:spcBef>
+              <a:buFont typeface="Arial" panose="020B0604020202020204" pitchFamily="34" charset="0"/>
+              <a:buNone/>
+              <a:defRPr sz="1600" kern="1200">
+                <a:solidFill>
+                  <a:schemeClr val="tx1"/>
+                </a:solidFill>
+                <a:latin typeface="+mn-lt"/>
+                <a:ea typeface="+mn-ea"/>
+                <a:cs typeface="+mn-cs"/>
+              </a:defRPr>
+            </a:lvl4pPr>
+            <a:lvl5pPr marL="1828800" indent="0" algn="ctr" defTabSz="914400" rtl="0" eaLnBrk="1" latinLnBrk="0" hangingPunct="1">
+              <a:lnSpc>
+                <a:spcPct val="90000"/>
+              </a:lnSpc>
+              <a:spcBef>
+                <a:spcPts val="500"/>
+              </a:spcBef>
+              <a:buFont typeface="Arial" panose="020B0604020202020204" pitchFamily="34" charset="0"/>
+              <a:buNone/>
+              <a:defRPr sz="1600" kern="1200">
+                <a:solidFill>
+                  <a:schemeClr val="tx1"/>
+                </a:solidFill>
+                <a:latin typeface="+mn-lt"/>
+                <a:ea typeface="+mn-ea"/>
+                <a:cs typeface="+mn-cs"/>
+              </a:defRPr>
+            </a:lvl5pPr>
+            <a:lvl6pPr marL="2286000" indent="0" algn="ctr" defTabSz="914400" rtl="0" eaLnBrk="1" latinLnBrk="0" hangingPunct="1">
+              <a:lnSpc>
+                <a:spcPct val="90000"/>
+              </a:lnSpc>
+              <a:spcBef>
+                <a:spcPts val="500"/>
+              </a:spcBef>
+              <a:buFont typeface="Arial" panose="020B0604020202020204" pitchFamily="34" charset="0"/>
+              <a:buNone/>
+              <a:defRPr sz="1600" kern="1200">
+                <a:solidFill>
+                  <a:schemeClr val="tx1"/>
+                </a:solidFill>
+                <a:latin typeface="+mn-lt"/>
+                <a:ea typeface="+mn-ea"/>
+                <a:cs typeface="+mn-cs"/>
+              </a:defRPr>
+            </a:lvl6pPr>
+            <a:lvl7pPr marL="2743200" indent="0" algn="ctr" defTabSz="914400" rtl="0" eaLnBrk="1" latinLnBrk="0" hangingPunct="1">
+              <a:lnSpc>
+                <a:spcPct val="90000"/>
+              </a:lnSpc>
+              <a:spcBef>
+                <a:spcPts val="500"/>
+              </a:spcBef>
+              <a:buFont typeface="Arial" panose="020B0604020202020204" pitchFamily="34" charset="0"/>
+              <a:buNone/>
+              <a:defRPr sz="1600" kern="1200">
+                <a:solidFill>
+                  <a:schemeClr val="tx1"/>
+                </a:solidFill>
+                <a:latin typeface="+mn-lt"/>
+                <a:ea typeface="+mn-ea"/>
+                <a:cs typeface="+mn-cs"/>
+              </a:defRPr>
+            </a:lvl7pPr>
+            <a:lvl8pPr marL="3200400" indent="0" algn="ctr" defTabSz="914400" rtl="0" eaLnBrk="1" latinLnBrk="0" hangingPunct="1">
+              <a:lnSpc>
+                <a:spcPct val="90000"/>
+              </a:lnSpc>
+              <a:spcBef>
+                <a:spcPts val="500"/>
+              </a:spcBef>
+              <a:buFont typeface="Arial" panose="020B0604020202020204" pitchFamily="34" charset="0"/>
+              <a:buNone/>
+              <a:defRPr sz="1600" kern="1200">
+                <a:solidFill>
+                  <a:schemeClr val="tx1"/>
+                </a:solidFill>
+                <a:latin typeface="+mn-lt"/>
+                <a:ea typeface="+mn-ea"/>
+                <a:cs typeface="+mn-cs"/>
+              </a:defRPr>
+            </a:lvl8pPr>
+            <a:lvl9pPr marL="3657600" indent="0" algn="ctr" defTabSz="914400" rtl="0" eaLnBrk="1" latinLnBrk="0" hangingPunct="1">
+              <a:lnSpc>
+                <a:spcPct val="90000"/>
+              </a:lnSpc>
+              <a:spcBef>
+                <a:spcPts val="500"/>
+              </a:spcBef>
+              <a:buFont typeface="Arial" panose="020B0604020202020204" pitchFamily="34" charset="0"/>
+              <a:buNone/>
+              <a:defRPr sz="1600" kern="1200">
+                <a:solidFill>
+                  <a:schemeClr val="tx1"/>
+                </a:solidFill>
+                <a:latin typeface="+mn-lt"/>
+                <a:ea typeface="+mn-ea"/>
+                <a:cs typeface="+mn-cs"/>
+              </a:defRPr>
+            </a:lvl9pPr>
+          </a:lstStyle>
+          <a:p>
+            <a:pPr marL="342900" indent="-342900" algn="l">
+              <a:buFont typeface="Arial" panose="020B0604020202020204" pitchFamily="34" charset="0"/>
+              <a:buChar char="•"/>
+            </a:pPr>
+            <a:r>
+              <a:rPr lang="de-DE" sz="2000" dirty="0">
+                <a:solidFill>
                   <a:srgbClr val="00B050"/>
                 </a:solidFill>
               </a:rPr>
-              <a:t>Latenz:</a:t>
-            </a:r>
-            <a:endParaRPr lang="de-DE" dirty="0">
+              <a:t>Scan Codes, check time(</a:t>
+            </a:r>
+            <a:r>
+              <a:rPr lang="de-DE" sz="2000" dirty="0">
+                <a:solidFill>
+                  <a:srgbClr val="00B050"/>
+                </a:solidFill>
+                <a:hlinkClick r:id="rId2">
+                  <a:extLst>
+                    <a:ext uri="{A12FA001-AC4F-418D-AE19-62706E023703}">
+                      <ahyp:hlinkClr xmlns:ahyp="http://schemas.microsoft.com/office/drawing/2018/hyperlinkcolor" val="tx"/>
+                    </a:ext>
+                  </a:extLst>
+                </a:hlinkClick>
+              </a:rPr>
+              <a:t>link</a:t>
+            </a:r>
+            <a:r>
+              <a:rPr lang="de-DE" sz="2000" dirty="0">
+                <a:solidFill>
+                  <a:srgbClr val="00B050"/>
+                </a:solidFill>
+              </a:rPr>
+              <a:t>)</a:t>
+            </a:r>
+          </a:p>
+          <a:p>
+            <a:pPr marL="342900" indent="-342900" algn="l">
+              <a:buFont typeface="Arial" panose="020B0604020202020204" pitchFamily="34" charset="0"/>
+              <a:buChar char="•"/>
+            </a:pPr>
+            <a:r>
+              <a:rPr lang="de-CH" sz="2000" dirty="0">
+                <a:solidFill>
+                  <a:srgbClr val="00B050"/>
+                </a:solidFill>
+              </a:rPr>
+              <a:t>Diverse mögl. Mittel-sehr schwer</a:t>
+            </a:r>
+          </a:p>
+          <a:p>
+            <a:pPr marL="342900" indent="-342900" algn="l">
+              <a:buFont typeface="Arial" panose="020B0604020202020204" pitchFamily="34" charset="0"/>
+              <a:buChar char="•"/>
+            </a:pPr>
+            <a:r>
+              <a:rPr lang="de-CH" sz="2000" dirty="0">
+                <a:solidFill>
+                  <a:srgbClr val="00B050"/>
+                </a:solidFill>
+              </a:rPr>
+              <a:t>Streams/ YT </a:t>
+            </a:r>
+            <a:r>
+              <a:rPr lang="de-CH" sz="2000" dirty="0" err="1">
+                <a:solidFill>
+                  <a:srgbClr val="00B050"/>
+                </a:solidFill>
+              </a:rPr>
+              <a:t>vids</a:t>
+            </a:r>
+            <a:endParaRPr lang="de-CH" sz="2000" dirty="0">
               <a:solidFill>
                 <a:srgbClr val="00B050"/>
               </a:solidFill>
             </a:endParaRPr>
           </a:p>
-        </p:txBody>
-      </p:sp>
-      <p:sp>
-        <p:nvSpPr>
-          <p:cNvPr id="3" name="Untertitel 2">
-            <a:extLst>
-              <a:ext uri="{FF2B5EF4-FFF2-40B4-BE49-F238E27FC236}">
-                <a16:creationId xmlns:a16="http://schemas.microsoft.com/office/drawing/2014/main" id="{65EC4E1A-91ED-4590-BE93-4D1683B0C547}"/>
-              </a:ext>
-            </a:extLst>
-          </p:cNvPr>
-          <p:cNvSpPr>
-            <a:spLocks noGrp="1"/>
-          </p:cNvSpPr>
-          <p:nvPr>
-            <p:ph type="subTitle" idx="1"/>
-          </p:nvPr>
-        </p:nvSpPr>
-        <p:spPr>
-          <a:xfrm>
-            <a:off x="169025" y="1213770"/>
-            <a:ext cx="9144000" cy="1655762"/>
-          </a:xfrm>
-        </p:spPr>
-        <p:txBody>
-          <a:bodyPr>
-            <a:normAutofit/>
-          </a:bodyPr>
-          <a:lstStyle/>
-          <a:p>
-            <a:pPr algn="l"/>
-            <a:r>
-              <a:rPr lang="de-CH" sz="1800" dirty="0"/>
-              <a:t>Screenshot:</a:t>
-            </a:r>
-          </a:p>
-          <a:p>
-            <a:pPr algn="l"/>
-            <a:r>
-              <a:rPr lang="de-CH" sz="1800" dirty="0"/>
-              <a:t>Win32gui, </a:t>
-            </a:r>
-            <a:r>
-              <a:rPr lang="de-CH" sz="1800" dirty="0" err="1"/>
-              <a:t>gtk</a:t>
-            </a:r>
-            <a:r>
-              <a:rPr lang="de-CH" sz="1800" dirty="0"/>
-              <a:t>, </a:t>
-            </a:r>
-            <a:r>
-              <a:rPr lang="de-CH" sz="1800" dirty="0" err="1"/>
-              <a:t>directx</a:t>
-            </a:r>
-            <a:endParaRPr lang="de-CH" sz="1800" dirty="0"/>
-          </a:p>
-          <a:p>
-            <a:pPr algn="l"/>
-            <a:r>
-              <a:rPr lang="de-CH" sz="1800" dirty="0"/>
-              <a:t>C oder C#, nicht so gute </a:t>
-            </a:r>
-            <a:r>
-              <a:rPr lang="de-CH" sz="1800" dirty="0" err="1"/>
-              <a:t>option</a:t>
-            </a:r>
-            <a:r>
-              <a:rPr lang="de-CH" sz="1800" dirty="0"/>
-              <a:t>, </a:t>
-            </a:r>
-            <a:r>
-              <a:rPr lang="de-CH" sz="1800" dirty="0" err="1"/>
-              <a:t>übertragung</a:t>
-            </a:r>
-            <a:r>
-              <a:rPr lang="de-CH" sz="1800" dirty="0"/>
-              <a:t>, fehlende </a:t>
-            </a:r>
-            <a:r>
-              <a:rPr lang="de-CH" sz="1800" dirty="0" err="1"/>
-              <a:t>imports</a:t>
-            </a:r>
-            <a:endParaRPr lang="de-CH" sz="1800" dirty="0"/>
-          </a:p>
-          <a:p>
-            <a:pPr algn="l"/>
-            <a:r>
-              <a:rPr lang="de-CH" sz="1800" dirty="0"/>
-              <a:t>Windows feature nutzen ??</a:t>
+          <a:p>
+            <a:pPr marL="342900" indent="-342900" algn="l">
+              <a:buFont typeface="Arial" panose="020B0604020202020204" pitchFamily="34" charset="0"/>
+              <a:buChar char="•"/>
+            </a:pPr>
+            <a:r>
+              <a:rPr lang="de-CH" sz="2000" dirty="0">
+                <a:solidFill>
+                  <a:srgbClr val="00B050"/>
+                </a:solidFill>
+              </a:rPr>
+              <a:t>Gut machbar – sehr aufwendig(zeitintensiv)</a:t>
+            </a:r>
+          </a:p>
+          <a:p>
+            <a:pPr marL="342900" indent="-342900" algn="l">
+              <a:buFont typeface="Arial" panose="020B0604020202020204" pitchFamily="34" charset="0"/>
+              <a:buChar char="•"/>
+            </a:pPr>
+            <a:r>
+              <a:rPr lang="de-CH" sz="2000" dirty="0">
+                <a:solidFill>
+                  <a:srgbClr val="00B050"/>
+                </a:solidFill>
+              </a:rPr>
+              <a:t>Reaktionszeit schlecht, </a:t>
+            </a:r>
+            <a:r>
+              <a:rPr lang="de-CH" sz="2000" dirty="0" err="1">
+                <a:solidFill>
+                  <a:srgbClr val="00B050"/>
+                </a:solidFill>
+              </a:rPr>
+              <a:t>aim</a:t>
+            </a:r>
+            <a:r>
+              <a:rPr lang="de-CH" sz="2000" dirty="0">
+                <a:solidFill>
+                  <a:srgbClr val="00B050"/>
+                </a:solidFill>
+              </a:rPr>
+              <a:t> perfekt, Entscheidungen schlecht</a:t>
             </a:r>
           </a:p>
         </p:txBody>
@@ -7194,7 +7671,7 @@
     </p:spTree>
     <p:extLst>
       <p:ext uri="{BB962C8B-B14F-4D97-AF65-F5344CB8AC3E}">
-        <p14:creationId xmlns:p14="http://schemas.microsoft.com/office/powerpoint/2010/main" val="991322312"/>
+        <p14:creationId xmlns:p14="http://schemas.microsoft.com/office/powerpoint/2010/main" val="147640030"/>
       </p:ext>
     </p:extLst>
   </p:cSld>
@@ -7239,14 +7716,12 @@
         </p:nvSpPr>
         <p:spPr>
           <a:xfrm>
-            <a:off x="169024" y="162097"/>
-            <a:ext cx="9143999" cy="970425"/>
+            <a:off x="169025" y="162097"/>
+            <a:ext cx="3667298" cy="970425"/>
           </a:xfrm>
         </p:spPr>
         <p:txBody>
-          <a:bodyPr>
-            <a:normAutofit/>
-          </a:bodyPr>
+          <a:bodyPr/>
           <a:lstStyle/>
           <a:p>
             <a:pPr algn="l"/>
@@ -7256,7 +7731,7 @@
                   <a:srgbClr val="00B050"/>
                 </a:solidFill>
               </a:rPr>
-              <a:t>Learning Data:</a:t>
+              <a:t>RS6:</a:t>
             </a:r>
             <a:endParaRPr lang="de-DE" dirty="0">
               <a:solidFill>
@@ -7268,10 +7743,10 @@
       </p:sp>
       <p:sp>
         <p:nvSpPr>
-          <p:cNvPr id="3" name="Untertitel 2">
-            <a:extLst>
-              <a:ext uri="{FF2B5EF4-FFF2-40B4-BE49-F238E27FC236}">
-                <a16:creationId xmlns:a16="http://schemas.microsoft.com/office/drawing/2014/main" id="{65EC4E1A-91ED-4590-BE93-4D1683B0C547}"/>
+          <p:cNvPr id="7" name="Untertitel 6">
+            <a:extLst>
+              <a:ext uri="{FF2B5EF4-FFF2-40B4-BE49-F238E27FC236}">
+                <a16:creationId xmlns:a16="http://schemas.microsoft.com/office/drawing/2014/main" id="{93E18C81-C897-4FC8-8BAF-F7DB3F88F2A2}"/>
               </a:ext>
             </a:extLst>
           </p:cNvPr>
@@ -7284,8 +7759,8 @@
         </p:nvSpPr>
         <p:spPr>
           <a:xfrm>
-            <a:off x="169023" y="2319815"/>
-            <a:ext cx="10732832" cy="1655762"/>
+            <a:off x="169025" y="1478135"/>
+            <a:ext cx="5005648" cy="3654973"/>
           </a:xfrm>
         </p:spPr>
         <p:txBody>
@@ -7296,327 +7771,355 @@
           <a:p>
             <a:pPr algn="l"/>
             <a:r>
-              <a:rPr lang="de-CH" sz="1800" dirty="0" err="1"/>
-              <a:t>Afk</a:t>
-            </a:r>
+              <a:rPr lang="de-DE" sz="1800" b="1" dirty="0"/>
+              <a:t>Vergleichs Themen:</a:t>
+            </a:r>
+          </a:p>
+          <a:p>
+            <a:pPr marL="342900" indent="-342900" algn="l">
+              <a:buFont typeface="Arial" panose="020B0604020202020204" pitchFamily="34" charset="0"/>
+              <a:buChar char="•"/>
+            </a:pPr>
+            <a:r>
+              <a:rPr lang="de-DE" sz="1800" dirty="0"/>
+              <a:t>Wie Kommunikation NN zu Game</a:t>
+            </a:r>
+          </a:p>
+          <a:p>
+            <a:pPr marL="342900" indent="-342900" algn="l">
+              <a:buFont typeface="Arial" panose="020B0604020202020204" pitchFamily="34" charset="0"/>
+              <a:buChar char="•"/>
+            </a:pPr>
             <a:r>
               <a:rPr lang="de-CH" sz="1800" dirty="0"/>
-              <a:t> </a:t>
-            </a:r>
-            <a:r>
-              <a:rPr lang="de-CH" sz="1800" dirty="0" err="1"/>
-              <a:t>footage</a:t>
-            </a:r>
+              <a:t>Wie komplex wären die möglichen Architekturen</a:t>
+            </a:r>
+          </a:p>
+          <a:p>
+            <a:pPr marL="342900" indent="-342900" algn="l">
+              <a:buFont typeface="Arial" panose="020B0604020202020204" pitchFamily="34" charset="0"/>
+              <a:buChar char="•"/>
+            </a:pPr>
             <a:r>
               <a:rPr lang="de-CH" sz="1800" dirty="0"/>
-              <a:t>, </a:t>
-            </a:r>
-            <a:r>
-              <a:rPr lang="de-CH" sz="1800" dirty="0" err="1"/>
-              <a:t>algo</a:t>
-            </a:r>
+              <a:t>Welche Trainingsdaten</a:t>
+            </a:r>
+          </a:p>
+          <a:p>
+            <a:pPr marL="342900" indent="-342900" algn="l">
+              <a:buFont typeface="Arial" panose="020B0604020202020204" pitchFamily="34" charset="0"/>
+              <a:buChar char="•"/>
+            </a:pPr>
             <a:r>
               <a:rPr lang="de-CH" sz="1800" dirty="0"/>
-              <a:t> </a:t>
-            </a:r>
-            <a:r>
-              <a:rPr lang="de-CH" sz="1800" b="1" dirty="0" err="1"/>
-              <a:t>recognises</a:t>
-            </a:r>
-            <a:r>
-              <a:rPr lang="de-CH" sz="1800" b="1" dirty="0"/>
-              <a:t> </a:t>
-            </a:r>
-            <a:r>
-              <a:rPr lang="de-CH" sz="1800" b="1" dirty="0" err="1"/>
-              <a:t>pixel</a:t>
-            </a:r>
-            <a:r>
-              <a:rPr lang="de-CH" sz="1800" b="1" dirty="0"/>
-              <a:t> </a:t>
-            </a:r>
-            <a:r>
-              <a:rPr lang="de-CH" sz="1800" b="1" dirty="0" err="1"/>
-              <a:t>change</a:t>
-            </a:r>
+              <a:t>Wie Rechenaufwendig wäre das Training</a:t>
+            </a:r>
+          </a:p>
+          <a:p>
+            <a:pPr marL="342900" indent="-342900" algn="l">
+              <a:buFont typeface="Arial" panose="020B0604020202020204" pitchFamily="34" charset="0"/>
+              <a:buChar char="•"/>
+            </a:pPr>
             <a:r>
               <a:rPr lang="de-CH" sz="1800" dirty="0"/>
-              <a:t>		smoke, </a:t>
-            </a:r>
-            <a:r>
-              <a:rPr lang="de-CH" sz="1800" dirty="0" err="1"/>
-              <a:t>shaking</a:t>
-            </a:r>
-            <a:r>
-              <a:rPr lang="de-CH" sz="1800" dirty="0"/>
-              <a:t>, lack </a:t>
-            </a:r>
-            <a:r>
-              <a:rPr lang="de-CH" sz="1800" dirty="0" err="1"/>
-              <a:t>of</a:t>
-            </a:r>
-            <a:r>
-              <a:rPr lang="de-CH" sz="1800" dirty="0"/>
-              <a:t> </a:t>
-            </a:r>
-            <a:r>
-              <a:rPr lang="de-CH" sz="1800" dirty="0" err="1"/>
-              <a:t>footage</a:t>
-            </a:r>
-            <a:r>
-              <a:rPr lang="de-CH" sz="1800" dirty="0"/>
-              <a:t>, </a:t>
-            </a:r>
-            <a:r>
-              <a:rPr lang="de-CH" sz="1800" dirty="0" err="1"/>
-              <a:t>bad</a:t>
-            </a:r>
-            <a:r>
-              <a:rPr lang="de-CH" sz="1800" dirty="0"/>
-              <a:t> </a:t>
-            </a:r>
-            <a:r>
-              <a:rPr lang="de-CH" sz="1800" dirty="0" err="1"/>
-              <a:t>resolution</a:t>
-            </a:r>
-            <a:endParaRPr lang="de-CH" sz="1800" dirty="0"/>
-          </a:p>
-          <a:p>
-            <a:pPr algn="l"/>
-            <a:r>
-              <a:rPr lang="de-CH" sz="1800" dirty="0"/>
-              <a:t>Hacking </a:t>
-            </a:r>
-            <a:r>
-              <a:rPr lang="de-CH" sz="1800" dirty="0" err="1"/>
-              <a:t>footage</a:t>
-            </a:r>
-            <a:r>
-              <a:rPr lang="de-CH" sz="1800" dirty="0"/>
-              <a:t>, </a:t>
-            </a:r>
-            <a:r>
-              <a:rPr lang="de-CH" sz="1800" dirty="0" err="1"/>
-              <a:t>algo</a:t>
-            </a:r>
-            <a:r>
-              <a:rPr lang="de-CH" sz="1800" dirty="0"/>
-              <a:t> </a:t>
-            </a:r>
-            <a:r>
-              <a:rPr lang="de-CH" sz="1800" b="1" dirty="0" err="1"/>
-              <a:t>recognise</a:t>
-            </a:r>
-            <a:r>
-              <a:rPr lang="de-CH" sz="1800" b="1" dirty="0"/>
-              <a:t> </a:t>
-            </a:r>
-            <a:r>
-              <a:rPr lang="de-CH" sz="1800" b="1" dirty="0" err="1"/>
-              <a:t>colored</a:t>
-            </a:r>
-            <a:r>
-              <a:rPr lang="de-CH" sz="1800" b="1" dirty="0"/>
-              <a:t> </a:t>
-            </a:r>
-            <a:r>
-              <a:rPr lang="de-CH" sz="1800" b="1" dirty="0" err="1"/>
-              <a:t>Hitboxes</a:t>
-            </a:r>
-            <a:r>
-              <a:rPr lang="de-CH" sz="1800" b="1" dirty="0"/>
-              <a:t>	</a:t>
-            </a:r>
-            <a:r>
-              <a:rPr lang="de-CH" sz="1800" dirty="0"/>
-              <a:t>lack </a:t>
-            </a:r>
-            <a:r>
-              <a:rPr lang="de-CH" sz="1800" dirty="0" err="1"/>
-              <a:t>of</a:t>
-            </a:r>
-            <a:r>
-              <a:rPr lang="de-CH" sz="1800" dirty="0"/>
-              <a:t> </a:t>
-            </a:r>
-            <a:r>
-              <a:rPr lang="de-CH" sz="1800" dirty="0" err="1"/>
-              <a:t>footage</a:t>
-            </a:r>
-            <a:r>
-              <a:rPr lang="de-CH" sz="1800" dirty="0"/>
-              <a:t>, </a:t>
-            </a:r>
-            <a:r>
-              <a:rPr lang="de-CH" sz="1800" dirty="0" err="1"/>
-              <a:t>bad</a:t>
-            </a:r>
-            <a:r>
-              <a:rPr lang="de-CH" sz="1800" dirty="0"/>
-              <a:t> </a:t>
-            </a:r>
-            <a:r>
-              <a:rPr lang="de-CH" sz="1800" dirty="0" err="1"/>
-              <a:t>resolution</a:t>
-            </a:r>
-            <a:endParaRPr lang="de-CH" sz="1800" dirty="0"/>
-          </a:p>
-          <a:p>
-            <a:pPr algn="l"/>
-            <a:r>
-              <a:rPr lang="de-CH" sz="1800" b="1" dirty="0" err="1"/>
-              <a:t>AfterEffects</a:t>
-            </a:r>
-            <a:r>
-              <a:rPr lang="de-CH" sz="1800" b="1" dirty="0"/>
-              <a:t>/</a:t>
-            </a:r>
-            <a:r>
-              <a:rPr lang="de-CH" sz="1800" b="1" dirty="0" err="1"/>
-              <a:t>Fotoshop</a:t>
-            </a:r>
-            <a:r>
-              <a:rPr lang="de-CH" sz="1800" b="1" dirty="0"/>
-              <a:t> </a:t>
-            </a:r>
-            <a:r>
-              <a:rPr lang="de-CH" sz="1800" dirty="0"/>
-              <a:t>feature </a:t>
-            </a:r>
-            <a:r>
-              <a:rPr lang="de-CH" sz="1800" dirty="0" err="1"/>
-              <a:t>autorecognision</a:t>
-            </a:r>
-            <a:r>
-              <a:rPr lang="de-CH" sz="1800" dirty="0"/>
-              <a:t>		</a:t>
-            </a:r>
-            <a:r>
-              <a:rPr lang="de-CH" sz="1800" dirty="0" err="1"/>
-              <a:t>dont</a:t>
-            </a:r>
-            <a:r>
-              <a:rPr lang="de-CH" sz="1800" dirty="0"/>
-              <a:t> </a:t>
-            </a:r>
-            <a:r>
-              <a:rPr lang="de-CH" sz="1800" dirty="0" err="1"/>
-              <a:t>exist</a:t>
-            </a:r>
-            <a:r>
-              <a:rPr lang="de-CH" sz="1800" dirty="0"/>
-              <a:t> at all, </a:t>
-            </a:r>
-            <a:r>
-              <a:rPr lang="de-CH" sz="1800" dirty="0" err="1"/>
-              <a:t>costs</a:t>
-            </a:r>
-            <a:r>
-              <a:rPr lang="de-CH" sz="1800" dirty="0"/>
-              <a:t>, </a:t>
-            </a:r>
-            <a:r>
-              <a:rPr lang="de-CH" sz="1800" dirty="0" err="1"/>
-              <a:t>bunch</a:t>
-            </a:r>
-            <a:r>
-              <a:rPr lang="de-CH" sz="1800" dirty="0"/>
-              <a:t> </a:t>
-            </a:r>
-            <a:r>
-              <a:rPr lang="de-CH" sz="1800" dirty="0" err="1"/>
-              <a:t>of</a:t>
-            </a:r>
-            <a:r>
-              <a:rPr lang="de-CH" sz="1800" dirty="0"/>
-              <a:t> </a:t>
-            </a:r>
-            <a:r>
-              <a:rPr lang="de-CH" sz="1800" dirty="0" err="1"/>
-              <a:t>work</a:t>
-            </a:r>
-            <a:endParaRPr lang="de-CH" sz="1800" dirty="0"/>
-          </a:p>
-        </p:txBody>
-      </p:sp>
-      <p:sp>
-        <p:nvSpPr>
-          <p:cNvPr id="2" name="Textfeld 1">
-            <a:extLst>
-              <a:ext uri="{FF2B5EF4-FFF2-40B4-BE49-F238E27FC236}">
-                <a16:creationId xmlns:a16="http://schemas.microsoft.com/office/drawing/2014/main" id="{998BCA18-59D5-4FC5-B7D1-707A6C6AF215}"/>
-              </a:ext>
-            </a:extLst>
-          </p:cNvPr>
-          <p:cNvSpPr txBox="1"/>
+              <a:t>Wie Gut im Vergleich zum Mensch (Reaktionszeit, Qualität der Entscheidungen)</a:t>
+            </a:r>
+          </a:p>
+        </p:txBody>
+      </p:sp>
+      <p:sp>
+        <p:nvSpPr>
+          <p:cNvPr id="8" name="Untertitel 6">
+            <a:extLst>
+              <a:ext uri="{FF2B5EF4-FFF2-40B4-BE49-F238E27FC236}">
+                <a16:creationId xmlns:a16="http://schemas.microsoft.com/office/drawing/2014/main" id="{2EE48023-3D91-4AAF-8100-01E686120F4D}"/>
+              </a:ext>
+            </a:extLst>
+          </p:cNvPr>
+          <p:cNvSpPr txBox="1">
+            <a:spLocks/>
+          </p:cNvSpPr>
           <p:nvPr/>
         </p:nvSpPr>
         <p:spPr>
           <a:xfrm>
-            <a:off x="299545" y="1056290"/>
-            <a:ext cx="5423338" cy="646331"/>
+            <a:off x="5374702" y="1601513"/>
+            <a:ext cx="6532419" cy="3654973"/>
           </a:xfrm>
           <a:prstGeom prst="rect">
             <a:avLst/>
           </a:prstGeom>
-          <a:noFill/>
         </p:spPr>
         <p:txBody>
-          <a:bodyPr wrap="square" rtlCol="0">
-            <a:spAutoFit/>
+          <a:bodyPr vert="horz" lIns="91440" tIns="45720" rIns="91440" bIns="45720" rtlCol="0">
+            <a:normAutofit/>
           </a:bodyPr>
-          <a:lstStyle/>
-          <a:p>
-            <a:r>
-              <a:rPr lang="de-CH" dirty="0"/>
-              <a:t>Wie genügend Lernbilder mit Lösung bereitstellen</a:t>
-            </a:r>
-          </a:p>
-          <a:p>
-            <a:r>
-              <a:rPr lang="de-CH" dirty="0"/>
-              <a:t>Ohne/Mit Gegner, insg. </a:t>
-            </a:r>
-            <a:r>
-              <a:rPr lang="de-CH" dirty="0">
+          <a:lstStyle>
+            <a:lvl1pPr marL="0" indent="0" algn="ctr" defTabSz="914400" rtl="0" eaLnBrk="1" latinLnBrk="0" hangingPunct="1">
+              <a:lnSpc>
+                <a:spcPct val="90000"/>
+              </a:lnSpc>
+              <a:spcBef>
+                <a:spcPts val="1000"/>
+              </a:spcBef>
+              <a:buFont typeface="Arial" panose="020B0604020202020204" pitchFamily="34" charset="0"/>
+              <a:buNone/>
+              <a:defRPr sz="2400" kern="1200">
+                <a:solidFill>
+                  <a:schemeClr val="tx1"/>
+                </a:solidFill>
+                <a:latin typeface="+mn-lt"/>
+                <a:ea typeface="+mn-ea"/>
+                <a:cs typeface="+mn-cs"/>
+              </a:defRPr>
+            </a:lvl1pPr>
+            <a:lvl2pPr marL="457200" indent="0" algn="ctr" defTabSz="914400" rtl="0" eaLnBrk="1" latinLnBrk="0" hangingPunct="1">
+              <a:lnSpc>
+                <a:spcPct val="90000"/>
+              </a:lnSpc>
+              <a:spcBef>
+                <a:spcPts val="500"/>
+              </a:spcBef>
+              <a:buFont typeface="Arial" panose="020B0604020202020204" pitchFamily="34" charset="0"/>
+              <a:buNone/>
+              <a:defRPr sz="2000" kern="1200">
+                <a:solidFill>
+                  <a:schemeClr val="tx1"/>
+                </a:solidFill>
+                <a:latin typeface="+mn-lt"/>
+                <a:ea typeface="+mn-ea"/>
+                <a:cs typeface="+mn-cs"/>
+              </a:defRPr>
+            </a:lvl2pPr>
+            <a:lvl3pPr marL="914400" indent="0" algn="ctr" defTabSz="914400" rtl="0" eaLnBrk="1" latinLnBrk="0" hangingPunct="1">
+              <a:lnSpc>
+                <a:spcPct val="90000"/>
+              </a:lnSpc>
+              <a:spcBef>
+                <a:spcPts val="500"/>
+              </a:spcBef>
+              <a:buFont typeface="Arial" panose="020B0604020202020204" pitchFamily="34" charset="0"/>
+              <a:buNone/>
+              <a:defRPr sz="1800" kern="1200">
+                <a:solidFill>
+                  <a:schemeClr val="tx1"/>
+                </a:solidFill>
+                <a:latin typeface="+mn-lt"/>
+                <a:ea typeface="+mn-ea"/>
+                <a:cs typeface="+mn-cs"/>
+              </a:defRPr>
+            </a:lvl3pPr>
+            <a:lvl4pPr marL="1371600" indent="0" algn="ctr" defTabSz="914400" rtl="0" eaLnBrk="1" latinLnBrk="0" hangingPunct="1">
+              <a:lnSpc>
+                <a:spcPct val="90000"/>
+              </a:lnSpc>
+              <a:spcBef>
+                <a:spcPts val="500"/>
+              </a:spcBef>
+              <a:buFont typeface="Arial" panose="020B0604020202020204" pitchFamily="34" charset="0"/>
+              <a:buNone/>
+              <a:defRPr sz="1600" kern="1200">
+                <a:solidFill>
+                  <a:schemeClr val="tx1"/>
+                </a:solidFill>
+                <a:latin typeface="+mn-lt"/>
+                <a:ea typeface="+mn-ea"/>
+                <a:cs typeface="+mn-cs"/>
+              </a:defRPr>
+            </a:lvl4pPr>
+            <a:lvl5pPr marL="1828800" indent="0" algn="ctr" defTabSz="914400" rtl="0" eaLnBrk="1" latinLnBrk="0" hangingPunct="1">
+              <a:lnSpc>
+                <a:spcPct val="90000"/>
+              </a:lnSpc>
+              <a:spcBef>
+                <a:spcPts val="500"/>
+              </a:spcBef>
+              <a:buFont typeface="Arial" panose="020B0604020202020204" pitchFamily="34" charset="0"/>
+              <a:buNone/>
+              <a:defRPr sz="1600" kern="1200">
+                <a:solidFill>
+                  <a:schemeClr val="tx1"/>
+                </a:solidFill>
+                <a:latin typeface="+mn-lt"/>
+                <a:ea typeface="+mn-ea"/>
+                <a:cs typeface="+mn-cs"/>
+              </a:defRPr>
+            </a:lvl5pPr>
+            <a:lvl6pPr marL="2286000" indent="0" algn="ctr" defTabSz="914400" rtl="0" eaLnBrk="1" latinLnBrk="0" hangingPunct="1">
+              <a:lnSpc>
+                <a:spcPct val="90000"/>
+              </a:lnSpc>
+              <a:spcBef>
+                <a:spcPts val="500"/>
+              </a:spcBef>
+              <a:buFont typeface="Arial" panose="020B0604020202020204" pitchFamily="34" charset="0"/>
+              <a:buNone/>
+              <a:defRPr sz="1600" kern="1200">
+                <a:solidFill>
+                  <a:schemeClr val="tx1"/>
+                </a:solidFill>
+                <a:latin typeface="+mn-lt"/>
+                <a:ea typeface="+mn-ea"/>
+                <a:cs typeface="+mn-cs"/>
+              </a:defRPr>
+            </a:lvl6pPr>
+            <a:lvl7pPr marL="2743200" indent="0" algn="ctr" defTabSz="914400" rtl="0" eaLnBrk="1" latinLnBrk="0" hangingPunct="1">
+              <a:lnSpc>
+                <a:spcPct val="90000"/>
+              </a:lnSpc>
+              <a:spcBef>
+                <a:spcPts val="500"/>
+              </a:spcBef>
+              <a:buFont typeface="Arial" panose="020B0604020202020204" pitchFamily="34" charset="0"/>
+              <a:buNone/>
+              <a:defRPr sz="1600" kern="1200">
+                <a:solidFill>
+                  <a:schemeClr val="tx1"/>
+                </a:solidFill>
+                <a:latin typeface="+mn-lt"/>
+                <a:ea typeface="+mn-ea"/>
+                <a:cs typeface="+mn-cs"/>
+              </a:defRPr>
+            </a:lvl7pPr>
+            <a:lvl8pPr marL="3200400" indent="0" algn="ctr" defTabSz="914400" rtl="0" eaLnBrk="1" latinLnBrk="0" hangingPunct="1">
+              <a:lnSpc>
+                <a:spcPct val="90000"/>
+              </a:lnSpc>
+              <a:spcBef>
+                <a:spcPts val="500"/>
+              </a:spcBef>
+              <a:buFont typeface="Arial" panose="020B0604020202020204" pitchFamily="34" charset="0"/>
+              <a:buNone/>
+              <a:defRPr sz="1600" kern="1200">
+                <a:solidFill>
+                  <a:schemeClr val="tx1"/>
+                </a:solidFill>
+                <a:latin typeface="+mn-lt"/>
+                <a:ea typeface="+mn-ea"/>
+                <a:cs typeface="+mn-cs"/>
+              </a:defRPr>
+            </a:lvl8pPr>
+            <a:lvl9pPr marL="3657600" indent="0" algn="ctr" defTabSz="914400" rtl="0" eaLnBrk="1" latinLnBrk="0" hangingPunct="1">
+              <a:lnSpc>
+                <a:spcPct val="90000"/>
+              </a:lnSpc>
+              <a:spcBef>
+                <a:spcPts val="500"/>
+              </a:spcBef>
+              <a:buFont typeface="Arial" panose="020B0604020202020204" pitchFamily="34" charset="0"/>
+              <a:buNone/>
+              <a:defRPr sz="1600" kern="1200">
+                <a:solidFill>
+                  <a:schemeClr val="tx1"/>
+                </a:solidFill>
+                <a:latin typeface="+mn-lt"/>
+                <a:ea typeface="+mn-ea"/>
+                <a:cs typeface="+mn-cs"/>
+              </a:defRPr>
+            </a:lvl9pPr>
+          </a:lstStyle>
+          <a:p>
+            <a:pPr marL="342900" indent="-342900" algn="l">
+              <a:buFont typeface="Calibri" panose="020F0502020204030204" pitchFamily="34" charset="0"/>
+              <a:buChar char="⁼"/>
+            </a:pPr>
+            <a:r>
+              <a:rPr lang="de-CH" sz="1800" dirty="0"/>
+              <a:t>Gegner erkennen, aming…. Mehr wird schwierig, MINECRAFT</a:t>
+            </a:r>
+          </a:p>
+          <a:p>
+            <a:pPr marL="342900" indent="-342900" algn="l">
+              <a:buFont typeface="Calibri" panose="020F0502020204030204" pitchFamily="34" charset="0"/>
+              <a:buChar char="⁼"/>
+            </a:pPr>
+            <a:r>
+              <a:rPr lang="de-DE" sz="1800" dirty="0"/>
+              <a:t>USB Mouse/ Keyboard immitation</a:t>
+            </a:r>
+          </a:p>
+          <a:p>
+            <a:pPr marL="342900" indent="-342900" algn="l">
+              <a:buFont typeface="Calibri" panose="020F0502020204030204" pitchFamily="34" charset="0"/>
+              <a:buChar char="⁼"/>
+            </a:pPr>
+            <a:r>
+              <a:rPr lang="de-DE" sz="1800" dirty="0"/>
+              <a:t>Screenshot, Externe Kamera</a:t>
+            </a:r>
+          </a:p>
+          <a:p>
+            <a:pPr marL="342900" indent="-342900" algn="l">
+              <a:buFont typeface="Calibri" panose="020F0502020204030204" pitchFamily="34" charset="0"/>
+              <a:buChar char="⁼"/>
+            </a:pPr>
+            <a:r>
+              <a:rPr lang="de-DE" sz="1800" dirty="0"/>
+              <a:t>Pya(</a:t>
+            </a:r>
+            <a:r>
+              <a:rPr lang="de-DE" sz="1800" dirty="0">
                 <a:solidFill>
                   <a:srgbClr val="FF0000"/>
                 </a:solidFill>
               </a:rPr>
-              <a:t>Min 10’000</a:t>
-            </a:r>
-            <a:r>
-              <a:rPr lang="de-CH" dirty="0"/>
-              <a:t>, </a:t>
-            </a:r>
-            <a:r>
-              <a:rPr lang="de-CH" dirty="0" err="1">
-                <a:solidFill>
-                  <a:srgbClr val="00B050"/>
+              <a:t>0.5</a:t>
+            </a:r>
+            <a:r>
+              <a:rPr lang="de-DE" sz="1800" dirty="0"/>
+              <a:t>), Win32gui(</a:t>
+            </a:r>
+            <a:r>
+              <a:rPr lang="de-DE" sz="1800" dirty="0">
+                <a:solidFill>
+                  <a:srgbClr val="FF0000"/>
                 </a:solidFill>
               </a:rPr>
-              <a:t>good</a:t>
-            </a:r>
-            <a:r>
-              <a:rPr lang="de-CH" dirty="0">
-                <a:solidFill>
-                  <a:srgbClr val="00B050"/>
+              <a:t>~0.05</a:t>
+            </a:r>
+            <a:r>
+              <a:rPr lang="de-DE" sz="1800" dirty="0"/>
+              <a:t>), DirectX(), PyGTK(</a:t>
+            </a:r>
+            <a:r>
+              <a:rPr lang="de-DE" sz="1800" dirty="0">
+                <a:solidFill>
+                  <a:srgbClr val="FF0000"/>
                 </a:solidFill>
               </a:rPr>
-              <a:t> 100’000</a:t>
-            </a:r>
-            <a:endParaRPr lang="de-DE" dirty="0">
-              <a:solidFill>
-                <a:srgbClr val="00B050"/>
-              </a:solidFill>
-            </a:endParaRPr>
+              <a:t>0.1</a:t>
+            </a:r>
+            <a:r>
+              <a:rPr lang="de-DE" sz="1800" dirty="0"/>
+              <a:t>)</a:t>
+            </a:r>
+          </a:p>
+          <a:p>
+            <a:pPr marL="342900" indent="-342900" algn="l">
+              <a:buFont typeface="Calibri" panose="020F0502020204030204" pitchFamily="34" charset="0"/>
+              <a:buChar char="⁼"/>
+            </a:pPr>
+            <a:r>
+              <a:rPr lang="de-CH" sz="1800" dirty="0"/>
+              <a:t>Nur Screen, weniger Auflösung</a:t>
+            </a:r>
+          </a:p>
+          <a:p>
+            <a:pPr marL="342900" indent="-342900" algn="l">
+              <a:buFont typeface="Calibri" panose="020F0502020204030204" pitchFamily="34" charset="0"/>
+              <a:buChar char="⁼"/>
+            </a:pPr>
+            <a:r>
+              <a:rPr lang="de-CH" sz="1800" dirty="0"/>
+              <a:t>Lokation Gegner auf Screen, Mouse/ Keyboard</a:t>
+            </a:r>
           </a:p>
         </p:txBody>
       </p:sp>
     </p:spTree>
     <p:extLst>
       <p:ext uri="{BB962C8B-B14F-4D97-AF65-F5344CB8AC3E}">
-        <p14:creationId xmlns:p14="http://schemas.microsoft.com/office/powerpoint/2010/main" val="3364058020"/>
+        <p14:creationId xmlns:p14="http://schemas.microsoft.com/office/powerpoint/2010/main" val="2718239593"/>
       </p:ext>
     </p:extLst>
   </p:cSld>
@@ -7661,14 +8164,12 @@
         </p:nvSpPr>
         <p:spPr>
           <a:xfrm>
-            <a:off x="169024" y="162097"/>
-            <a:ext cx="9143999" cy="970425"/>
+            <a:off x="169025" y="162097"/>
+            <a:ext cx="3667298" cy="970425"/>
           </a:xfrm>
         </p:spPr>
         <p:txBody>
-          <a:bodyPr>
-            <a:normAutofit/>
-          </a:bodyPr>
+          <a:bodyPr/>
           <a:lstStyle/>
           <a:p>
             <a:pPr algn="l"/>
@@ -7678,23 +8179,7 @@
                   <a:srgbClr val="00B050"/>
                 </a:solidFill>
               </a:rPr>
-              <a:t>RS6 </a:t>
-            </a:r>
-            <a:r>
-              <a:rPr lang="de-CH" dirty="0" err="1">
-                <a:solidFill>
-                  <a:srgbClr val="00B050"/>
-                </a:solidFill>
-              </a:rPr>
-              <a:t>input</a:t>
-            </a:r>
-            <a:r>
-              <a:rPr lang="de-CH" dirty="0">
-                <a:solidFill>
-                  <a:srgbClr val="00B050"/>
-                </a:solidFill>
-              </a:rPr>
-              <a:t>:</a:t>
+              <a:t>Latenz:</a:t>
             </a:r>
             <a:endParaRPr lang="de-DE" dirty="0">
               <a:solidFill>
@@ -7722,8 +8207,8 @@
         </p:nvSpPr>
         <p:spPr>
           <a:xfrm>
-            <a:off x="169023" y="2319815"/>
-            <a:ext cx="10732832" cy="1109185"/>
+            <a:off x="169025" y="1213770"/>
+            <a:ext cx="9144000" cy="1655762"/>
           </a:xfrm>
         </p:spPr>
         <p:txBody>
@@ -7735,86 +8220,70 @@
             <a:pPr algn="l"/>
             <a:r>
               <a:rPr lang="de-CH" sz="1800" dirty="0"/>
-              <a:t>USB </a:t>
+              <a:t>Screenshot:</a:t>
+            </a:r>
+          </a:p>
+          <a:p>
+            <a:pPr algn="l"/>
+            <a:r>
+              <a:rPr lang="de-CH" sz="1800" dirty="0"/>
+              <a:t>Win32gui, </a:t>
             </a:r>
             <a:r>
               <a:rPr lang="de-CH" sz="1800" dirty="0" err="1"/>
-              <a:t>port</a:t>
+              <a:t>gtk</a:t>
             </a:r>
             <a:r>
               <a:rPr lang="de-CH" sz="1800" dirty="0"/>
-              <a:t> </a:t>
+              <a:t>, </a:t>
             </a:r>
             <a:r>
               <a:rPr lang="de-CH" sz="1800" dirty="0" err="1"/>
-              <a:t>input</a:t>
-            </a:r>
+              <a:t>directx</a:t>
+            </a:r>
+            <a:endParaRPr lang="de-CH" sz="1800" dirty="0"/>
+          </a:p>
+          <a:p>
+            <a:pPr algn="l"/>
             <a:r>
               <a:rPr lang="de-CH" sz="1800" dirty="0"/>
-              <a:t>,</a:t>
-            </a:r>
+              <a:t>C oder C#, nicht so gute </a:t>
+            </a:r>
+            <a:r>
+              <a:rPr lang="de-CH" sz="1800" dirty="0" err="1"/>
+              <a:t>option</a:t>
+            </a:r>
+            <a:r>
+              <a:rPr lang="de-CH" sz="1800" dirty="0"/>
+              <a:t>, </a:t>
+            </a:r>
+            <a:r>
+              <a:rPr lang="de-CH" sz="1800" dirty="0" err="1"/>
+              <a:t>übertragung</a:t>
+            </a:r>
+            <a:r>
+              <a:rPr lang="de-CH" sz="1800" dirty="0"/>
+              <a:t>, fehlende </a:t>
+            </a:r>
+            <a:r>
+              <a:rPr lang="de-CH" sz="1800" dirty="0" err="1"/>
+              <a:t>imports</a:t>
+            </a:r>
+            <a:endParaRPr lang="de-CH" sz="1800" dirty="0"/>
           </a:p>
           <a:p>
             <a:pPr algn="l"/>
             <a:r>
               <a:rPr lang="de-CH" sz="1800" dirty="0"/>
-              <a:t>Mouse/ Keyboard nachahmen</a:t>
-            </a:r>
-          </a:p>
-        </p:txBody>
-      </p:sp>
-      <p:sp>
-        <p:nvSpPr>
-          <p:cNvPr id="2" name="Textfeld 1">
-            <a:extLst>
-              <a:ext uri="{FF2B5EF4-FFF2-40B4-BE49-F238E27FC236}">
-                <a16:creationId xmlns:a16="http://schemas.microsoft.com/office/drawing/2014/main" id="{998BCA18-59D5-4FC5-B7D1-707A6C6AF215}"/>
-              </a:ext>
-            </a:extLst>
-          </p:cNvPr>
-          <p:cNvSpPr txBox="1"/>
-          <p:nvPr/>
-        </p:nvSpPr>
-        <p:spPr>
-          <a:xfrm>
-            <a:off x="299545" y="1056290"/>
-            <a:ext cx="5423338" cy="369332"/>
-          </a:xfrm>
-          <a:prstGeom prst="rect">
-            <a:avLst/>
-          </a:prstGeom>
-          <a:noFill/>
-        </p:spPr>
-        <p:txBody>
-          <a:bodyPr wrap="square" rtlCol="0">
-            <a:spAutoFit/>
-          </a:bodyPr>
-          <a:lstStyle/>
-          <a:p>
-            <a:r>
-              <a:rPr lang="de-CH" dirty="0"/>
-              <a:t>Wie steuert K14 den Avatar, anti-</a:t>
-            </a:r>
-            <a:r>
-              <a:rPr lang="de-CH" dirty="0" err="1"/>
-              <a:t>cheat</a:t>
-            </a:r>
-            <a:r>
-              <a:rPr lang="de-CH" dirty="0"/>
-              <a:t> umgehen</a:t>
-            </a:r>
-            <a:endParaRPr lang="de-DE" dirty="0">
-              <a:solidFill>
-                <a:srgbClr val="00B050"/>
-              </a:solidFill>
-            </a:endParaRPr>
+              <a:t>Windows feature nutzen ??</a:t>
+            </a:r>
           </a:p>
         </p:txBody>
       </p:sp>
     </p:spTree>
     <p:extLst>
       <p:ext uri="{BB962C8B-B14F-4D97-AF65-F5344CB8AC3E}">
-        <p14:creationId xmlns:p14="http://schemas.microsoft.com/office/powerpoint/2010/main" val="2106970164"/>
+        <p14:creationId xmlns:p14="http://schemas.microsoft.com/office/powerpoint/2010/main" val="991322312"/>
       </p:ext>
     </p:extLst>
   </p:cSld>
